--- a/High-performance-Computing/lab/mpimini/Demo ppt.pptx
+++ b/High-performance-Computing/lab/mpimini/Demo ppt.pptx
@@ -1,29 +1,30 @@
 
 <file path=ppt/presentation.xml><?xml version="1.0" encoding="utf-8"?>
-<p:presentation xmlns:a="http://schemas.openxmlformats.org/drawingml/2006/main" xmlns:r="http://schemas.openxmlformats.org/officeDocument/2006/relationships" xmlns:mc="http://schemas.openxmlformats.org/markup-compatibility/2006" xmlns:mv="urn:schemas-microsoft-com:mac:vml" xmlns:p="http://schemas.openxmlformats.org/presentationml/2006/main" xmlns:c="http://schemas.openxmlformats.org/drawingml/2006/chart" xmlns:dgm="http://schemas.openxmlformats.org/drawingml/2006/diagram" xmlns:o="urn:schemas-microsoft-com:office:office" xmlns:v="urn:schemas-microsoft-com:vml" xmlns:pvml="urn:schemas-microsoft-com:office:powerpoint" xmlns:com="http://schemas.openxmlformats.org/drawingml/2006/compatibility" xmlns:p14="http://schemas.microsoft.com/office/powerpoint/2010/main" xmlns:p15="http://schemas.microsoft.com/office/powerpoint/2012/main" autoCompressPictures="0" strictFirstAndLastChars="0" saveSubsetFonts="1">
+<p:presentation xmlns:a="http://schemas.openxmlformats.org/drawingml/2006/main" xmlns:r="http://schemas.openxmlformats.org/officeDocument/2006/relationships" xmlns:p="http://schemas.openxmlformats.org/presentationml/2006/main" strictFirstAndLastChars="0" autoCompressPictures="0">
   <p:sldMasterIdLst>
-    <p:sldMasterId id="2147483659" r:id="rId4"/>
+    <p:sldMasterId id="2147483648" r:id="rId1"/>
   </p:sldMasterIdLst>
   <p:notesMasterIdLst>
-    <p:notesMasterId r:id="rId5"/>
+    <p:notesMasterId r:id="rId4"/>
   </p:notesMasterIdLst>
   <p:sldIdLst>
-    <p:sldId id="256" r:id="rId6"/>
-    <p:sldId id="257" r:id="rId7"/>
-    <p:sldId id="258" r:id="rId8"/>
-    <p:sldId id="259" r:id="rId9"/>
-    <p:sldId id="260" r:id="rId10"/>
-    <p:sldId id="261" r:id="rId11"/>
-    <p:sldId id="262" r:id="rId12"/>
-    <p:sldId id="263" r:id="rId13"/>
-    <p:sldId id="264" r:id="rId14"/>
-    <p:sldId id="265" r:id="rId15"/>
-    <p:sldId id="266" r:id="rId16"/>
+    <p:sldId id="256" r:id="rId3"/>
+    <p:sldId id="257" r:id="rId5"/>
+    <p:sldId id="258" r:id="rId6"/>
+    <p:sldId id="259" r:id="rId7"/>
+    <p:sldId id="260" r:id="rId8"/>
+    <p:sldId id="261" r:id="rId9"/>
+    <p:sldId id="262" r:id="rId10"/>
+    <p:sldId id="267" r:id="rId11"/>
+    <p:sldId id="263" r:id="rId12"/>
+    <p:sldId id="264" r:id="rId13"/>
+    <p:sldId id="265" r:id="rId14"/>
+    <p:sldId id="266" r:id="rId15"/>
   </p:sldIdLst>
-  <p:sldSz cy="5143500" cx="9144000"/>
+  <p:sldSz cx="9144000" cy="5143500"/>
   <p:notesSz cx="6858000" cy="9144000"/>
   <p:defaultTextStyle>
-    <a:defPPr lvl="0" marR="0" rtl="0" algn="l">
+    <a:defPPr marR="0" lvl="0" algn="l" rtl="0">
       <a:lnSpc>
         <a:spcPct val="100000"/>
       </a:lnSpc>
@@ -34,7 +35,7 @@
         <a:spcPts val="0"/>
       </a:spcAft>
     </a:defPPr>
-    <a:lvl1pPr lvl="0" marR="0" rtl="0" algn="l">
+    <a:lvl1pPr marR="0" lvl="0" algn="l" rtl="0">
       <a:lnSpc>
         <a:spcPct val="100000"/>
       </a:lnSpc>
@@ -48,7 +49,7 @@
         <a:srgbClr val="000000"/>
       </a:buClr>
       <a:buFont typeface="Arial"/>
-      <a:defRPr b="0" i="0" sz="1400" u="none" cap="none" strike="noStrike">
+      <a:defRPr sz="1400" b="0" i="0" u="none" strike="noStrike" cap="none">
         <a:solidFill>
           <a:srgbClr val="000000"/>
         </a:solidFill>
@@ -58,7 +59,7 @@
         <a:sym typeface="Arial"/>
       </a:defRPr>
     </a:lvl1pPr>
-    <a:lvl2pPr lvl="1" marR="0" rtl="0" algn="l">
+    <a:lvl2pPr marR="0" lvl="1" algn="l" rtl="0">
       <a:lnSpc>
         <a:spcPct val="100000"/>
       </a:lnSpc>
@@ -72,7 +73,7 @@
         <a:srgbClr val="000000"/>
       </a:buClr>
       <a:buFont typeface="Arial"/>
-      <a:defRPr b="0" i="0" sz="1400" u="none" cap="none" strike="noStrike">
+      <a:defRPr sz="1400" b="0" i="0" u="none" strike="noStrike" cap="none">
         <a:solidFill>
           <a:srgbClr val="000000"/>
         </a:solidFill>
@@ -82,7 +83,7 @@
         <a:sym typeface="Arial"/>
       </a:defRPr>
     </a:lvl2pPr>
-    <a:lvl3pPr lvl="2" marR="0" rtl="0" algn="l">
+    <a:lvl3pPr marR="0" lvl="2" algn="l" rtl="0">
       <a:lnSpc>
         <a:spcPct val="100000"/>
       </a:lnSpc>
@@ -96,7 +97,7 @@
         <a:srgbClr val="000000"/>
       </a:buClr>
       <a:buFont typeface="Arial"/>
-      <a:defRPr b="0" i="0" sz="1400" u="none" cap="none" strike="noStrike">
+      <a:defRPr sz="1400" b="0" i="0" u="none" strike="noStrike" cap="none">
         <a:solidFill>
           <a:srgbClr val="000000"/>
         </a:solidFill>
@@ -106,7 +107,7 @@
         <a:sym typeface="Arial"/>
       </a:defRPr>
     </a:lvl3pPr>
-    <a:lvl4pPr lvl="3" marR="0" rtl="0" algn="l">
+    <a:lvl4pPr marR="0" lvl="3" algn="l" rtl="0">
       <a:lnSpc>
         <a:spcPct val="100000"/>
       </a:lnSpc>
@@ -120,7 +121,7 @@
         <a:srgbClr val="000000"/>
       </a:buClr>
       <a:buFont typeface="Arial"/>
-      <a:defRPr b="0" i="0" sz="1400" u="none" cap="none" strike="noStrike">
+      <a:defRPr sz="1400" b="0" i="0" u="none" strike="noStrike" cap="none">
         <a:solidFill>
           <a:srgbClr val="000000"/>
         </a:solidFill>
@@ -130,7 +131,7 @@
         <a:sym typeface="Arial"/>
       </a:defRPr>
     </a:lvl4pPr>
-    <a:lvl5pPr lvl="4" marR="0" rtl="0" algn="l">
+    <a:lvl5pPr marR="0" lvl="4" algn="l" rtl="0">
       <a:lnSpc>
         <a:spcPct val="100000"/>
       </a:lnSpc>
@@ -144,7 +145,7 @@
         <a:srgbClr val="000000"/>
       </a:buClr>
       <a:buFont typeface="Arial"/>
-      <a:defRPr b="0" i="0" sz="1400" u="none" cap="none" strike="noStrike">
+      <a:defRPr sz="1400" b="0" i="0" u="none" strike="noStrike" cap="none">
         <a:solidFill>
           <a:srgbClr val="000000"/>
         </a:solidFill>
@@ -154,7 +155,7 @@
         <a:sym typeface="Arial"/>
       </a:defRPr>
     </a:lvl5pPr>
-    <a:lvl6pPr lvl="5" marR="0" rtl="0" algn="l">
+    <a:lvl6pPr marR="0" lvl="5" algn="l" rtl="0">
       <a:lnSpc>
         <a:spcPct val="100000"/>
       </a:lnSpc>
@@ -168,7 +169,7 @@
         <a:srgbClr val="000000"/>
       </a:buClr>
       <a:buFont typeface="Arial"/>
-      <a:defRPr b="0" i="0" sz="1400" u="none" cap="none" strike="noStrike">
+      <a:defRPr sz="1400" b="0" i="0" u="none" strike="noStrike" cap="none">
         <a:solidFill>
           <a:srgbClr val="000000"/>
         </a:solidFill>
@@ -178,7 +179,7 @@
         <a:sym typeface="Arial"/>
       </a:defRPr>
     </a:lvl6pPr>
-    <a:lvl7pPr lvl="6" marR="0" rtl="0" algn="l">
+    <a:lvl7pPr marR="0" lvl="6" algn="l" rtl="0">
       <a:lnSpc>
         <a:spcPct val="100000"/>
       </a:lnSpc>
@@ -192,7 +193,7 @@
         <a:srgbClr val="000000"/>
       </a:buClr>
       <a:buFont typeface="Arial"/>
-      <a:defRPr b="0" i="0" sz="1400" u="none" cap="none" strike="noStrike">
+      <a:defRPr sz="1400" b="0" i="0" u="none" strike="noStrike" cap="none">
         <a:solidFill>
           <a:srgbClr val="000000"/>
         </a:solidFill>
@@ -202,7 +203,7 @@
         <a:sym typeface="Arial"/>
       </a:defRPr>
     </a:lvl7pPr>
-    <a:lvl8pPr lvl="7" marR="0" rtl="0" algn="l">
+    <a:lvl8pPr marR="0" lvl="7" algn="l" rtl="0">
       <a:lnSpc>
         <a:spcPct val="100000"/>
       </a:lnSpc>
@@ -216,7 +217,7 @@
         <a:srgbClr val="000000"/>
       </a:buClr>
       <a:buFont typeface="Arial"/>
-      <a:defRPr b="0" i="0" sz="1400" u="none" cap="none" strike="noStrike">
+      <a:defRPr sz="1400" b="0" i="0" u="none" strike="noStrike" cap="none">
         <a:solidFill>
           <a:srgbClr val="000000"/>
         </a:solidFill>
@@ -226,7 +227,7 @@
         <a:sym typeface="Arial"/>
       </a:defRPr>
     </a:lvl8pPr>
-    <a:lvl9pPr lvl="8" marR="0" rtl="0" algn="l">
+    <a:lvl9pPr marR="0" lvl="8" algn="l" rtl="0">
       <a:lnSpc>
         <a:spcPct val="100000"/>
       </a:lnSpc>
@@ -240,7 +241,7 @@
         <a:srgbClr val="000000"/>
       </a:buClr>
       <a:buFont typeface="Arial"/>
-      <a:defRPr b="0" i="0" sz="1400" u="none" cap="none" strike="noStrike">
+      <a:defRPr sz="1400" b="0" i="0" u="none" strike="noStrike" cap="none">
         <a:solidFill>
           <a:srgbClr val="000000"/>
         </a:solidFill>
@@ -251,28 +252,17 @@
       </a:defRPr>
     </a:lvl9pPr>
   </p:defaultTextStyle>
-  <p:extLst>
-    <p:ext uri="{EFAFB233-063F-42B5-8137-9DF3F51BA10A}">
-      <p15:sldGuideLst>
-        <p15:guide id="1" orient="horz" pos="1620">
-          <p15:clr>
-            <a:srgbClr val="A4A3A4"/>
-          </p15:clr>
-        </p15:guide>
-        <p15:guide id="2" pos="2880">
-          <p15:clr>
-            <a:srgbClr val="A4A3A4"/>
-          </p15:clr>
-        </p15:guide>
-      </p15:sldGuideLst>
-    </p:ext>
-  </p:extLst>
 </p:presentation>
 </file>
 
 <file path=ppt/notesMasters/notesMaster1.xml><?xml version="1.0" encoding="utf-8"?>
-<p:notesMaster xmlns:a="http://schemas.openxmlformats.org/drawingml/2006/main" xmlns:r="http://schemas.openxmlformats.org/officeDocument/2006/relationships" xmlns:mc="http://schemas.openxmlformats.org/markup-compatibility/2006" xmlns:mv="urn:schemas-microsoft-com:mac:vml" xmlns:p="http://schemas.openxmlformats.org/presentationml/2006/main" xmlns:c="http://schemas.openxmlformats.org/drawingml/2006/chart" xmlns:dgm="http://schemas.openxmlformats.org/drawingml/2006/diagram" xmlns:o="urn:schemas-microsoft-com:office:office" xmlns:v="urn:schemas-microsoft-com:vml" xmlns:pvml="urn:schemas-microsoft-com:office:powerpoint" xmlns:com="http://schemas.openxmlformats.org/drawingml/2006/compatibility" xmlns:p14="http://schemas.microsoft.com/office/powerpoint/2010/main" xmlns:p15="http://schemas.microsoft.com/office/powerpoint/2012/main">
+<p:notesMaster xmlns:a="http://schemas.openxmlformats.org/drawingml/2006/main" xmlns:r="http://schemas.openxmlformats.org/officeDocument/2006/relationships" xmlns:p="http://schemas.openxmlformats.org/presentationml/2006/main">
   <p:cSld>
+    <p:bg>
+      <p:bgRef idx="1001">
+        <a:schemeClr val="bg1"/>
+      </p:bgRef>
+    </p:bg>
     <p:spTree>
       <p:nvGrpSpPr>
         <p:cNvPr id="2" name="Shape 2"/>
@@ -292,7 +282,7 @@
           <p:cNvPr id="3" name="Google Shape;3;n"/>
           <p:cNvSpPr/>
           <p:nvPr>
-            <p:ph idx="2" type="sldImg"/>
+            <p:ph type="sldImg" idx="2"/>
           </p:nvPr>
         </p:nvSpPr>
         <p:spPr>
@@ -301,9 +291,13 @@
             <a:ext cx="6096075" cy="3429000"/>
           </a:xfrm>
           <a:custGeom>
-            <a:rect b="b" l="l" r="r" t="t"/>
+            <a:avLst/>
+            <a:gdLst/>
+            <a:ahLst/>
+            <a:cxnLst/>
+            <a:rect l="l" t="t" r="r" b="b"/>
             <a:pathLst>
-              <a:path extrusionOk="0" h="120000" w="120000">
+              <a:path w="120000" h="120000" extrusionOk="0">
                 <a:moveTo>
                   <a:pt x="0" y="0"/>
                 </a:moveTo>
@@ -321,14 +315,14 @@
             </a:pathLst>
           </a:custGeom>
           <a:noFill/>
-          <a:ln cap="flat" cmpd="sng" w="9525">
+          <a:ln w="9525" cap="flat" cmpd="sng">
             <a:solidFill>
               <a:srgbClr val="000000"/>
             </a:solidFill>
             <a:prstDash val="solid"/>
             <a:round/>
-            <a:headEnd len="sm" w="sm" type="none"/>
-            <a:tailEnd len="sm" w="sm" type="none"/>
+            <a:headEnd type="none" w="sm" len="sm"/>
+            <a:tailEnd type="none" w="sm" len="sm"/>
           </a:ln>
         </p:spPr>
       </p:sp>
@@ -337,7 +331,7 @@
           <p:cNvPr id="4" name="Google Shape;4;n"/>
           <p:cNvSpPr txBox="1"/>
           <p:nvPr>
-            <p:ph idx="1" type="body"/>
+            <p:ph type="body" idx="1"/>
           </p:nvPr>
         </p:nvSpPr>
         <p:spPr>
@@ -354,11 +348,11 @@
           </a:ln>
         </p:spPr>
         <p:txBody>
-          <a:bodyPr anchorCtr="0" anchor="t" bIns="91425" lIns="91425" spcFirstLastPara="1" rIns="91425" wrap="square" tIns="91425">
+          <a:bodyPr spcFirstLastPara="1" wrap="square" lIns="91425" tIns="91425" rIns="91425" bIns="91425" anchor="t" anchorCtr="0">
             <a:noAutofit/>
           </a:bodyPr>
           <a:lstStyle>
-            <a:lvl1pPr indent="-298450" lvl="0" marL="457200">
+            <a:lvl1pPr marL="457200" lvl="0" indent="-298450">
               <a:spcBef>
                 <a:spcPts val="0"/>
               </a:spcBef>
@@ -369,7 +363,7 @@
               <a:buChar char="●"/>
               <a:defRPr sz="1100"/>
             </a:lvl1pPr>
-            <a:lvl2pPr indent="-298450" lvl="1" marL="914400">
+            <a:lvl2pPr marL="914400" lvl="1" indent="-298450">
               <a:spcBef>
                 <a:spcPts val="0"/>
               </a:spcBef>
@@ -380,7 +374,7 @@
               <a:buChar char="○"/>
               <a:defRPr sz="1100"/>
             </a:lvl2pPr>
-            <a:lvl3pPr indent="-298450" lvl="2" marL="1371600">
+            <a:lvl3pPr marL="1371600" lvl="2" indent="-298450">
               <a:spcBef>
                 <a:spcPts val="0"/>
               </a:spcBef>
@@ -391,7 +385,7 @@
               <a:buChar char="■"/>
               <a:defRPr sz="1100"/>
             </a:lvl3pPr>
-            <a:lvl4pPr indent="-298450" lvl="3" marL="1828800">
+            <a:lvl4pPr marL="1828800" lvl="3" indent="-298450">
               <a:spcBef>
                 <a:spcPts val="0"/>
               </a:spcBef>
@@ -402,7 +396,7 @@
               <a:buChar char="●"/>
               <a:defRPr sz="1100"/>
             </a:lvl4pPr>
-            <a:lvl5pPr indent="-298450" lvl="4" marL="2286000">
+            <a:lvl5pPr marL="2286000" lvl="4" indent="-298450">
               <a:spcBef>
                 <a:spcPts val="0"/>
               </a:spcBef>
@@ -413,7 +407,7 @@
               <a:buChar char="○"/>
               <a:defRPr sz="1100"/>
             </a:lvl5pPr>
-            <a:lvl6pPr indent="-298450" lvl="5" marL="2743200">
+            <a:lvl6pPr marL="2743200" lvl="5" indent="-298450">
               <a:spcBef>
                 <a:spcPts val="0"/>
               </a:spcBef>
@@ -424,7 +418,7 @@
               <a:buChar char="■"/>
               <a:defRPr sz="1100"/>
             </a:lvl6pPr>
-            <a:lvl7pPr indent="-298450" lvl="6" marL="3200400">
+            <a:lvl7pPr marL="3200400" lvl="6" indent="-298450">
               <a:spcBef>
                 <a:spcPts val="0"/>
               </a:spcBef>
@@ -435,7 +429,7 @@
               <a:buChar char="●"/>
               <a:defRPr sz="1100"/>
             </a:lvl7pPr>
-            <a:lvl8pPr indent="-298450" lvl="7" marL="3657600">
+            <a:lvl8pPr marL="3657600" lvl="7" indent="-298450">
               <a:spcBef>
                 <a:spcPts val="0"/>
               </a:spcBef>
@@ -446,7 +440,7 @@
               <a:buChar char="○"/>
               <a:defRPr sz="1100"/>
             </a:lvl8pPr>
-            <a:lvl9pPr indent="-298450" lvl="8" marL="4114800">
+            <a:lvl9pPr marL="4114800" lvl="8" indent="-298450">
               <a:spcBef>
                 <a:spcPts val="0"/>
               </a:spcBef>
@@ -463,9 +457,9 @@
       </p:sp>
     </p:spTree>
   </p:cSld>
-  <p:clrMap accent1="accent1" accent2="accent2" accent3="accent3" accent4="accent4" accent5="accent5" accent6="accent6" bg1="lt1" bg2="dk2" tx1="dk1" tx2="lt2" folHlink="folHlink" hlink="hlink"/>
+  <p:clrMap bg1="lt1" tx1="dk1" bg2="dk2" tx2="lt2" accent1="accent1" accent2="accent2" accent3="accent3" accent4="accent4" accent5="accent5" accent6="accent6" hlink="hlink" folHlink="folHlink"/>
   <p:notesStyle>
-    <a:defPPr lvl="0" marR="0" rtl="0" algn="l">
+    <a:defPPr marR="0" lvl="0" algn="l" rtl="0">
       <a:lnSpc>
         <a:spcPct val="100000"/>
       </a:lnSpc>
@@ -476,7 +470,7 @@
         <a:spcPts val="0"/>
       </a:spcAft>
     </a:defPPr>
-    <a:lvl1pPr lvl="0" marR="0" rtl="0" algn="l">
+    <a:lvl1pPr marR="0" lvl="0" algn="l" rtl="0">
       <a:lnSpc>
         <a:spcPct val="100000"/>
       </a:lnSpc>
@@ -490,7 +484,7 @@
         <a:srgbClr val="000000"/>
       </a:buClr>
       <a:buFont typeface="Arial"/>
-      <a:defRPr b="0" i="0" sz="1400" u="none" cap="none" strike="noStrike">
+      <a:defRPr sz="1400" b="0" i="0" u="none" strike="noStrike" cap="none">
         <a:solidFill>
           <a:srgbClr val="000000"/>
         </a:solidFill>
@@ -500,7 +494,7 @@
         <a:sym typeface="Arial"/>
       </a:defRPr>
     </a:lvl1pPr>
-    <a:lvl2pPr lvl="1" marR="0" rtl="0" algn="l">
+    <a:lvl2pPr marR="0" lvl="1" algn="l" rtl="0">
       <a:lnSpc>
         <a:spcPct val="100000"/>
       </a:lnSpc>
@@ -514,7 +508,7 @@
         <a:srgbClr val="000000"/>
       </a:buClr>
       <a:buFont typeface="Arial"/>
-      <a:defRPr b="0" i="0" sz="1400" u="none" cap="none" strike="noStrike">
+      <a:defRPr sz="1400" b="0" i="0" u="none" strike="noStrike" cap="none">
         <a:solidFill>
           <a:srgbClr val="000000"/>
         </a:solidFill>
@@ -524,7 +518,7 @@
         <a:sym typeface="Arial"/>
       </a:defRPr>
     </a:lvl2pPr>
-    <a:lvl3pPr lvl="2" marR="0" rtl="0" algn="l">
+    <a:lvl3pPr marR="0" lvl="2" algn="l" rtl="0">
       <a:lnSpc>
         <a:spcPct val="100000"/>
       </a:lnSpc>
@@ -538,7 +532,7 @@
         <a:srgbClr val="000000"/>
       </a:buClr>
       <a:buFont typeface="Arial"/>
-      <a:defRPr b="0" i="0" sz="1400" u="none" cap="none" strike="noStrike">
+      <a:defRPr sz="1400" b="0" i="0" u="none" strike="noStrike" cap="none">
         <a:solidFill>
           <a:srgbClr val="000000"/>
         </a:solidFill>
@@ -548,7 +542,7 @@
         <a:sym typeface="Arial"/>
       </a:defRPr>
     </a:lvl3pPr>
-    <a:lvl4pPr lvl="3" marR="0" rtl="0" algn="l">
+    <a:lvl4pPr marR="0" lvl="3" algn="l" rtl="0">
       <a:lnSpc>
         <a:spcPct val="100000"/>
       </a:lnSpc>
@@ -562,7 +556,7 @@
         <a:srgbClr val="000000"/>
       </a:buClr>
       <a:buFont typeface="Arial"/>
-      <a:defRPr b="0" i="0" sz="1400" u="none" cap="none" strike="noStrike">
+      <a:defRPr sz="1400" b="0" i="0" u="none" strike="noStrike" cap="none">
         <a:solidFill>
           <a:srgbClr val="000000"/>
         </a:solidFill>
@@ -572,7 +566,7 @@
         <a:sym typeface="Arial"/>
       </a:defRPr>
     </a:lvl4pPr>
-    <a:lvl5pPr lvl="4" marR="0" rtl="0" algn="l">
+    <a:lvl5pPr marR="0" lvl="4" algn="l" rtl="0">
       <a:lnSpc>
         <a:spcPct val="100000"/>
       </a:lnSpc>
@@ -586,7 +580,7 @@
         <a:srgbClr val="000000"/>
       </a:buClr>
       <a:buFont typeface="Arial"/>
-      <a:defRPr b="0" i="0" sz="1400" u="none" cap="none" strike="noStrike">
+      <a:defRPr sz="1400" b="0" i="0" u="none" strike="noStrike" cap="none">
         <a:solidFill>
           <a:srgbClr val="000000"/>
         </a:solidFill>
@@ -596,7 +590,7 @@
         <a:sym typeface="Arial"/>
       </a:defRPr>
     </a:lvl5pPr>
-    <a:lvl6pPr lvl="5" marR="0" rtl="0" algn="l">
+    <a:lvl6pPr marR="0" lvl="5" algn="l" rtl="0">
       <a:lnSpc>
         <a:spcPct val="100000"/>
       </a:lnSpc>
@@ -610,7 +604,7 @@
         <a:srgbClr val="000000"/>
       </a:buClr>
       <a:buFont typeface="Arial"/>
-      <a:defRPr b="0" i="0" sz="1400" u="none" cap="none" strike="noStrike">
+      <a:defRPr sz="1400" b="0" i="0" u="none" strike="noStrike" cap="none">
         <a:solidFill>
           <a:srgbClr val="000000"/>
         </a:solidFill>
@@ -620,7 +614,7 @@
         <a:sym typeface="Arial"/>
       </a:defRPr>
     </a:lvl6pPr>
-    <a:lvl7pPr lvl="6" marR="0" rtl="0" algn="l">
+    <a:lvl7pPr marR="0" lvl="6" algn="l" rtl="0">
       <a:lnSpc>
         <a:spcPct val="100000"/>
       </a:lnSpc>
@@ -634,7 +628,7 @@
         <a:srgbClr val="000000"/>
       </a:buClr>
       <a:buFont typeface="Arial"/>
-      <a:defRPr b="0" i="0" sz="1400" u="none" cap="none" strike="noStrike">
+      <a:defRPr sz="1400" b="0" i="0" u="none" strike="noStrike" cap="none">
         <a:solidFill>
           <a:srgbClr val="000000"/>
         </a:solidFill>
@@ -644,7 +638,7 @@
         <a:sym typeface="Arial"/>
       </a:defRPr>
     </a:lvl7pPr>
-    <a:lvl8pPr lvl="7" marR="0" rtl="0" algn="l">
+    <a:lvl8pPr marR="0" lvl="7" algn="l" rtl="0">
       <a:lnSpc>
         <a:spcPct val="100000"/>
       </a:lnSpc>
@@ -658,7 +652,7 @@
         <a:srgbClr val="000000"/>
       </a:buClr>
       <a:buFont typeface="Arial"/>
-      <a:defRPr b="0" i="0" sz="1400" u="none" cap="none" strike="noStrike">
+      <a:defRPr sz="1400" b="0" i="0" u="none" strike="noStrike" cap="none">
         <a:solidFill>
           <a:srgbClr val="000000"/>
         </a:solidFill>
@@ -668,7 +662,7 @@
         <a:sym typeface="Arial"/>
       </a:defRPr>
     </a:lvl8pPr>
-    <a:lvl9pPr lvl="8" marR="0" rtl="0" algn="l">
+    <a:lvl9pPr marR="0" lvl="8" algn="l" rtl="0">
       <a:lnSpc>
         <a:spcPct val="100000"/>
       </a:lnSpc>
@@ -682,7 +676,7 @@
         <a:srgbClr val="000000"/>
       </a:buClr>
       <a:buFont typeface="Arial"/>
-      <a:defRPr b="0" i="0" sz="1400" u="none" cap="none" strike="noStrike">
+      <a:defRPr sz="1400" b="0" i="0" u="none" strike="noStrike" cap="none">
         <a:solidFill>
           <a:srgbClr val="000000"/>
         </a:solidFill>
@@ -697,7 +691,7 @@
 </file>
 
 <file path=ppt/notesSlides/notesSlide1.xml><?xml version="1.0" encoding="utf-8"?>
-<p:notes xmlns:a="http://schemas.openxmlformats.org/drawingml/2006/main" xmlns:r="http://schemas.openxmlformats.org/officeDocument/2006/relationships" xmlns:mc="http://schemas.openxmlformats.org/markup-compatibility/2006" xmlns:mv="urn:schemas-microsoft-com:mac:vml" xmlns:p="http://schemas.openxmlformats.org/presentationml/2006/main" xmlns:c="http://schemas.openxmlformats.org/drawingml/2006/chart" xmlns:dgm="http://schemas.openxmlformats.org/drawingml/2006/diagram" xmlns:o="urn:schemas-microsoft-com:office:office" xmlns:v="urn:schemas-microsoft-com:vml" xmlns:pvml="urn:schemas-microsoft-com:office:powerpoint" xmlns:com="http://schemas.openxmlformats.org/drawingml/2006/compatibility" xmlns:p14="http://schemas.microsoft.com/office/powerpoint/2010/main" xmlns:p15="http://schemas.microsoft.com/office/powerpoint/2012/main" showMasterPhAnim="0" showMasterSp="0">
+<p:notes xmlns:a="http://schemas.openxmlformats.org/drawingml/2006/main" xmlns:r="http://schemas.openxmlformats.org/officeDocument/2006/relationships" xmlns:p="http://schemas.openxmlformats.org/presentationml/2006/main" showMasterPhAnim="0" showMasterSp="0">
   <p:cSld>
     <p:spTree>
       <p:nvGrpSpPr>
@@ -718,7 +712,7 @@
           <p:cNvPr id="51" name="Google Shape;51;p:notes"/>
           <p:cNvSpPr/>
           <p:nvPr>
-            <p:ph idx="2" type="sldImg"/>
+            <p:ph type="sldImg" idx="2"/>
           </p:nvPr>
         </p:nvSpPr>
         <p:spPr>
@@ -727,9 +721,13 @@
             <a:ext cx="6096075" cy="3429000"/>
           </a:xfrm>
           <a:custGeom>
-            <a:rect b="b" l="l" r="r" t="t"/>
+            <a:avLst/>
+            <a:gdLst/>
+            <a:ahLst/>
+            <a:cxnLst/>
+            <a:rect l="l" t="t" r="r" b="b"/>
             <a:pathLst>
-              <a:path extrusionOk="0" h="120000" w="120000">
+              <a:path w="120000" h="120000" extrusionOk="0">
                 <a:moveTo>
                   <a:pt x="0" y="0"/>
                 </a:moveTo>
@@ -753,7 +751,7 @@
           <p:cNvPr id="52" name="Google Shape;52;p:notes"/>
           <p:cNvSpPr txBox="1"/>
           <p:nvPr>
-            <p:ph idx="1" type="body"/>
+            <p:ph type="body" idx="1"/>
           </p:nvPr>
         </p:nvSpPr>
         <p:spPr>
@@ -766,12 +764,12 @@
           </a:prstGeom>
         </p:spPr>
         <p:txBody>
-          <a:bodyPr anchorCtr="0" anchor="t" bIns="91425" lIns="91425" spcFirstLastPara="1" rIns="91425" wrap="square" tIns="91425">
+          <a:bodyPr spcFirstLastPara="1" wrap="square" lIns="91425" tIns="91425" rIns="91425" bIns="91425" anchor="t" anchorCtr="0">
             <a:noAutofit/>
           </a:bodyPr>
           <a:lstStyle/>
           <a:p>
-            <a:pPr indent="0" lvl="0" marL="0" rtl="0" algn="l">
+            <a:pPr marL="0" lvl="0" indent="0" algn="l" rtl="0">
               <a:spcBef>
                 <a:spcPts val="0"/>
               </a:spcBef>
@@ -780,10 +778,6 @@
               </a:spcAft>
               <a:buNone/>
             </a:pPr>
-            <a:r>
-              <a:t/>
-            </a:r>
-            <a:endParaRPr/>
           </a:p>
         </p:txBody>
       </p:sp>
@@ -796,7 +790,7 @@
 </file>
 
 <file path=ppt/notesSlides/notesSlide10.xml><?xml version="1.0" encoding="utf-8"?>
-<p:notes xmlns:a="http://schemas.openxmlformats.org/drawingml/2006/main" xmlns:r="http://schemas.openxmlformats.org/officeDocument/2006/relationships" xmlns:mc="http://schemas.openxmlformats.org/markup-compatibility/2006" xmlns:mv="urn:schemas-microsoft-com:mac:vml" xmlns:p="http://schemas.openxmlformats.org/presentationml/2006/main" xmlns:c="http://schemas.openxmlformats.org/drawingml/2006/chart" xmlns:dgm="http://schemas.openxmlformats.org/drawingml/2006/diagram" xmlns:o="urn:schemas-microsoft-com:office:office" xmlns:v="urn:schemas-microsoft-com:vml" xmlns:pvml="urn:schemas-microsoft-com:office:powerpoint" xmlns:com="http://schemas.openxmlformats.org/drawingml/2006/compatibility" xmlns:p14="http://schemas.microsoft.com/office/powerpoint/2010/main" xmlns:p15="http://schemas.microsoft.com/office/powerpoint/2012/main" showMasterPhAnim="0" showMasterSp="0">
+<p:notes xmlns:a="http://schemas.openxmlformats.org/drawingml/2006/main" xmlns:r="http://schemas.openxmlformats.org/officeDocument/2006/relationships" xmlns:p="http://schemas.openxmlformats.org/presentationml/2006/main" showMasterPhAnim="0" showMasterSp="0">
   <p:cSld>
     <p:spTree>
       <p:nvGrpSpPr>
@@ -817,7 +811,7 @@
           <p:cNvPr id="106" name="Google Shape;106;g635e08c891_0_168:notes"/>
           <p:cNvSpPr/>
           <p:nvPr>
-            <p:ph idx="2" type="sldImg"/>
+            <p:ph type="sldImg" idx="2"/>
           </p:nvPr>
         </p:nvSpPr>
         <p:spPr>
@@ -826,9 +820,13 @@
             <a:ext cx="6096000" cy="3429000"/>
           </a:xfrm>
           <a:custGeom>
-            <a:rect b="b" l="l" r="r" t="t"/>
+            <a:avLst/>
+            <a:gdLst/>
+            <a:ahLst/>
+            <a:cxnLst/>
+            <a:rect l="l" t="t" r="r" b="b"/>
             <a:pathLst>
-              <a:path extrusionOk="0" h="120000" w="120000">
+              <a:path w="120000" h="120000" extrusionOk="0">
                 <a:moveTo>
                   <a:pt x="0" y="0"/>
                 </a:moveTo>
@@ -852,7 +850,7 @@
           <p:cNvPr id="107" name="Google Shape;107;g635e08c891_0_168:notes"/>
           <p:cNvSpPr txBox="1"/>
           <p:nvPr>
-            <p:ph idx="1" type="body"/>
+            <p:ph type="body" idx="1"/>
           </p:nvPr>
         </p:nvSpPr>
         <p:spPr>
@@ -865,12 +863,12 @@
           </a:prstGeom>
         </p:spPr>
         <p:txBody>
-          <a:bodyPr anchorCtr="0" anchor="t" bIns="91425" lIns="91425" spcFirstLastPara="1" rIns="91425" wrap="square" tIns="91425">
+          <a:bodyPr spcFirstLastPara="1" wrap="square" lIns="91425" tIns="91425" rIns="91425" bIns="91425" anchor="t" anchorCtr="0">
             <a:noAutofit/>
           </a:bodyPr>
           <a:lstStyle/>
           <a:p>
-            <a:pPr indent="0" lvl="0" marL="0" rtl="0" algn="l">
+            <a:pPr marL="0" lvl="0" indent="0" algn="l" rtl="0">
               <a:spcBef>
                 <a:spcPts val="0"/>
               </a:spcBef>
@@ -879,10 +877,6 @@
               </a:spcAft>
               <a:buNone/>
             </a:pPr>
-            <a:r>
-              <a:t/>
-            </a:r>
-            <a:endParaRPr/>
           </a:p>
         </p:txBody>
       </p:sp>
@@ -895,7 +889,7 @@
 </file>
 
 <file path=ppt/notesSlides/notesSlide11.xml><?xml version="1.0" encoding="utf-8"?>
-<p:notes xmlns:a="http://schemas.openxmlformats.org/drawingml/2006/main" xmlns:r="http://schemas.openxmlformats.org/officeDocument/2006/relationships" xmlns:mc="http://schemas.openxmlformats.org/markup-compatibility/2006" xmlns:mv="urn:schemas-microsoft-com:mac:vml" xmlns:p="http://schemas.openxmlformats.org/presentationml/2006/main" xmlns:c="http://schemas.openxmlformats.org/drawingml/2006/chart" xmlns:dgm="http://schemas.openxmlformats.org/drawingml/2006/diagram" xmlns:o="urn:schemas-microsoft-com:office:office" xmlns:v="urn:schemas-microsoft-com:vml" xmlns:pvml="urn:schemas-microsoft-com:office:powerpoint" xmlns:com="http://schemas.openxmlformats.org/drawingml/2006/compatibility" xmlns:p14="http://schemas.microsoft.com/office/powerpoint/2010/main" xmlns:p15="http://schemas.microsoft.com/office/powerpoint/2012/main" showMasterPhAnim="0" showMasterSp="0">
+<p:notes xmlns:a="http://schemas.openxmlformats.org/drawingml/2006/main" xmlns:r="http://schemas.openxmlformats.org/officeDocument/2006/relationships" xmlns:p="http://schemas.openxmlformats.org/presentationml/2006/main" showMasterPhAnim="0" showMasterSp="0">
   <p:cSld>
     <p:spTree>
       <p:nvGrpSpPr>
@@ -916,7 +910,7 @@
           <p:cNvPr id="112" name="Google Shape;112;g635e08c891_0_183:notes"/>
           <p:cNvSpPr/>
           <p:nvPr>
-            <p:ph idx="2" type="sldImg"/>
+            <p:ph type="sldImg" idx="2"/>
           </p:nvPr>
         </p:nvSpPr>
         <p:spPr>
@@ -925,9 +919,13 @@
             <a:ext cx="6096000" cy="3429000"/>
           </a:xfrm>
           <a:custGeom>
-            <a:rect b="b" l="l" r="r" t="t"/>
+            <a:avLst/>
+            <a:gdLst/>
+            <a:ahLst/>
+            <a:cxnLst/>
+            <a:rect l="l" t="t" r="r" b="b"/>
             <a:pathLst>
-              <a:path extrusionOk="0" h="120000" w="120000">
+              <a:path w="120000" h="120000" extrusionOk="0">
                 <a:moveTo>
                   <a:pt x="0" y="0"/>
                 </a:moveTo>
@@ -951,7 +949,7 @@
           <p:cNvPr id="113" name="Google Shape;113;g635e08c891_0_183:notes"/>
           <p:cNvSpPr txBox="1"/>
           <p:nvPr>
-            <p:ph idx="1" type="body"/>
+            <p:ph type="body" idx="1"/>
           </p:nvPr>
         </p:nvSpPr>
         <p:spPr>
@@ -964,12 +962,12 @@
           </a:prstGeom>
         </p:spPr>
         <p:txBody>
-          <a:bodyPr anchorCtr="0" anchor="t" bIns="91425" lIns="91425" spcFirstLastPara="1" rIns="91425" wrap="square" tIns="91425">
+          <a:bodyPr spcFirstLastPara="1" wrap="square" lIns="91425" tIns="91425" rIns="91425" bIns="91425" anchor="t" anchorCtr="0">
             <a:noAutofit/>
           </a:bodyPr>
           <a:lstStyle/>
           <a:p>
-            <a:pPr indent="0" lvl="0" marL="0" rtl="0" algn="l">
+            <a:pPr marL="0" lvl="0" indent="0" algn="l" rtl="0">
               <a:spcBef>
                 <a:spcPts val="0"/>
               </a:spcBef>
@@ -978,10 +976,6 @@
               </a:spcAft>
               <a:buNone/>
             </a:pPr>
-            <a:r>
-              <a:t/>
-            </a:r>
-            <a:endParaRPr/>
           </a:p>
         </p:txBody>
       </p:sp>
@@ -994,7 +988,7 @@
 </file>
 
 <file path=ppt/notesSlides/notesSlide2.xml><?xml version="1.0" encoding="utf-8"?>
-<p:notes xmlns:a="http://schemas.openxmlformats.org/drawingml/2006/main" xmlns:r="http://schemas.openxmlformats.org/officeDocument/2006/relationships" xmlns:mc="http://schemas.openxmlformats.org/markup-compatibility/2006" xmlns:mv="urn:schemas-microsoft-com:mac:vml" xmlns:p="http://schemas.openxmlformats.org/presentationml/2006/main" xmlns:c="http://schemas.openxmlformats.org/drawingml/2006/chart" xmlns:dgm="http://schemas.openxmlformats.org/drawingml/2006/diagram" xmlns:o="urn:schemas-microsoft-com:office:office" xmlns:v="urn:schemas-microsoft-com:vml" xmlns:pvml="urn:schemas-microsoft-com:office:powerpoint" xmlns:com="http://schemas.openxmlformats.org/drawingml/2006/compatibility" xmlns:p14="http://schemas.microsoft.com/office/powerpoint/2010/main" xmlns:p15="http://schemas.microsoft.com/office/powerpoint/2012/main" showMasterPhAnim="0" showMasterSp="0">
+<p:notes xmlns:a="http://schemas.openxmlformats.org/drawingml/2006/main" xmlns:r="http://schemas.openxmlformats.org/officeDocument/2006/relationships" xmlns:p="http://schemas.openxmlformats.org/presentationml/2006/main" showMasterPhAnim="0" showMasterSp="0">
   <p:cSld>
     <p:spTree>
       <p:nvGrpSpPr>
@@ -1015,7 +1009,7 @@
           <p:cNvPr id="57" name="Google Shape;57;g635e08c891_0_128:notes"/>
           <p:cNvSpPr/>
           <p:nvPr>
-            <p:ph idx="2" type="sldImg"/>
+            <p:ph type="sldImg" idx="2"/>
           </p:nvPr>
         </p:nvSpPr>
         <p:spPr>
@@ -1024,9 +1018,13 @@
             <a:ext cx="6096000" cy="3429000"/>
           </a:xfrm>
           <a:custGeom>
-            <a:rect b="b" l="l" r="r" t="t"/>
+            <a:avLst/>
+            <a:gdLst/>
+            <a:ahLst/>
+            <a:cxnLst/>
+            <a:rect l="l" t="t" r="r" b="b"/>
             <a:pathLst>
-              <a:path extrusionOk="0" h="120000" w="120000">
+              <a:path w="120000" h="120000" extrusionOk="0">
                 <a:moveTo>
                   <a:pt x="0" y="0"/>
                 </a:moveTo>
@@ -1050,7 +1048,7 @@
           <p:cNvPr id="58" name="Google Shape;58;g635e08c891_0_128:notes"/>
           <p:cNvSpPr txBox="1"/>
           <p:nvPr>
-            <p:ph idx="1" type="body"/>
+            <p:ph type="body" idx="1"/>
           </p:nvPr>
         </p:nvSpPr>
         <p:spPr>
@@ -1063,12 +1061,12 @@
           </a:prstGeom>
         </p:spPr>
         <p:txBody>
-          <a:bodyPr anchorCtr="0" anchor="t" bIns="91425" lIns="91425" spcFirstLastPara="1" rIns="91425" wrap="square" tIns="91425">
+          <a:bodyPr spcFirstLastPara="1" wrap="square" lIns="91425" tIns="91425" rIns="91425" bIns="91425" anchor="t" anchorCtr="0">
             <a:noAutofit/>
           </a:bodyPr>
           <a:lstStyle/>
           <a:p>
-            <a:pPr indent="0" lvl="0" marL="0" rtl="0" algn="l">
+            <a:pPr marL="0" lvl="0" indent="0" algn="l" rtl="0">
               <a:spcBef>
                 <a:spcPts val="0"/>
               </a:spcBef>
@@ -1078,10 +1076,10 @@
               <a:buNone/>
             </a:pPr>
             <a:r>
-              <a:rPr lang="en"/>
+              <a:rPr lang="en-GB"/>
               <a:t>Importance in Machine learning , Deep learning is the golden key or most important in ML future  </a:t>
             </a:r>
-            <a:endParaRPr/>
+            <a:endParaRPr lang="en-GB"/>
           </a:p>
         </p:txBody>
       </p:sp>
@@ -1094,7 +1092,7 @@
 </file>
 
 <file path=ppt/notesSlides/notesSlide3.xml><?xml version="1.0" encoding="utf-8"?>
-<p:notes xmlns:a="http://schemas.openxmlformats.org/drawingml/2006/main" xmlns:r="http://schemas.openxmlformats.org/officeDocument/2006/relationships" xmlns:mc="http://schemas.openxmlformats.org/markup-compatibility/2006" xmlns:mv="urn:schemas-microsoft-com:mac:vml" xmlns:p="http://schemas.openxmlformats.org/presentationml/2006/main" xmlns:c="http://schemas.openxmlformats.org/drawingml/2006/chart" xmlns:dgm="http://schemas.openxmlformats.org/drawingml/2006/diagram" xmlns:o="urn:schemas-microsoft-com:office:office" xmlns:v="urn:schemas-microsoft-com:vml" xmlns:pvml="urn:schemas-microsoft-com:office:powerpoint" xmlns:com="http://schemas.openxmlformats.org/drawingml/2006/compatibility" xmlns:p14="http://schemas.microsoft.com/office/powerpoint/2010/main" xmlns:p15="http://schemas.microsoft.com/office/powerpoint/2012/main" showMasterPhAnim="0" showMasterSp="0">
+<p:notes xmlns:a="http://schemas.openxmlformats.org/drawingml/2006/main" xmlns:r="http://schemas.openxmlformats.org/officeDocument/2006/relationships" xmlns:p="http://schemas.openxmlformats.org/presentationml/2006/main" showMasterPhAnim="0" showMasterSp="0">
   <p:cSld>
     <p:spTree>
       <p:nvGrpSpPr>
@@ -1115,7 +1113,7 @@
           <p:cNvPr id="63" name="Google Shape;63;g635e08c891_0_133:notes"/>
           <p:cNvSpPr/>
           <p:nvPr>
-            <p:ph idx="2" type="sldImg"/>
+            <p:ph type="sldImg" idx="2"/>
           </p:nvPr>
         </p:nvSpPr>
         <p:spPr>
@@ -1124,9 +1122,13 @@
             <a:ext cx="6096000" cy="3429000"/>
           </a:xfrm>
           <a:custGeom>
-            <a:rect b="b" l="l" r="r" t="t"/>
+            <a:avLst/>
+            <a:gdLst/>
+            <a:ahLst/>
+            <a:cxnLst/>
+            <a:rect l="l" t="t" r="r" b="b"/>
             <a:pathLst>
-              <a:path extrusionOk="0" h="120000" w="120000">
+              <a:path w="120000" h="120000" extrusionOk="0">
                 <a:moveTo>
                   <a:pt x="0" y="0"/>
                 </a:moveTo>
@@ -1150,7 +1152,7 @@
           <p:cNvPr id="64" name="Google Shape;64;g635e08c891_0_133:notes"/>
           <p:cNvSpPr txBox="1"/>
           <p:nvPr>
-            <p:ph idx="1" type="body"/>
+            <p:ph type="body" idx="1"/>
           </p:nvPr>
         </p:nvSpPr>
         <p:spPr>
@@ -1163,12 +1165,12 @@
           </a:prstGeom>
         </p:spPr>
         <p:txBody>
-          <a:bodyPr anchorCtr="0" anchor="t" bIns="91425" lIns="91425" spcFirstLastPara="1" rIns="91425" wrap="square" tIns="91425">
+          <a:bodyPr spcFirstLastPara="1" wrap="square" lIns="91425" tIns="91425" rIns="91425" bIns="91425" anchor="t" anchorCtr="0">
             <a:noAutofit/>
           </a:bodyPr>
           <a:lstStyle/>
           <a:p>
-            <a:pPr indent="0" lvl="0" marL="0" rtl="0" algn="l">
+            <a:pPr marL="0" lvl="0" indent="0" algn="l" rtl="0">
               <a:spcBef>
                 <a:spcPts val="0"/>
               </a:spcBef>
@@ -1178,23 +1180,23 @@
               <a:buNone/>
             </a:pPr>
             <a:r>
-              <a:rPr lang="en"/>
+              <a:rPr lang="en-GB"/>
               <a:t>Watch this video about various ML  : </a:t>
             </a:r>
             <a:r>
-              <a:rPr lang="en" u="sng">
+              <a:rPr lang="en-GB" u="sng">
                 <a:solidFill>
                   <a:schemeClr val="hlink"/>
                 </a:solidFill>
-                <a:hlinkClick r:id="rId2"/>
+                <a:hlinkClick r:id="rId3"/>
               </a:rPr>
               <a:t>https://www.youtube.com/watch?v=SJldOOs4vB8&amp;t=2s</a:t>
             </a:r>
             <a:r>
-              <a:rPr lang="en"/>
+              <a:rPr lang="en-GB"/>
               <a:t> for quick revision  </a:t>
             </a:r>
-            <a:endParaRPr/>
+            <a:endParaRPr lang="en-GB"/>
           </a:p>
         </p:txBody>
       </p:sp>
@@ -1207,7 +1209,7 @@
 </file>
 
 <file path=ppt/notesSlides/notesSlide4.xml><?xml version="1.0" encoding="utf-8"?>
-<p:notes xmlns:a="http://schemas.openxmlformats.org/drawingml/2006/main" xmlns:r="http://schemas.openxmlformats.org/officeDocument/2006/relationships" xmlns:mc="http://schemas.openxmlformats.org/markup-compatibility/2006" xmlns:mv="urn:schemas-microsoft-com:mac:vml" xmlns:p="http://schemas.openxmlformats.org/presentationml/2006/main" xmlns:c="http://schemas.openxmlformats.org/drawingml/2006/chart" xmlns:dgm="http://schemas.openxmlformats.org/drawingml/2006/diagram" xmlns:o="urn:schemas-microsoft-com:office:office" xmlns:v="urn:schemas-microsoft-com:vml" xmlns:pvml="urn:schemas-microsoft-com:office:powerpoint" xmlns:com="http://schemas.openxmlformats.org/drawingml/2006/compatibility" xmlns:p14="http://schemas.microsoft.com/office/powerpoint/2010/main" xmlns:p15="http://schemas.microsoft.com/office/powerpoint/2012/main" showMasterPhAnim="0" showMasterSp="0">
+<p:notes xmlns:a="http://schemas.openxmlformats.org/drawingml/2006/main" xmlns:r="http://schemas.openxmlformats.org/officeDocument/2006/relationships" xmlns:p="http://schemas.openxmlformats.org/presentationml/2006/main" showMasterPhAnim="0" showMasterSp="0">
   <p:cSld>
     <p:spTree>
       <p:nvGrpSpPr>
@@ -1228,7 +1230,7 @@
           <p:cNvPr id="69" name="Google Shape;69;g635e08c891_0_138:notes"/>
           <p:cNvSpPr/>
           <p:nvPr>
-            <p:ph idx="2" type="sldImg"/>
+            <p:ph type="sldImg" idx="2"/>
           </p:nvPr>
         </p:nvSpPr>
         <p:spPr>
@@ -1237,9 +1239,13 @@
             <a:ext cx="6096000" cy="3429000"/>
           </a:xfrm>
           <a:custGeom>
-            <a:rect b="b" l="l" r="r" t="t"/>
+            <a:avLst/>
+            <a:gdLst/>
+            <a:ahLst/>
+            <a:cxnLst/>
+            <a:rect l="l" t="t" r="r" b="b"/>
             <a:pathLst>
-              <a:path extrusionOk="0" h="120000" w="120000">
+              <a:path w="120000" h="120000" extrusionOk="0">
                 <a:moveTo>
                   <a:pt x="0" y="0"/>
                 </a:moveTo>
@@ -1263,7 +1269,7 @@
           <p:cNvPr id="70" name="Google Shape;70;g635e08c891_0_138:notes"/>
           <p:cNvSpPr txBox="1"/>
           <p:nvPr>
-            <p:ph idx="1" type="body"/>
+            <p:ph type="body" idx="1"/>
           </p:nvPr>
         </p:nvSpPr>
         <p:spPr>
@@ -1276,12 +1282,12 @@
           </a:prstGeom>
         </p:spPr>
         <p:txBody>
-          <a:bodyPr anchorCtr="0" anchor="t" bIns="91425" lIns="91425" spcFirstLastPara="1" rIns="91425" wrap="square" tIns="91425">
+          <a:bodyPr spcFirstLastPara="1" wrap="square" lIns="91425" tIns="91425" rIns="91425" bIns="91425" anchor="t" anchorCtr="0">
             <a:noAutofit/>
           </a:bodyPr>
           <a:lstStyle/>
           <a:p>
-            <a:pPr indent="0" lvl="0" marL="0" rtl="0" algn="l">
+            <a:pPr marL="0" lvl="0" indent="0" algn="l" rtl="0">
               <a:spcBef>
                 <a:spcPts val="0"/>
               </a:spcBef>
@@ -1290,10 +1296,6 @@
               </a:spcAft>
               <a:buNone/>
             </a:pPr>
-            <a:r>
-              <a:t/>
-            </a:r>
-            <a:endParaRPr/>
           </a:p>
         </p:txBody>
       </p:sp>
@@ -1306,7 +1308,7 @@
 </file>
 
 <file path=ppt/notesSlides/notesSlide5.xml><?xml version="1.0" encoding="utf-8"?>
-<p:notes xmlns:a="http://schemas.openxmlformats.org/drawingml/2006/main" xmlns:r="http://schemas.openxmlformats.org/officeDocument/2006/relationships" xmlns:mc="http://schemas.openxmlformats.org/markup-compatibility/2006" xmlns:mv="urn:schemas-microsoft-com:mac:vml" xmlns:p="http://schemas.openxmlformats.org/presentationml/2006/main" xmlns:c="http://schemas.openxmlformats.org/drawingml/2006/chart" xmlns:dgm="http://schemas.openxmlformats.org/drawingml/2006/diagram" xmlns:o="urn:schemas-microsoft-com:office:office" xmlns:v="urn:schemas-microsoft-com:vml" xmlns:pvml="urn:schemas-microsoft-com:office:powerpoint" xmlns:com="http://schemas.openxmlformats.org/drawingml/2006/compatibility" xmlns:p14="http://schemas.microsoft.com/office/powerpoint/2010/main" xmlns:p15="http://schemas.microsoft.com/office/powerpoint/2012/main" showMasterPhAnim="0" showMasterSp="0">
+<p:notes xmlns:a="http://schemas.openxmlformats.org/drawingml/2006/main" xmlns:r="http://schemas.openxmlformats.org/officeDocument/2006/relationships" xmlns:p="http://schemas.openxmlformats.org/presentationml/2006/main" showMasterPhAnim="0" showMasterSp="0">
   <p:cSld>
     <p:spTree>
       <p:nvGrpSpPr>
@@ -1327,7 +1329,7 @@
           <p:cNvPr id="75" name="Google Shape;75;g635e08c891_0_153:notes"/>
           <p:cNvSpPr/>
           <p:nvPr>
-            <p:ph idx="2" type="sldImg"/>
+            <p:ph type="sldImg" idx="2"/>
           </p:nvPr>
         </p:nvSpPr>
         <p:spPr>
@@ -1336,9 +1338,13 @@
             <a:ext cx="6096000" cy="3429000"/>
           </a:xfrm>
           <a:custGeom>
-            <a:rect b="b" l="l" r="r" t="t"/>
+            <a:avLst/>
+            <a:gdLst/>
+            <a:ahLst/>
+            <a:cxnLst/>
+            <a:rect l="l" t="t" r="r" b="b"/>
             <a:pathLst>
-              <a:path extrusionOk="0" h="120000" w="120000">
+              <a:path w="120000" h="120000" extrusionOk="0">
                 <a:moveTo>
                   <a:pt x="0" y="0"/>
                 </a:moveTo>
@@ -1362,7 +1368,7 @@
           <p:cNvPr id="76" name="Google Shape;76;g635e08c891_0_153:notes"/>
           <p:cNvSpPr txBox="1"/>
           <p:nvPr>
-            <p:ph idx="1" type="body"/>
+            <p:ph type="body" idx="1"/>
           </p:nvPr>
         </p:nvSpPr>
         <p:spPr>
@@ -1375,12 +1381,12 @@
           </a:prstGeom>
         </p:spPr>
         <p:txBody>
-          <a:bodyPr anchorCtr="0" anchor="t" bIns="91425" lIns="91425" spcFirstLastPara="1" rIns="91425" wrap="square" tIns="91425">
+          <a:bodyPr spcFirstLastPara="1" wrap="square" lIns="91425" tIns="91425" rIns="91425" bIns="91425" anchor="t" anchorCtr="0">
             <a:noAutofit/>
           </a:bodyPr>
           <a:lstStyle/>
           <a:p>
-            <a:pPr indent="0" lvl="0" marL="0" rtl="0" algn="l">
+            <a:pPr marL="0" lvl="0" indent="0" algn="l" rtl="0">
               <a:spcBef>
                 <a:spcPts val="0"/>
               </a:spcBef>
@@ -1389,10 +1395,6 @@
               </a:spcAft>
               <a:buNone/>
             </a:pPr>
-            <a:r>
-              <a:t/>
-            </a:r>
-            <a:endParaRPr/>
           </a:p>
         </p:txBody>
       </p:sp>
@@ -1405,7 +1407,7 @@
 </file>
 
 <file path=ppt/notesSlides/notesSlide6.xml><?xml version="1.0" encoding="utf-8"?>
-<p:notes xmlns:a="http://schemas.openxmlformats.org/drawingml/2006/main" xmlns:r="http://schemas.openxmlformats.org/officeDocument/2006/relationships" xmlns:mc="http://schemas.openxmlformats.org/markup-compatibility/2006" xmlns:mv="urn:schemas-microsoft-com:mac:vml" xmlns:p="http://schemas.openxmlformats.org/presentationml/2006/main" xmlns:c="http://schemas.openxmlformats.org/drawingml/2006/chart" xmlns:dgm="http://schemas.openxmlformats.org/drawingml/2006/diagram" xmlns:o="urn:schemas-microsoft-com:office:office" xmlns:v="urn:schemas-microsoft-com:vml" xmlns:pvml="urn:schemas-microsoft-com:office:powerpoint" xmlns:com="http://schemas.openxmlformats.org/drawingml/2006/compatibility" xmlns:p14="http://schemas.microsoft.com/office/powerpoint/2010/main" xmlns:p15="http://schemas.microsoft.com/office/powerpoint/2012/main" showMasterPhAnim="0" showMasterSp="0">
+<p:notes xmlns:a="http://schemas.openxmlformats.org/drawingml/2006/main" xmlns:r="http://schemas.openxmlformats.org/officeDocument/2006/relationships" xmlns:p="http://schemas.openxmlformats.org/presentationml/2006/main" showMasterPhAnim="0" showMasterSp="0">
   <p:cSld>
     <p:spTree>
       <p:nvGrpSpPr>
@@ -1426,7 +1428,7 @@
           <p:cNvPr id="81" name="Google Shape;81;g635e08c891_0_143:notes"/>
           <p:cNvSpPr/>
           <p:nvPr>
-            <p:ph idx="2" type="sldImg"/>
+            <p:ph type="sldImg" idx="2"/>
           </p:nvPr>
         </p:nvSpPr>
         <p:spPr>
@@ -1435,9 +1437,13 @@
             <a:ext cx="6096000" cy="3429000"/>
           </a:xfrm>
           <a:custGeom>
-            <a:rect b="b" l="l" r="r" t="t"/>
+            <a:avLst/>
+            <a:gdLst/>
+            <a:ahLst/>
+            <a:cxnLst/>
+            <a:rect l="l" t="t" r="r" b="b"/>
             <a:pathLst>
-              <a:path extrusionOk="0" h="120000" w="120000">
+              <a:path w="120000" h="120000" extrusionOk="0">
                 <a:moveTo>
                   <a:pt x="0" y="0"/>
                 </a:moveTo>
@@ -1461,7 +1467,7 @@
           <p:cNvPr id="82" name="Google Shape;82;g635e08c891_0_143:notes"/>
           <p:cNvSpPr txBox="1"/>
           <p:nvPr>
-            <p:ph idx="1" type="body"/>
+            <p:ph type="body" idx="1"/>
           </p:nvPr>
         </p:nvSpPr>
         <p:spPr>
@@ -1474,12 +1480,12 @@
           </a:prstGeom>
         </p:spPr>
         <p:txBody>
-          <a:bodyPr anchorCtr="0" anchor="t" bIns="91425" lIns="91425" spcFirstLastPara="1" rIns="91425" wrap="square" tIns="91425">
+          <a:bodyPr spcFirstLastPara="1" wrap="square" lIns="91425" tIns="91425" rIns="91425" bIns="91425" anchor="t" anchorCtr="0">
             <a:noAutofit/>
           </a:bodyPr>
           <a:lstStyle/>
           <a:p>
-            <a:pPr indent="0" lvl="0" marL="0" rtl="0" algn="l">
+            <a:pPr marL="0" lvl="0" indent="0" algn="l" rtl="0">
               <a:spcBef>
                 <a:spcPts val="0"/>
               </a:spcBef>
@@ -1488,10 +1494,6 @@
               </a:spcAft>
               <a:buNone/>
             </a:pPr>
-            <a:r>
-              <a:t/>
-            </a:r>
-            <a:endParaRPr/>
           </a:p>
         </p:txBody>
       </p:sp>
@@ -1504,7 +1506,7 @@
 </file>
 
 <file path=ppt/notesSlides/notesSlide7.xml><?xml version="1.0" encoding="utf-8"?>
-<p:notes xmlns:a="http://schemas.openxmlformats.org/drawingml/2006/main" xmlns:r="http://schemas.openxmlformats.org/officeDocument/2006/relationships" xmlns:mc="http://schemas.openxmlformats.org/markup-compatibility/2006" xmlns:mv="urn:schemas-microsoft-com:mac:vml" xmlns:p="http://schemas.openxmlformats.org/presentationml/2006/main" xmlns:c="http://schemas.openxmlformats.org/drawingml/2006/chart" xmlns:dgm="http://schemas.openxmlformats.org/drawingml/2006/diagram" xmlns:o="urn:schemas-microsoft-com:office:office" xmlns:v="urn:schemas-microsoft-com:vml" xmlns:pvml="urn:schemas-microsoft-com:office:powerpoint" xmlns:com="http://schemas.openxmlformats.org/drawingml/2006/compatibility" xmlns:p14="http://schemas.microsoft.com/office/powerpoint/2010/main" xmlns:p15="http://schemas.microsoft.com/office/powerpoint/2012/main" showMasterPhAnim="0" showMasterSp="0">
+<p:notes xmlns:a="http://schemas.openxmlformats.org/drawingml/2006/main" xmlns:r="http://schemas.openxmlformats.org/officeDocument/2006/relationships" xmlns:p="http://schemas.openxmlformats.org/presentationml/2006/main" showMasterPhAnim="0" showMasterSp="0">
   <p:cSld>
     <p:spTree>
       <p:nvGrpSpPr>
@@ -1525,7 +1527,7 @@
           <p:cNvPr id="87" name="Google Shape;87;g635e08c891_0_148:notes"/>
           <p:cNvSpPr/>
           <p:nvPr>
-            <p:ph idx="2" type="sldImg"/>
+            <p:ph type="sldImg" idx="2"/>
           </p:nvPr>
         </p:nvSpPr>
         <p:spPr>
@@ -1534,9 +1536,13 @@
             <a:ext cx="6096000" cy="3429000"/>
           </a:xfrm>
           <a:custGeom>
-            <a:rect b="b" l="l" r="r" t="t"/>
+            <a:avLst/>
+            <a:gdLst/>
+            <a:ahLst/>
+            <a:cxnLst/>
+            <a:rect l="l" t="t" r="r" b="b"/>
             <a:pathLst>
-              <a:path extrusionOk="0" h="120000" w="120000">
+              <a:path w="120000" h="120000" extrusionOk="0">
                 <a:moveTo>
                   <a:pt x="0" y="0"/>
                 </a:moveTo>
@@ -1560,7 +1566,7 @@
           <p:cNvPr id="88" name="Google Shape;88;g635e08c891_0_148:notes"/>
           <p:cNvSpPr txBox="1"/>
           <p:nvPr>
-            <p:ph idx="1" type="body"/>
+            <p:ph type="body" idx="1"/>
           </p:nvPr>
         </p:nvSpPr>
         <p:spPr>
@@ -1573,12 +1579,12 @@
           </a:prstGeom>
         </p:spPr>
         <p:txBody>
-          <a:bodyPr anchorCtr="0" anchor="t" bIns="91425" lIns="91425" spcFirstLastPara="1" rIns="91425" wrap="square" tIns="91425">
+          <a:bodyPr spcFirstLastPara="1" wrap="square" lIns="91425" tIns="91425" rIns="91425" bIns="91425" anchor="t" anchorCtr="0">
             <a:noAutofit/>
           </a:bodyPr>
           <a:lstStyle/>
           <a:p>
-            <a:pPr indent="0" lvl="0" marL="0" rtl="0" algn="l">
+            <a:pPr marL="0" lvl="0" indent="0" algn="l" rtl="0">
               <a:spcBef>
                 <a:spcPts val="0"/>
               </a:spcBef>
@@ -1587,10 +1593,6 @@
               </a:spcAft>
               <a:buNone/>
             </a:pPr>
-            <a:r>
-              <a:t/>
-            </a:r>
-            <a:endParaRPr/>
           </a:p>
         </p:txBody>
       </p:sp>
@@ -1603,7 +1605,7 @@
 </file>
 
 <file path=ppt/notesSlides/notesSlide8.xml><?xml version="1.0" encoding="utf-8"?>
-<p:notes xmlns:a="http://schemas.openxmlformats.org/drawingml/2006/main" xmlns:r="http://schemas.openxmlformats.org/officeDocument/2006/relationships" xmlns:mc="http://schemas.openxmlformats.org/markup-compatibility/2006" xmlns:mv="urn:schemas-microsoft-com:mac:vml" xmlns:p="http://schemas.openxmlformats.org/presentationml/2006/main" xmlns:c="http://schemas.openxmlformats.org/drawingml/2006/chart" xmlns:dgm="http://schemas.openxmlformats.org/drawingml/2006/diagram" xmlns:o="urn:schemas-microsoft-com:office:office" xmlns:v="urn:schemas-microsoft-com:vml" xmlns:pvml="urn:schemas-microsoft-com:office:powerpoint" xmlns:com="http://schemas.openxmlformats.org/drawingml/2006/compatibility" xmlns:p14="http://schemas.microsoft.com/office/powerpoint/2010/main" xmlns:p15="http://schemas.microsoft.com/office/powerpoint/2012/main" showMasterPhAnim="0" showMasterSp="0">
+<p:notes xmlns:a="http://schemas.openxmlformats.org/drawingml/2006/main" xmlns:r="http://schemas.openxmlformats.org/officeDocument/2006/relationships" xmlns:p="http://schemas.openxmlformats.org/presentationml/2006/main" showMasterPhAnim="0" showMasterSp="0">
   <p:cSld>
     <p:spTree>
       <p:nvGrpSpPr>
@@ -1624,7 +1626,7 @@
           <p:cNvPr id="93" name="Google Shape;93;g635e08c891_0_158:notes"/>
           <p:cNvSpPr/>
           <p:nvPr>
-            <p:ph idx="2" type="sldImg"/>
+            <p:ph type="sldImg" idx="2"/>
           </p:nvPr>
         </p:nvSpPr>
         <p:spPr>
@@ -1633,9 +1635,13 @@
             <a:ext cx="6096000" cy="3429000"/>
           </a:xfrm>
           <a:custGeom>
-            <a:rect b="b" l="l" r="r" t="t"/>
+            <a:avLst/>
+            <a:gdLst/>
+            <a:ahLst/>
+            <a:cxnLst/>
+            <a:rect l="l" t="t" r="r" b="b"/>
             <a:pathLst>
-              <a:path extrusionOk="0" h="120000" w="120000">
+              <a:path w="120000" h="120000" extrusionOk="0">
                 <a:moveTo>
                   <a:pt x="0" y="0"/>
                 </a:moveTo>
@@ -1659,7 +1665,7 @@
           <p:cNvPr id="94" name="Google Shape;94;g635e08c891_0_158:notes"/>
           <p:cNvSpPr txBox="1"/>
           <p:nvPr>
-            <p:ph idx="1" type="body"/>
+            <p:ph type="body" idx="1"/>
           </p:nvPr>
         </p:nvSpPr>
         <p:spPr>
@@ -1672,12 +1678,12 @@
           </a:prstGeom>
         </p:spPr>
         <p:txBody>
-          <a:bodyPr anchorCtr="0" anchor="t" bIns="91425" lIns="91425" spcFirstLastPara="1" rIns="91425" wrap="square" tIns="91425">
+          <a:bodyPr spcFirstLastPara="1" wrap="square" lIns="91425" tIns="91425" rIns="91425" bIns="91425" anchor="t" anchorCtr="0">
             <a:noAutofit/>
           </a:bodyPr>
           <a:lstStyle/>
           <a:p>
-            <a:pPr indent="0" lvl="0" marL="0" rtl="0" algn="l">
+            <a:pPr marL="0" lvl="0" indent="0" algn="l" rtl="0">
               <a:spcBef>
                 <a:spcPts val="0"/>
               </a:spcBef>
@@ -1686,10 +1692,6 @@
               </a:spcAft>
               <a:buNone/>
             </a:pPr>
-            <a:r>
-              <a:t/>
-            </a:r>
-            <a:endParaRPr/>
           </a:p>
         </p:txBody>
       </p:sp>
@@ -1702,7 +1704,7 @@
 </file>
 
 <file path=ppt/notesSlides/notesSlide9.xml><?xml version="1.0" encoding="utf-8"?>
-<p:notes xmlns:a="http://schemas.openxmlformats.org/drawingml/2006/main" xmlns:r="http://schemas.openxmlformats.org/officeDocument/2006/relationships" xmlns:mc="http://schemas.openxmlformats.org/markup-compatibility/2006" xmlns:mv="urn:schemas-microsoft-com:mac:vml" xmlns:p="http://schemas.openxmlformats.org/presentationml/2006/main" xmlns:c="http://schemas.openxmlformats.org/drawingml/2006/chart" xmlns:dgm="http://schemas.openxmlformats.org/drawingml/2006/diagram" xmlns:o="urn:schemas-microsoft-com:office:office" xmlns:v="urn:schemas-microsoft-com:vml" xmlns:pvml="urn:schemas-microsoft-com:office:powerpoint" xmlns:com="http://schemas.openxmlformats.org/drawingml/2006/compatibility" xmlns:p14="http://schemas.microsoft.com/office/powerpoint/2010/main" xmlns:p15="http://schemas.microsoft.com/office/powerpoint/2012/main" showMasterPhAnim="0" showMasterSp="0">
+<p:notes xmlns:a="http://schemas.openxmlformats.org/drawingml/2006/main" xmlns:r="http://schemas.openxmlformats.org/officeDocument/2006/relationships" xmlns:p="http://schemas.openxmlformats.org/presentationml/2006/main" showMasterPhAnim="0" showMasterSp="0">
   <p:cSld>
     <p:spTree>
       <p:nvGrpSpPr>
@@ -1723,7 +1725,7 @@
           <p:cNvPr id="100" name="Google Shape;100;g635e08c891_0_163:notes"/>
           <p:cNvSpPr/>
           <p:nvPr>
-            <p:ph idx="2" type="sldImg"/>
+            <p:ph type="sldImg" idx="2"/>
           </p:nvPr>
         </p:nvSpPr>
         <p:spPr>
@@ -1732,9 +1734,13 @@
             <a:ext cx="6096000" cy="3429000"/>
           </a:xfrm>
           <a:custGeom>
-            <a:rect b="b" l="l" r="r" t="t"/>
+            <a:avLst/>
+            <a:gdLst/>
+            <a:ahLst/>
+            <a:cxnLst/>
+            <a:rect l="l" t="t" r="r" b="b"/>
             <a:pathLst>
-              <a:path extrusionOk="0" h="120000" w="120000">
+              <a:path w="120000" h="120000" extrusionOk="0">
                 <a:moveTo>
                   <a:pt x="0" y="0"/>
                 </a:moveTo>
@@ -1758,7 +1764,7 @@
           <p:cNvPr id="101" name="Google Shape;101;g635e08c891_0_163:notes"/>
           <p:cNvSpPr txBox="1"/>
           <p:nvPr>
-            <p:ph idx="1" type="body"/>
+            <p:ph type="body" idx="1"/>
           </p:nvPr>
         </p:nvSpPr>
         <p:spPr>
@@ -1771,12 +1777,12 @@
           </a:prstGeom>
         </p:spPr>
         <p:txBody>
-          <a:bodyPr anchorCtr="0" anchor="t" bIns="91425" lIns="91425" spcFirstLastPara="1" rIns="91425" wrap="square" tIns="91425">
+          <a:bodyPr spcFirstLastPara="1" wrap="square" lIns="91425" tIns="91425" rIns="91425" bIns="91425" anchor="t" anchorCtr="0">
             <a:noAutofit/>
           </a:bodyPr>
           <a:lstStyle/>
           <a:p>
-            <a:pPr indent="0" lvl="0" marL="0" rtl="0" algn="l">
+            <a:pPr marL="0" lvl="0" indent="0" algn="l" rtl="0">
               <a:spcBef>
                 <a:spcPts val="0"/>
               </a:spcBef>
@@ -1785,10 +1791,6 @@
               </a:spcAft>
               <a:buNone/>
             </a:pPr>
-            <a:r>
-              <a:t/>
-            </a:r>
-            <a:endParaRPr/>
           </a:p>
         </p:txBody>
       </p:sp>
@@ -1801,7 +1803,7 @@
 </file>
 
 <file path=ppt/slideLayouts/slideLayout1.xml><?xml version="1.0" encoding="utf-8"?>
-<p:sldLayout xmlns:a="http://schemas.openxmlformats.org/drawingml/2006/main" xmlns:r="http://schemas.openxmlformats.org/officeDocument/2006/relationships" xmlns:mc="http://schemas.openxmlformats.org/markup-compatibility/2006" xmlns:mv="urn:schemas-microsoft-com:mac:vml" xmlns:p="http://schemas.openxmlformats.org/presentationml/2006/main" xmlns:c="http://schemas.openxmlformats.org/drawingml/2006/chart" xmlns:dgm="http://schemas.openxmlformats.org/drawingml/2006/diagram" xmlns:o="urn:schemas-microsoft-com:office:office" xmlns:v="urn:schemas-microsoft-com:vml" xmlns:pvml="urn:schemas-microsoft-com:office:powerpoint" xmlns:com="http://schemas.openxmlformats.org/drawingml/2006/compatibility" xmlns:p14="http://schemas.microsoft.com/office/powerpoint/2010/main" xmlns:p15="http://schemas.microsoft.com/office/powerpoint/2012/main" matchingName="Title slide" type="title">
+<p:sldLayout xmlns:a="http://schemas.openxmlformats.org/drawingml/2006/main" xmlns:r="http://schemas.openxmlformats.org/officeDocument/2006/relationships" xmlns:p="http://schemas.openxmlformats.org/presentationml/2006/main" type="title" matchingName="Title slide">
   <p:cSld name="TITLE">
     <p:spTree>
       <p:nvGrpSpPr>
@@ -1835,7 +1837,7 @@
           </a:prstGeom>
         </p:spPr>
         <p:txBody>
-          <a:bodyPr anchorCtr="0" anchor="b" bIns="91425" lIns="91425" spcFirstLastPara="1" rIns="91425" wrap="square" tIns="91425">
+          <a:bodyPr spcFirstLastPara="1" wrap="square" lIns="91425" tIns="91425" rIns="91425" bIns="91425" anchor="b" anchorCtr="0">
             <a:noAutofit/>
           </a:bodyPr>
           <a:lstStyle>
@@ -1947,7 +1949,7 @@
           <p:cNvPr id="11" name="Google Shape;11;p2"/>
           <p:cNvSpPr txBox="1"/>
           <p:nvPr>
-            <p:ph idx="1" type="subTitle"/>
+            <p:ph type="subTitle" idx="1"/>
           </p:nvPr>
         </p:nvSpPr>
         <p:spPr>
@@ -1960,7 +1962,7 @@
           </a:prstGeom>
         </p:spPr>
         <p:txBody>
-          <a:bodyPr anchorCtr="0" anchor="t" bIns="91425" lIns="91425" spcFirstLastPara="1" rIns="91425" wrap="square" tIns="91425">
+          <a:bodyPr spcFirstLastPara="1" wrap="square" lIns="91425" tIns="91425" rIns="91425" bIns="91425" anchor="t" anchorCtr="0">
             <a:noAutofit/>
           </a:bodyPr>
           <a:lstStyle>
@@ -2099,7 +2101,7 @@
           <p:cNvPr id="12" name="Google Shape;12;p2"/>
           <p:cNvSpPr txBox="1"/>
           <p:nvPr>
-            <p:ph idx="12" type="sldNum"/>
+            <p:ph type="sldNum" idx="12"/>
           </p:nvPr>
         </p:nvSpPr>
         <p:spPr>
@@ -2112,7 +2114,7 @@
           </a:prstGeom>
         </p:spPr>
         <p:txBody>
-          <a:bodyPr anchorCtr="0" anchor="ctr" bIns="91425" lIns="91425" spcFirstLastPara="1" rIns="91425" wrap="square" tIns="91425">
+          <a:bodyPr spcFirstLastPara="1" wrap="square" lIns="91425" tIns="91425" rIns="91425" bIns="91425" anchor="ctr" anchorCtr="0">
             <a:noAutofit/>
           </a:bodyPr>
           <a:lstStyle>
@@ -2154,7 +2156,7 @@
             </a:lvl9pPr>
           </a:lstStyle>
           <a:p>
-            <a:pPr indent="0" lvl="0" marL="0" rtl="0" algn="r">
+            <a:pPr marL="0" lvl="0" indent="0" algn="r" rtl="0">
               <a:spcBef>
                 <a:spcPts val="0"/>
               </a:spcBef>
@@ -2164,10 +2166,9 @@
               <a:buNone/>
             </a:pPr>
             <a:fld id="{00000000-1234-1234-1234-123412341234}" type="slidenum">
-              <a:rPr lang="en"/>
-              <a:t>‹#›</a:t>
+              <a:rPr lang="en-GB"/>
             </a:fld>
-            <a:endParaRPr/>
+            <a:endParaRPr lang="en-GB"/>
           </a:p>
         </p:txBody>
       </p:sp>
@@ -2180,7 +2181,7 @@
 </file>
 
 <file path=ppt/slideLayouts/slideLayout10.xml><?xml version="1.0" encoding="utf-8"?>
-<p:sldLayout xmlns:a="http://schemas.openxmlformats.org/drawingml/2006/main" xmlns:r="http://schemas.openxmlformats.org/officeDocument/2006/relationships" xmlns:mc="http://schemas.openxmlformats.org/markup-compatibility/2006" xmlns:mv="urn:schemas-microsoft-com:mac:vml" xmlns:p="http://schemas.openxmlformats.org/presentationml/2006/main" xmlns:c="http://schemas.openxmlformats.org/drawingml/2006/chart" xmlns:dgm="http://schemas.openxmlformats.org/drawingml/2006/diagram" xmlns:o="urn:schemas-microsoft-com:office:office" xmlns:v="urn:schemas-microsoft-com:vml" xmlns:pvml="urn:schemas-microsoft-com:office:powerpoint" xmlns:com="http://schemas.openxmlformats.org/drawingml/2006/compatibility" xmlns:p14="http://schemas.microsoft.com/office/powerpoint/2010/main" xmlns:p15="http://schemas.microsoft.com/office/powerpoint/2012/main" matchingName="Big number">
+<p:sldLayout xmlns:a="http://schemas.openxmlformats.org/drawingml/2006/main" xmlns:r="http://schemas.openxmlformats.org/officeDocument/2006/relationships" xmlns:p="http://schemas.openxmlformats.org/presentationml/2006/main" matchingName="Big number">
   <p:cSld name="BIG_NUMBER">
     <p:spTree>
       <p:nvGrpSpPr>
@@ -2201,7 +2202,7 @@
           <p:cNvPr id="45" name="Google Shape;45;p11"/>
           <p:cNvSpPr txBox="1"/>
           <p:nvPr>
-            <p:ph hasCustomPrompt="1" type="title"/>
+            <p:ph type="title" hasCustomPrompt="1"/>
           </p:nvPr>
         </p:nvSpPr>
         <p:spPr>
@@ -2214,7 +2215,7 @@
           </a:prstGeom>
         </p:spPr>
         <p:txBody>
-          <a:bodyPr anchorCtr="0" anchor="b" bIns="91425" lIns="91425" spcFirstLastPara="1" rIns="91425" wrap="square" tIns="91425">
+          <a:bodyPr spcFirstLastPara="1" wrap="square" lIns="91425" tIns="91425" rIns="91425" bIns="91425" anchor="b" anchorCtr="0">
             <a:noAutofit/>
           </a:bodyPr>
           <a:lstStyle>
@@ -2330,7 +2331,7 @@
           <p:cNvPr id="46" name="Google Shape;46;p11"/>
           <p:cNvSpPr txBox="1"/>
           <p:nvPr>
-            <p:ph idx="1" type="body"/>
+            <p:ph type="body" idx="1"/>
           </p:nvPr>
         </p:nvSpPr>
         <p:spPr>
@@ -2343,11 +2344,11 @@
           </a:prstGeom>
         </p:spPr>
         <p:txBody>
-          <a:bodyPr anchorCtr="0" anchor="t" bIns="91425" lIns="91425" spcFirstLastPara="1" rIns="91425" wrap="square" tIns="91425">
+          <a:bodyPr spcFirstLastPara="1" wrap="square" lIns="91425" tIns="91425" rIns="91425" bIns="91425" anchor="t" anchorCtr="0">
             <a:noAutofit/>
           </a:bodyPr>
           <a:lstStyle>
-            <a:lvl1pPr indent="-342900" lvl="0" marL="457200" algn="ctr">
+            <a:lvl1pPr marL="457200" lvl="0" indent="-342900" algn="ctr">
               <a:spcBef>
                 <a:spcPts val="0"/>
               </a:spcBef>
@@ -2358,7 +2359,7 @@
               <a:buChar char="●"/>
               <a:defRPr/>
             </a:lvl1pPr>
-            <a:lvl2pPr indent="-317500" lvl="1" marL="914400" algn="ctr">
+            <a:lvl2pPr marL="914400" lvl="1" indent="-317500" algn="ctr">
               <a:spcBef>
                 <a:spcPts val="1600"/>
               </a:spcBef>
@@ -2369,7 +2370,7 @@
               <a:buChar char="○"/>
               <a:defRPr/>
             </a:lvl2pPr>
-            <a:lvl3pPr indent="-317500" lvl="2" marL="1371600" algn="ctr">
+            <a:lvl3pPr marL="1371600" lvl="2" indent="-317500" algn="ctr">
               <a:spcBef>
                 <a:spcPts val="1600"/>
               </a:spcBef>
@@ -2380,7 +2381,7 @@
               <a:buChar char="■"/>
               <a:defRPr/>
             </a:lvl3pPr>
-            <a:lvl4pPr indent="-317500" lvl="3" marL="1828800" algn="ctr">
+            <a:lvl4pPr marL="1828800" lvl="3" indent="-317500" algn="ctr">
               <a:spcBef>
                 <a:spcPts val="1600"/>
               </a:spcBef>
@@ -2391,7 +2392,7 @@
               <a:buChar char="●"/>
               <a:defRPr/>
             </a:lvl4pPr>
-            <a:lvl5pPr indent="-317500" lvl="4" marL="2286000" algn="ctr">
+            <a:lvl5pPr marL="2286000" lvl="4" indent="-317500" algn="ctr">
               <a:spcBef>
                 <a:spcPts val="1600"/>
               </a:spcBef>
@@ -2402,7 +2403,7 @@
               <a:buChar char="○"/>
               <a:defRPr/>
             </a:lvl5pPr>
-            <a:lvl6pPr indent="-317500" lvl="5" marL="2743200" algn="ctr">
+            <a:lvl6pPr marL="2743200" lvl="5" indent="-317500" algn="ctr">
               <a:spcBef>
                 <a:spcPts val="1600"/>
               </a:spcBef>
@@ -2413,7 +2414,7 @@
               <a:buChar char="■"/>
               <a:defRPr/>
             </a:lvl6pPr>
-            <a:lvl7pPr indent="-317500" lvl="6" marL="3200400" algn="ctr">
+            <a:lvl7pPr marL="3200400" lvl="6" indent="-317500" algn="ctr">
               <a:spcBef>
                 <a:spcPts val="1600"/>
               </a:spcBef>
@@ -2424,7 +2425,7 @@
               <a:buChar char="●"/>
               <a:defRPr/>
             </a:lvl7pPr>
-            <a:lvl8pPr indent="-317500" lvl="7" marL="3657600" algn="ctr">
+            <a:lvl8pPr marL="3657600" lvl="7" indent="-317500" algn="ctr">
               <a:spcBef>
                 <a:spcPts val="1600"/>
               </a:spcBef>
@@ -2435,7 +2436,7 @@
               <a:buChar char="○"/>
               <a:defRPr/>
             </a:lvl8pPr>
-            <a:lvl9pPr indent="-317500" lvl="8" marL="4114800" algn="ctr">
+            <a:lvl9pPr marL="4114800" lvl="8" indent="-317500" algn="ctr">
               <a:spcBef>
                 <a:spcPts val="1600"/>
               </a:spcBef>
@@ -2455,7 +2456,7 @@
           <p:cNvPr id="47" name="Google Shape;47;p11"/>
           <p:cNvSpPr txBox="1"/>
           <p:nvPr>
-            <p:ph idx="12" type="sldNum"/>
+            <p:ph type="sldNum" idx="12"/>
           </p:nvPr>
         </p:nvSpPr>
         <p:spPr>
@@ -2468,7 +2469,7 @@
           </a:prstGeom>
         </p:spPr>
         <p:txBody>
-          <a:bodyPr anchorCtr="0" anchor="ctr" bIns="91425" lIns="91425" spcFirstLastPara="1" rIns="91425" wrap="square" tIns="91425">
+          <a:bodyPr spcFirstLastPara="1" wrap="square" lIns="91425" tIns="91425" rIns="91425" bIns="91425" anchor="ctr" anchorCtr="0">
             <a:noAutofit/>
           </a:bodyPr>
           <a:lstStyle>
@@ -2510,7 +2511,7 @@
             </a:lvl9pPr>
           </a:lstStyle>
           <a:p>
-            <a:pPr indent="0" lvl="0" marL="0" rtl="0" algn="r">
+            <a:pPr marL="0" lvl="0" indent="0" algn="r" rtl="0">
               <a:spcBef>
                 <a:spcPts val="0"/>
               </a:spcBef>
@@ -2520,10 +2521,9 @@
               <a:buNone/>
             </a:pPr>
             <a:fld id="{00000000-1234-1234-1234-123412341234}" type="slidenum">
-              <a:rPr lang="en"/>
-              <a:t>‹#›</a:t>
+              <a:rPr lang="en-GB"/>
             </a:fld>
-            <a:endParaRPr/>
+            <a:endParaRPr lang="en-GB"/>
           </a:p>
         </p:txBody>
       </p:sp>
@@ -2536,7 +2536,7 @@
 </file>
 
 <file path=ppt/slideLayouts/slideLayout11.xml><?xml version="1.0" encoding="utf-8"?>
-<p:sldLayout xmlns:a="http://schemas.openxmlformats.org/drawingml/2006/main" xmlns:r="http://schemas.openxmlformats.org/officeDocument/2006/relationships" xmlns:mc="http://schemas.openxmlformats.org/markup-compatibility/2006" xmlns:mv="urn:schemas-microsoft-com:mac:vml" xmlns:p="http://schemas.openxmlformats.org/presentationml/2006/main" xmlns:c="http://schemas.openxmlformats.org/drawingml/2006/chart" xmlns:dgm="http://schemas.openxmlformats.org/drawingml/2006/diagram" xmlns:o="urn:schemas-microsoft-com:office:office" xmlns:v="urn:schemas-microsoft-com:vml" xmlns:pvml="urn:schemas-microsoft-com:office:powerpoint" xmlns:com="http://schemas.openxmlformats.org/drawingml/2006/compatibility" xmlns:p14="http://schemas.microsoft.com/office/powerpoint/2010/main" xmlns:p15="http://schemas.microsoft.com/office/powerpoint/2012/main" matchingName="Blank" type="blank">
+<p:sldLayout xmlns:a="http://schemas.openxmlformats.org/drawingml/2006/main" xmlns:r="http://schemas.openxmlformats.org/officeDocument/2006/relationships" xmlns:p="http://schemas.openxmlformats.org/presentationml/2006/main" type="blank" matchingName="Blank">
   <p:cSld name="BLANK">
     <p:spTree>
       <p:nvGrpSpPr>
@@ -2557,7 +2557,7 @@
           <p:cNvPr id="49" name="Google Shape;49;p12"/>
           <p:cNvSpPr txBox="1"/>
           <p:nvPr>
-            <p:ph idx="12" type="sldNum"/>
+            <p:ph type="sldNum" idx="12"/>
           </p:nvPr>
         </p:nvSpPr>
         <p:spPr>
@@ -2570,7 +2570,7 @@
           </a:prstGeom>
         </p:spPr>
         <p:txBody>
-          <a:bodyPr anchorCtr="0" anchor="ctr" bIns="91425" lIns="91425" spcFirstLastPara="1" rIns="91425" wrap="square" tIns="91425">
+          <a:bodyPr spcFirstLastPara="1" wrap="square" lIns="91425" tIns="91425" rIns="91425" bIns="91425" anchor="ctr" anchorCtr="0">
             <a:noAutofit/>
           </a:bodyPr>
           <a:lstStyle>
@@ -2612,7 +2612,7 @@
             </a:lvl9pPr>
           </a:lstStyle>
           <a:p>
-            <a:pPr indent="0" lvl="0" marL="0" rtl="0" algn="r">
+            <a:pPr marL="0" lvl="0" indent="0" algn="r" rtl="0">
               <a:spcBef>
                 <a:spcPts val="0"/>
               </a:spcBef>
@@ -2622,10 +2622,9 @@
               <a:buNone/>
             </a:pPr>
             <a:fld id="{00000000-1234-1234-1234-123412341234}" type="slidenum">
-              <a:rPr lang="en"/>
-              <a:t>‹#›</a:t>
+              <a:rPr lang="en-GB"/>
             </a:fld>
-            <a:endParaRPr/>
+            <a:endParaRPr lang="en-GB"/>
           </a:p>
         </p:txBody>
       </p:sp>
@@ -2638,7 +2637,7 @@
 </file>
 
 <file path=ppt/slideLayouts/slideLayout2.xml><?xml version="1.0" encoding="utf-8"?>
-<p:sldLayout xmlns:a="http://schemas.openxmlformats.org/drawingml/2006/main" xmlns:r="http://schemas.openxmlformats.org/officeDocument/2006/relationships" xmlns:mc="http://schemas.openxmlformats.org/markup-compatibility/2006" xmlns:mv="urn:schemas-microsoft-com:mac:vml" xmlns:p="http://schemas.openxmlformats.org/presentationml/2006/main" xmlns:c="http://schemas.openxmlformats.org/drawingml/2006/chart" xmlns:dgm="http://schemas.openxmlformats.org/drawingml/2006/diagram" xmlns:o="urn:schemas-microsoft-com:office:office" xmlns:v="urn:schemas-microsoft-com:vml" xmlns:pvml="urn:schemas-microsoft-com:office:powerpoint" xmlns:com="http://schemas.openxmlformats.org/drawingml/2006/compatibility" xmlns:p14="http://schemas.microsoft.com/office/powerpoint/2010/main" xmlns:p15="http://schemas.microsoft.com/office/powerpoint/2012/main" matchingName="Section header" type="secHead">
+<p:sldLayout xmlns:a="http://schemas.openxmlformats.org/drawingml/2006/main" xmlns:r="http://schemas.openxmlformats.org/officeDocument/2006/relationships" xmlns:p="http://schemas.openxmlformats.org/presentationml/2006/main" type="secHead" matchingName="Section header">
   <p:cSld name="SECTION_HEADER">
     <p:spTree>
       <p:nvGrpSpPr>
@@ -2672,7 +2671,7 @@
           </a:prstGeom>
         </p:spPr>
         <p:txBody>
-          <a:bodyPr anchorCtr="0" anchor="ctr" bIns="91425" lIns="91425" spcFirstLastPara="1" rIns="91425" wrap="square" tIns="91425">
+          <a:bodyPr spcFirstLastPara="1" wrap="square" lIns="91425" tIns="91425" rIns="91425" bIns="91425" anchor="ctr" anchorCtr="0">
             <a:noAutofit/>
           </a:bodyPr>
           <a:lstStyle>
@@ -2784,7 +2783,7 @@
           <p:cNvPr id="15" name="Google Shape;15;p3"/>
           <p:cNvSpPr txBox="1"/>
           <p:nvPr>
-            <p:ph idx="12" type="sldNum"/>
+            <p:ph type="sldNum" idx="12"/>
           </p:nvPr>
         </p:nvSpPr>
         <p:spPr>
@@ -2797,7 +2796,7 @@
           </a:prstGeom>
         </p:spPr>
         <p:txBody>
-          <a:bodyPr anchorCtr="0" anchor="ctr" bIns="91425" lIns="91425" spcFirstLastPara="1" rIns="91425" wrap="square" tIns="91425">
+          <a:bodyPr spcFirstLastPara="1" wrap="square" lIns="91425" tIns="91425" rIns="91425" bIns="91425" anchor="ctr" anchorCtr="0">
             <a:noAutofit/>
           </a:bodyPr>
           <a:lstStyle>
@@ -2839,7 +2838,7 @@
             </a:lvl9pPr>
           </a:lstStyle>
           <a:p>
-            <a:pPr indent="0" lvl="0" marL="0" rtl="0" algn="r">
+            <a:pPr marL="0" lvl="0" indent="0" algn="r" rtl="0">
               <a:spcBef>
                 <a:spcPts val="0"/>
               </a:spcBef>
@@ -2849,10 +2848,9 @@
               <a:buNone/>
             </a:pPr>
             <a:fld id="{00000000-1234-1234-1234-123412341234}" type="slidenum">
-              <a:rPr lang="en"/>
-              <a:t>‹#›</a:t>
+              <a:rPr lang="en-GB"/>
             </a:fld>
-            <a:endParaRPr/>
+            <a:endParaRPr lang="en-GB"/>
           </a:p>
         </p:txBody>
       </p:sp>
@@ -2865,7 +2863,7 @@
 </file>
 
 <file path=ppt/slideLayouts/slideLayout3.xml><?xml version="1.0" encoding="utf-8"?>
-<p:sldLayout xmlns:a="http://schemas.openxmlformats.org/drawingml/2006/main" xmlns:r="http://schemas.openxmlformats.org/officeDocument/2006/relationships" xmlns:mc="http://schemas.openxmlformats.org/markup-compatibility/2006" xmlns:mv="urn:schemas-microsoft-com:mac:vml" xmlns:p="http://schemas.openxmlformats.org/presentationml/2006/main" xmlns:c="http://schemas.openxmlformats.org/drawingml/2006/chart" xmlns:dgm="http://schemas.openxmlformats.org/drawingml/2006/diagram" xmlns:o="urn:schemas-microsoft-com:office:office" xmlns:v="urn:schemas-microsoft-com:vml" xmlns:pvml="urn:schemas-microsoft-com:office:powerpoint" xmlns:com="http://schemas.openxmlformats.org/drawingml/2006/compatibility" xmlns:p14="http://schemas.microsoft.com/office/powerpoint/2010/main" xmlns:p15="http://schemas.microsoft.com/office/powerpoint/2012/main" matchingName="Title and body" type="tx">
+<p:sldLayout xmlns:a="http://schemas.openxmlformats.org/drawingml/2006/main" xmlns:r="http://schemas.openxmlformats.org/officeDocument/2006/relationships" xmlns:p="http://schemas.openxmlformats.org/presentationml/2006/main" type="tx" matchingName="Title and body">
   <p:cSld name="TITLE_AND_BODY">
     <p:spTree>
       <p:nvGrpSpPr>
@@ -2899,7 +2897,7 @@
           </a:prstGeom>
         </p:spPr>
         <p:txBody>
-          <a:bodyPr anchorCtr="0" anchor="t" bIns="91425" lIns="91425" spcFirstLastPara="1" rIns="91425" wrap="square" tIns="91425">
+          <a:bodyPr spcFirstLastPara="1" wrap="square" lIns="91425" tIns="91425" rIns="91425" bIns="91425" anchor="t" anchorCtr="0">
             <a:noAutofit/>
           </a:bodyPr>
           <a:lstStyle>
@@ -3011,7 +3009,7 @@
           <p:cNvPr id="18" name="Google Shape;18;p4"/>
           <p:cNvSpPr txBox="1"/>
           <p:nvPr>
-            <p:ph idx="1" type="body"/>
+            <p:ph type="body" idx="1"/>
           </p:nvPr>
         </p:nvSpPr>
         <p:spPr>
@@ -3024,11 +3022,11 @@
           </a:prstGeom>
         </p:spPr>
         <p:txBody>
-          <a:bodyPr anchorCtr="0" anchor="t" bIns="91425" lIns="91425" spcFirstLastPara="1" rIns="91425" wrap="square" tIns="91425">
+          <a:bodyPr spcFirstLastPara="1" wrap="square" lIns="91425" tIns="91425" rIns="91425" bIns="91425" anchor="t" anchorCtr="0">
             <a:noAutofit/>
           </a:bodyPr>
           <a:lstStyle>
-            <a:lvl1pPr indent="-342900" lvl="0" marL="457200">
+            <a:lvl1pPr marL="457200" lvl="0" indent="-342900">
               <a:spcBef>
                 <a:spcPts val="0"/>
               </a:spcBef>
@@ -3039,7 +3037,7 @@
               <a:buChar char="●"/>
               <a:defRPr/>
             </a:lvl1pPr>
-            <a:lvl2pPr indent="-317500" lvl="1" marL="914400">
+            <a:lvl2pPr marL="914400" lvl="1" indent="-317500">
               <a:spcBef>
                 <a:spcPts val="1600"/>
               </a:spcBef>
@@ -3050,7 +3048,7 @@
               <a:buChar char="○"/>
               <a:defRPr/>
             </a:lvl2pPr>
-            <a:lvl3pPr indent="-317500" lvl="2" marL="1371600">
+            <a:lvl3pPr marL="1371600" lvl="2" indent="-317500">
               <a:spcBef>
                 <a:spcPts val="1600"/>
               </a:spcBef>
@@ -3061,7 +3059,7 @@
               <a:buChar char="■"/>
               <a:defRPr/>
             </a:lvl3pPr>
-            <a:lvl4pPr indent="-317500" lvl="3" marL="1828800">
+            <a:lvl4pPr marL="1828800" lvl="3" indent="-317500">
               <a:spcBef>
                 <a:spcPts val="1600"/>
               </a:spcBef>
@@ -3072,7 +3070,7 @@
               <a:buChar char="●"/>
               <a:defRPr/>
             </a:lvl4pPr>
-            <a:lvl5pPr indent="-317500" lvl="4" marL="2286000">
+            <a:lvl5pPr marL="2286000" lvl="4" indent="-317500">
               <a:spcBef>
                 <a:spcPts val="1600"/>
               </a:spcBef>
@@ -3083,7 +3081,7 @@
               <a:buChar char="○"/>
               <a:defRPr/>
             </a:lvl5pPr>
-            <a:lvl6pPr indent="-317500" lvl="5" marL="2743200">
+            <a:lvl6pPr marL="2743200" lvl="5" indent="-317500">
               <a:spcBef>
                 <a:spcPts val="1600"/>
               </a:spcBef>
@@ -3094,7 +3092,7 @@
               <a:buChar char="■"/>
               <a:defRPr/>
             </a:lvl6pPr>
-            <a:lvl7pPr indent="-317500" lvl="6" marL="3200400">
+            <a:lvl7pPr marL="3200400" lvl="6" indent="-317500">
               <a:spcBef>
                 <a:spcPts val="1600"/>
               </a:spcBef>
@@ -3105,7 +3103,7 @@
               <a:buChar char="●"/>
               <a:defRPr/>
             </a:lvl7pPr>
-            <a:lvl8pPr indent="-317500" lvl="7" marL="3657600">
+            <a:lvl8pPr marL="3657600" lvl="7" indent="-317500">
               <a:spcBef>
                 <a:spcPts val="1600"/>
               </a:spcBef>
@@ -3116,7 +3114,7 @@
               <a:buChar char="○"/>
               <a:defRPr/>
             </a:lvl8pPr>
-            <a:lvl9pPr indent="-317500" lvl="8" marL="4114800">
+            <a:lvl9pPr marL="4114800" lvl="8" indent="-317500">
               <a:spcBef>
                 <a:spcPts val="1600"/>
               </a:spcBef>
@@ -3136,7 +3134,7 @@
           <p:cNvPr id="19" name="Google Shape;19;p4"/>
           <p:cNvSpPr txBox="1"/>
           <p:nvPr>
-            <p:ph idx="12" type="sldNum"/>
+            <p:ph type="sldNum" idx="12"/>
           </p:nvPr>
         </p:nvSpPr>
         <p:spPr>
@@ -3149,7 +3147,7 @@
           </a:prstGeom>
         </p:spPr>
         <p:txBody>
-          <a:bodyPr anchorCtr="0" anchor="ctr" bIns="91425" lIns="91425" spcFirstLastPara="1" rIns="91425" wrap="square" tIns="91425">
+          <a:bodyPr spcFirstLastPara="1" wrap="square" lIns="91425" tIns="91425" rIns="91425" bIns="91425" anchor="ctr" anchorCtr="0">
             <a:noAutofit/>
           </a:bodyPr>
           <a:lstStyle>
@@ -3191,7 +3189,7 @@
             </a:lvl9pPr>
           </a:lstStyle>
           <a:p>
-            <a:pPr indent="0" lvl="0" marL="0" rtl="0" algn="r">
+            <a:pPr marL="0" lvl="0" indent="0" algn="r" rtl="0">
               <a:spcBef>
                 <a:spcPts val="0"/>
               </a:spcBef>
@@ -3201,10 +3199,9 @@
               <a:buNone/>
             </a:pPr>
             <a:fld id="{00000000-1234-1234-1234-123412341234}" type="slidenum">
-              <a:rPr lang="en"/>
-              <a:t>‹#›</a:t>
+              <a:rPr lang="en-GB"/>
             </a:fld>
-            <a:endParaRPr/>
+            <a:endParaRPr lang="en-GB"/>
           </a:p>
         </p:txBody>
       </p:sp>
@@ -3217,7 +3214,7 @@
 </file>
 
 <file path=ppt/slideLayouts/slideLayout4.xml><?xml version="1.0" encoding="utf-8"?>
-<p:sldLayout xmlns:a="http://schemas.openxmlformats.org/drawingml/2006/main" xmlns:r="http://schemas.openxmlformats.org/officeDocument/2006/relationships" xmlns:mc="http://schemas.openxmlformats.org/markup-compatibility/2006" xmlns:mv="urn:schemas-microsoft-com:mac:vml" xmlns:p="http://schemas.openxmlformats.org/presentationml/2006/main" xmlns:c="http://schemas.openxmlformats.org/drawingml/2006/chart" xmlns:dgm="http://schemas.openxmlformats.org/drawingml/2006/diagram" xmlns:o="urn:schemas-microsoft-com:office:office" xmlns:v="urn:schemas-microsoft-com:vml" xmlns:pvml="urn:schemas-microsoft-com:office:powerpoint" xmlns:com="http://schemas.openxmlformats.org/drawingml/2006/compatibility" xmlns:p14="http://schemas.microsoft.com/office/powerpoint/2010/main" xmlns:p15="http://schemas.microsoft.com/office/powerpoint/2012/main" matchingName="Title and two columns" type="twoColTx">
+<p:sldLayout xmlns:a="http://schemas.openxmlformats.org/drawingml/2006/main" xmlns:r="http://schemas.openxmlformats.org/officeDocument/2006/relationships" xmlns:p="http://schemas.openxmlformats.org/presentationml/2006/main" type="twoColTx" matchingName="Title and two columns">
   <p:cSld name="TITLE_AND_TWO_COLUMNS">
     <p:spTree>
       <p:nvGrpSpPr>
@@ -3251,7 +3248,7 @@
           </a:prstGeom>
         </p:spPr>
         <p:txBody>
-          <a:bodyPr anchorCtr="0" anchor="t" bIns="91425" lIns="91425" spcFirstLastPara="1" rIns="91425" wrap="square" tIns="91425">
+          <a:bodyPr spcFirstLastPara="1" wrap="square" lIns="91425" tIns="91425" rIns="91425" bIns="91425" anchor="t" anchorCtr="0">
             <a:noAutofit/>
           </a:bodyPr>
           <a:lstStyle>
@@ -3363,7 +3360,7 @@
           <p:cNvPr id="22" name="Google Shape;22;p5"/>
           <p:cNvSpPr txBox="1"/>
           <p:nvPr>
-            <p:ph idx="1" type="body"/>
+            <p:ph type="body" idx="1"/>
           </p:nvPr>
         </p:nvSpPr>
         <p:spPr>
@@ -3376,11 +3373,11 @@
           </a:prstGeom>
         </p:spPr>
         <p:txBody>
-          <a:bodyPr anchorCtr="0" anchor="t" bIns="91425" lIns="91425" spcFirstLastPara="1" rIns="91425" wrap="square" tIns="91425">
+          <a:bodyPr spcFirstLastPara="1" wrap="square" lIns="91425" tIns="91425" rIns="91425" bIns="91425" anchor="t" anchorCtr="0">
             <a:noAutofit/>
           </a:bodyPr>
           <a:lstStyle>
-            <a:lvl1pPr indent="-317500" lvl="0" marL="457200">
+            <a:lvl1pPr marL="457200" lvl="0" indent="-317500">
               <a:spcBef>
                 <a:spcPts val="0"/>
               </a:spcBef>
@@ -3391,7 +3388,7 @@
               <a:buChar char="●"/>
               <a:defRPr sz="1400"/>
             </a:lvl1pPr>
-            <a:lvl2pPr indent="-304800" lvl="1" marL="914400">
+            <a:lvl2pPr marL="914400" lvl="1" indent="-304800">
               <a:spcBef>
                 <a:spcPts val="1600"/>
               </a:spcBef>
@@ -3402,7 +3399,7 @@
               <a:buChar char="○"/>
               <a:defRPr sz="1200"/>
             </a:lvl2pPr>
-            <a:lvl3pPr indent="-304800" lvl="2" marL="1371600">
+            <a:lvl3pPr marL="1371600" lvl="2" indent="-304800">
               <a:spcBef>
                 <a:spcPts val="1600"/>
               </a:spcBef>
@@ -3413,7 +3410,7 @@
               <a:buChar char="■"/>
               <a:defRPr sz="1200"/>
             </a:lvl3pPr>
-            <a:lvl4pPr indent="-304800" lvl="3" marL="1828800">
+            <a:lvl4pPr marL="1828800" lvl="3" indent="-304800">
               <a:spcBef>
                 <a:spcPts val="1600"/>
               </a:spcBef>
@@ -3424,7 +3421,7 @@
               <a:buChar char="●"/>
               <a:defRPr sz="1200"/>
             </a:lvl4pPr>
-            <a:lvl5pPr indent="-304800" lvl="4" marL="2286000">
+            <a:lvl5pPr marL="2286000" lvl="4" indent="-304800">
               <a:spcBef>
                 <a:spcPts val="1600"/>
               </a:spcBef>
@@ -3435,7 +3432,7 @@
               <a:buChar char="○"/>
               <a:defRPr sz="1200"/>
             </a:lvl5pPr>
-            <a:lvl6pPr indent="-304800" lvl="5" marL="2743200">
+            <a:lvl6pPr marL="2743200" lvl="5" indent="-304800">
               <a:spcBef>
                 <a:spcPts val="1600"/>
               </a:spcBef>
@@ -3446,7 +3443,7 @@
               <a:buChar char="■"/>
               <a:defRPr sz="1200"/>
             </a:lvl6pPr>
-            <a:lvl7pPr indent="-304800" lvl="6" marL="3200400">
+            <a:lvl7pPr marL="3200400" lvl="6" indent="-304800">
               <a:spcBef>
                 <a:spcPts val="1600"/>
               </a:spcBef>
@@ -3457,7 +3454,7 @@
               <a:buChar char="●"/>
               <a:defRPr sz="1200"/>
             </a:lvl7pPr>
-            <a:lvl8pPr indent="-304800" lvl="7" marL="3657600">
+            <a:lvl8pPr marL="3657600" lvl="7" indent="-304800">
               <a:spcBef>
                 <a:spcPts val="1600"/>
               </a:spcBef>
@@ -3468,7 +3465,7 @@
               <a:buChar char="○"/>
               <a:defRPr sz="1200"/>
             </a:lvl8pPr>
-            <a:lvl9pPr indent="-304800" lvl="8" marL="4114800">
+            <a:lvl9pPr marL="4114800" lvl="8" indent="-304800">
               <a:spcBef>
                 <a:spcPts val="1600"/>
               </a:spcBef>
@@ -3488,7 +3485,7 @@
           <p:cNvPr id="23" name="Google Shape;23;p5"/>
           <p:cNvSpPr txBox="1"/>
           <p:nvPr>
-            <p:ph idx="2" type="body"/>
+            <p:ph type="body" idx="2"/>
           </p:nvPr>
         </p:nvSpPr>
         <p:spPr>
@@ -3501,11 +3498,11 @@
           </a:prstGeom>
         </p:spPr>
         <p:txBody>
-          <a:bodyPr anchorCtr="0" anchor="t" bIns="91425" lIns="91425" spcFirstLastPara="1" rIns="91425" wrap="square" tIns="91425">
+          <a:bodyPr spcFirstLastPara="1" wrap="square" lIns="91425" tIns="91425" rIns="91425" bIns="91425" anchor="t" anchorCtr="0">
             <a:noAutofit/>
           </a:bodyPr>
           <a:lstStyle>
-            <a:lvl1pPr indent="-317500" lvl="0" marL="457200">
+            <a:lvl1pPr marL="457200" lvl="0" indent="-317500">
               <a:spcBef>
                 <a:spcPts val="0"/>
               </a:spcBef>
@@ -3516,7 +3513,7 @@
               <a:buChar char="●"/>
               <a:defRPr sz="1400"/>
             </a:lvl1pPr>
-            <a:lvl2pPr indent="-304800" lvl="1" marL="914400">
+            <a:lvl2pPr marL="914400" lvl="1" indent="-304800">
               <a:spcBef>
                 <a:spcPts val="1600"/>
               </a:spcBef>
@@ -3527,7 +3524,7 @@
               <a:buChar char="○"/>
               <a:defRPr sz="1200"/>
             </a:lvl2pPr>
-            <a:lvl3pPr indent="-304800" lvl="2" marL="1371600">
+            <a:lvl3pPr marL="1371600" lvl="2" indent="-304800">
               <a:spcBef>
                 <a:spcPts val="1600"/>
               </a:spcBef>
@@ -3538,7 +3535,7 @@
               <a:buChar char="■"/>
               <a:defRPr sz="1200"/>
             </a:lvl3pPr>
-            <a:lvl4pPr indent="-304800" lvl="3" marL="1828800">
+            <a:lvl4pPr marL="1828800" lvl="3" indent="-304800">
               <a:spcBef>
                 <a:spcPts val="1600"/>
               </a:spcBef>
@@ -3549,7 +3546,7 @@
               <a:buChar char="●"/>
               <a:defRPr sz="1200"/>
             </a:lvl4pPr>
-            <a:lvl5pPr indent="-304800" lvl="4" marL="2286000">
+            <a:lvl5pPr marL="2286000" lvl="4" indent="-304800">
               <a:spcBef>
                 <a:spcPts val="1600"/>
               </a:spcBef>
@@ -3560,7 +3557,7 @@
               <a:buChar char="○"/>
               <a:defRPr sz="1200"/>
             </a:lvl5pPr>
-            <a:lvl6pPr indent="-304800" lvl="5" marL="2743200">
+            <a:lvl6pPr marL="2743200" lvl="5" indent="-304800">
               <a:spcBef>
                 <a:spcPts val="1600"/>
               </a:spcBef>
@@ -3571,7 +3568,7 @@
               <a:buChar char="■"/>
               <a:defRPr sz="1200"/>
             </a:lvl6pPr>
-            <a:lvl7pPr indent="-304800" lvl="6" marL="3200400">
+            <a:lvl7pPr marL="3200400" lvl="6" indent="-304800">
               <a:spcBef>
                 <a:spcPts val="1600"/>
               </a:spcBef>
@@ -3582,7 +3579,7 @@
               <a:buChar char="●"/>
               <a:defRPr sz="1200"/>
             </a:lvl7pPr>
-            <a:lvl8pPr indent="-304800" lvl="7" marL="3657600">
+            <a:lvl8pPr marL="3657600" lvl="7" indent="-304800">
               <a:spcBef>
                 <a:spcPts val="1600"/>
               </a:spcBef>
@@ -3593,7 +3590,7 @@
               <a:buChar char="○"/>
               <a:defRPr sz="1200"/>
             </a:lvl8pPr>
-            <a:lvl9pPr indent="-304800" lvl="8" marL="4114800">
+            <a:lvl9pPr marL="4114800" lvl="8" indent="-304800">
               <a:spcBef>
                 <a:spcPts val="1600"/>
               </a:spcBef>
@@ -3613,7 +3610,7 @@
           <p:cNvPr id="24" name="Google Shape;24;p5"/>
           <p:cNvSpPr txBox="1"/>
           <p:nvPr>
-            <p:ph idx="12" type="sldNum"/>
+            <p:ph type="sldNum" idx="12"/>
           </p:nvPr>
         </p:nvSpPr>
         <p:spPr>
@@ -3626,7 +3623,7 @@
           </a:prstGeom>
         </p:spPr>
         <p:txBody>
-          <a:bodyPr anchorCtr="0" anchor="ctr" bIns="91425" lIns="91425" spcFirstLastPara="1" rIns="91425" wrap="square" tIns="91425">
+          <a:bodyPr spcFirstLastPara="1" wrap="square" lIns="91425" tIns="91425" rIns="91425" bIns="91425" anchor="ctr" anchorCtr="0">
             <a:noAutofit/>
           </a:bodyPr>
           <a:lstStyle>
@@ -3668,7 +3665,7 @@
             </a:lvl9pPr>
           </a:lstStyle>
           <a:p>
-            <a:pPr indent="0" lvl="0" marL="0" rtl="0" algn="r">
+            <a:pPr marL="0" lvl="0" indent="0" algn="r" rtl="0">
               <a:spcBef>
                 <a:spcPts val="0"/>
               </a:spcBef>
@@ -3678,10 +3675,9 @@
               <a:buNone/>
             </a:pPr>
             <a:fld id="{00000000-1234-1234-1234-123412341234}" type="slidenum">
-              <a:rPr lang="en"/>
-              <a:t>‹#›</a:t>
+              <a:rPr lang="en-GB"/>
             </a:fld>
-            <a:endParaRPr/>
+            <a:endParaRPr lang="en-GB"/>
           </a:p>
         </p:txBody>
       </p:sp>
@@ -3694,7 +3690,7 @@
 </file>
 
 <file path=ppt/slideLayouts/slideLayout5.xml><?xml version="1.0" encoding="utf-8"?>
-<p:sldLayout xmlns:a="http://schemas.openxmlformats.org/drawingml/2006/main" xmlns:r="http://schemas.openxmlformats.org/officeDocument/2006/relationships" xmlns:mc="http://schemas.openxmlformats.org/markup-compatibility/2006" xmlns:mv="urn:schemas-microsoft-com:mac:vml" xmlns:p="http://schemas.openxmlformats.org/presentationml/2006/main" xmlns:c="http://schemas.openxmlformats.org/drawingml/2006/chart" xmlns:dgm="http://schemas.openxmlformats.org/drawingml/2006/diagram" xmlns:o="urn:schemas-microsoft-com:office:office" xmlns:v="urn:schemas-microsoft-com:vml" xmlns:pvml="urn:schemas-microsoft-com:office:powerpoint" xmlns:com="http://schemas.openxmlformats.org/drawingml/2006/compatibility" xmlns:p14="http://schemas.microsoft.com/office/powerpoint/2010/main" xmlns:p15="http://schemas.microsoft.com/office/powerpoint/2012/main" matchingName="Title only" type="titleOnly">
+<p:sldLayout xmlns:a="http://schemas.openxmlformats.org/drawingml/2006/main" xmlns:r="http://schemas.openxmlformats.org/officeDocument/2006/relationships" xmlns:p="http://schemas.openxmlformats.org/presentationml/2006/main" type="titleOnly" matchingName="Title only">
   <p:cSld name="TITLE_ONLY">
     <p:spTree>
       <p:nvGrpSpPr>
@@ -3728,7 +3724,7 @@
           </a:prstGeom>
         </p:spPr>
         <p:txBody>
-          <a:bodyPr anchorCtr="0" anchor="t" bIns="91425" lIns="91425" spcFirstLastPara="1" rIns="91425" wrap="square" tIns="91425">
+          <a:bodyPr spcFirstLastPara="1" wrap="square" lIns="91425" tIns="91425" rIns="91425" bIns="91425" anchor="t" anchorCtr="0">
             <a:noAutofit/>
           </a:bodyPr>
           <a:lstStyle>
@@ -3840,7 +3836,7 @@
           <p:cNvPr id="27" name="Google Shape;27;p6"/>
           <p:cNvSpPr txBox="1"/>
           <p:nvPr>
-            <p:ph idx="12" type="sldNum"/>
+            <p:ph type="sldNum" idx="12"/>
           </p:nvPr>
         </p:nvSpPr>
         <p:spPr>
@@ -3853,7 +3849,7 @@
           </a:prstGeom>
         </p:spPr>
         <p:txBody>
-          <a:bodyPr anchorCtr="0" anchor="ctr" bIns="91425" lIns="91425" spcFirstLastPara="1" rIns="91425" wrap="square" tIns="91425">
+          <a:bodyPr spcFirstLastPara="1" wrap="square" lIns="91425" tIns="91425" rIns="91425" bIns="91425" anchor="ctr" anchorCtr="0">
             <a:noAutofit/>
           </a:bodyPr>
           <a:lstStyle>
@@ -3895,7 +3891,7 @@
             </a:lvl9pPr>
           </a:lstStyle>
           <a:p>
-            <a:pPr indent="0" lvl="0" marL="0" rtl="0" algn="r">
+            <a:pPr marL="0" lvl="0" indent="0" algn="r" rtl="0">
               <a:spcBef>
                 <a:spcPts val="0"/>
               </a:spcBef>
@@ -3905,10 +3901,9 @@
               <a:buNone/>
             </a:pPr>
             <a:fld id="{00000000-1234-1234-1234-123412341234}" type="slidenum">
-              <a:rPr lang="en"/>
-              <a:t>‹#›</a:t>
+              <a:rPr lang="en-GB"/>
             </a:fld>
-            <a:endParaRPr/>
+            <a:endParaRPr lang="en-GB"/>
           </a:p>
         </p:txBody>
       </p:sp>
@@ -3921,7 +3916,7 @@
 </file>
 
 <file path=ppt/slideLayouts/slideLayout6.xml><?xml version="1.0" encoding="utf-8"?>
-<p:sldLayout xmlns:a="http://schemas.openxmlformats.org/drawingml/2006/main" xmlns:r="http://schemas.openxmlformats.org/officeDocument/2006/relationships" xmlns:mc="http://schemas.openxmlformats.org/markup-compatibility/2006" xmlns:mv="urn:schemas-microsoft-com:mac:vml" xmlns:p="http://schemas.openxmlformats.org/presentationml/2006/main" xmlns:c="http://schemas.openxmlformats.org/drawingml/2006/chart" xmlns:dgm="http://schemas.openxmlformats.org/drawingml/2006/diagram" xmlns:o="urn:schemas-microsoft-com:office:office" xmlns:v="urn:schemas-microsoft-com:vml" xmlns:pvml="urn:schemas-microsoft-com:office:powerpoint" xmlns:com="http://schemas.openxmlformats.org/drawingml/2006/compatibility" xmlns:p14="http://schemas.microsoft.com/office/powerpoint/2010/main" xmlns:p15="http://schemas.microsoft.com/office/powerpoint/2012/main" matchingName="One column text">
+<p:sldLayout xmlns:a="http://schemas.openxmlformats.org/drawingml/2006/main" xmlns:r="http://schemas.openxmlformats.org/officeDocument/2006/relationships" xmlns:p="http://schemas.openxmlformats.org/presentationml/2006/main" matchingName="One column text">
   <p:cSld name="ONE_COLUMN_TEXT">
     <p:spTree>
       <p:nvGrpSpPr>
@@ -3955,7 +3950,7 @@
           </a:prstGeom>
         </p:spPr>
         <p:txBody>
-          <a:bodyPr anchorCtr="0" anchor="b" bIns="91425" lIns="91425" spcFirstLastPara="1" rIns="91425" wrap="square" tIns="91425">
+          <a:bodyPr spcFirstLastPara="1" wrap="square" lIns="91425" tIns="91425" rIns="91425" bIns="91425" anchor="b" anchorCtr="0">
             <a:noAutofit/>
           </a:bodyPr>
           <a:lstStyle>
@@ -4067,7 +4062,7 @@
           <p:cNvPr id="30" name="Google Shape;30;p7"/>
           <p:cNvSpPr txBox="1"/>
           <p:nvPr>
-            <p:ph idx="1" type="body"/>
+            <p:ph type="body" idx="1"/>
           </p:nvPr>
         </p:nvSpPr>
         <p:spPr>
@@ -4080,11 +4075,11 @@
           </a:prstGeom>
         </p:spPr>
         <p:txBody>
-          <a:bodyPr anchorCtr="0" anchor="t" bIns="91425" lIns="91425" spcFirstLastPara="1" rIns="91425" wrap="square" tIns="91425">
+          <a:bodyPr spcFirstLastPara="1" wrap="square" lIns="91425" tIns="91425" rIns="91425" bIns="91425" anchor="t" anchorCtr="0">
             <a:noAutofit/>
           </a:bodyPr>
           <a:lstStyle>
-            <a:lvl1pPr indent="-304800" lvl="0" marL="457200">
+            <a:lvl1pPr marL="457200" lvl="0" indent="-304800">
               <a:spcBef>
                 <a:spcPts val="0"/>
               </a:spcBef>
@@ -4095,7 +4090,7 @@
               <a:buChar char="●"/>
               <a:defRPr sz="1200"/>
             </a:lvl1pPr>
-            <a:lvl2pPr indent="-304800" lvl="1" marL="914400">
+            <a:lvl2pPr marL="914400" lvl="1" indent="-304800">
               <a:spcBef>
                 <a:spcPts val="1600"/>
               </a:spcBef>
@@ -4106,7 +4101,7 @@
               <a:buChar char="○"/>
               <a:defRPr sz="1200"/>
             </a:lvl2pPr>
-            <a:lvl3pPr indent="-304800" lvl="2" marL="1371600">
+            <a:lvl3pPr marL="1371600" lvl="2" indent="-304800">
               <a:spcBef>
                 <a:spcPts val="1600"/>
               </a:spcBef>
@@ -4117,7 +4112,7 @@
               <a:buChar char="■"/>
               <a:defRPr sz="1200"/>
             </a:lvl3pPr>
-            <a:lvl4pPr indent="-304800" lvl="3" marL="1828800">
+            <a:lvl4pPr marL="1828800" lvl="3" indent="-304800">
               <a:spcBef>
                 <a:spcPts val="1600"/>
               </a:spcBef>
@@ -4128,7 +4123,7 @@
               <a:buChar char="●"/>
               <a:defRPr sz="1200"/>
             </a:lvl4pPr>
-            <a:lvl5pPr indent="-304800" lvl="4" marL="2286000">
+            <a:lvl5pPr marL="2286000" lvl="4" indent="-304800">
               <a:spcBef>
                 <a:spcPts val="1600"/>
               </a:spcBef>
@@ -4139,7 +4134,7 @@
               <a:buChar char="○"/>
               <a:defRPr sz="1200"/>
             </a:lvl5pPr>
-            <a:lvl6pPr indent="-304800" lvl="5" marL="2743200">
+            <a:lvl6pPr marL="2743200" lvl="5" indent="-304800">
               <a:spcBef>
                 <a:spcPts val="1600"/>
               </a:spcBef>
@@ -4150,7 +4145,7 @@
               <a:buChar char="■"/>
               <a:defRPr sz="1200"/>
             </a:lvl6pPr>
-            <a:lvl7pPr indent="-304800" lvl="6" marL="3200400">
+            <a:lvl7pPr marL="3200400" lvl="6" indent="-304800">
               <a:spcBef>
                 <a:spcPts val="1600"/>
               </a:spcBef>
@@ -4161,7 +4156,7 @@
               <a:buChar char="●"/>
               <a:defRPr sz="1200"/>
             </a:lvl7pPr>
-            <a:lvl8pPr indent="-304800" lvl="7" marL="3657600">
+            <a:lvl8pPr marL="3657600" lvl="7" indent="-304800">
               <a:spcBef>
                 <a:spcPts val="1600"/>
               </a:spcBef>
@@ -4172,7 +4167,7 @@
               <a:buChar char="○"/>
               <a:defRPr sz="1200"/>
             </a:lvl8pPr>
-            <a:lvl9pPr indent="-304800" lvl="8" marL="4114800">
+            <a:lvl9pPr marL="4114800" lvl="8" indent="-304800">
               <a:spcBef>
                 <a:spcPts val="1600"/>
               </a:spcBef>
@@ -4192,7 +4187,7 @@
           <p:cNvPr id="31" name="Google Shape;31;p7"/>
           <p:cNvSpPr txBox="1"/>
           <p:nvPr>
-            <p:ph idx="12" type="sldNum"/>
+            <p:ph type="sldNum" idx="12"/>
           </p:nvPr>
         </p:nvSpPr>
         <p:spPr>
@@ -4205,7 +4200,7 @@
           </a:prstGeom>
         </p:spPr>
         <p:txBody>
-          <a:bodyPr anchorCtr="0" anchor="ctr" bIns="91425" lIns="91425" spcFirstLastPara="1" rIns="91425" wrap="square" tIns="91425">
+          <a:bodyPr spcFirstLastPara="1" wrap="square" lIns="91425" tIns="91425" rIns="91425" bIns="91425" anchor="ctr" anchorCtr="0">
             <a:noAutofit/>
           </a:bodyPr>
           <a:lstStyle>
@@ -4247,7 +4242,7 @@
             </a:lvl9pPr>
           </a:lstStyle>
           <a:p>
-            <a:pPr indent="0" lvl="0" marL="0" rtl="0" algn="r">
+            <a:pPr marL="0" lvl="0" indent="0" algn="r" rtl="0">
               <a:spcBef>
                 <a:spcPts val="0"/>
               </a:spcBef>
@@ -4257,10 +4252,9 @@
               <a:buNone/>
             </a:pPr>
             <a:fld id="{00000000-1234-1234-1234-123412341234}" type="slidenum">
-              <a:rPr lang="en"/>
-              <a:t>‹#›</a:t>
+              <a:rPr lang="en-GB"/>
             </a:fld>
-            <a:endParaRPr/>
+            <a:endParaRPr lang="en-GB"/>
           </a:p>
         </p:txBody>
       </p:sp>
@@ -4273,7 +4267,7 @@
 </file>
 
 <file path=ppt/slideLayouts/slideLayout7.xml><?xml version="1.0" encoding="utf-8"?>
-<p:sldLayout xmlns:a="http://schemas.openxmlformats.org/drawingml/2006/main" xmlns:r="http://schemas.openxmlformats.org/officeDocument/2006/relationships" xmlns:mc="http://schemas.openxmlformats.org/markup-compatibility/2006" xmlns:mv="urn:schemas-microsoft-com:mac:vml" xmlns:p="http://schemas.openxmlformats.org/presentationml/2006/main" xmlns:c="http://schemas.openxmlformats.org/drawingml/2006/chart" xmlns:dgm="http://schemas.openxmlformats.org/drawingml/2006/diagram" xmlns:o="urn:schemas-microsoft-com:office:office" xmlns:v="urn:schemas-microsoft-com:vml" xmlns:pvml="urn:schemas-microsoft-com:office:powerpoint" xmlns:com="http://schemas.openxmlformats.org/drawingml/2006/compatibility" xmlns:p14="http://schemas.microsoft.com/office/powerpoint/2010/main" xmlns:p15="http://schemas.microsoft.com/office/powerpoint/2012/main" matchingName="Main point">
+<p:sldLayout xmlns:a="http://schemas.openxmlformats.org/drawingml/2006/main" xmlns:r="http://schemas.openxmlformats.org/officeDocument/2006/relationships" xmlns:p="http://schemas.openxmlformats.org/presentationml/2006/main" matchingName="Main point">
   <p:cSld name="MAIN_POINT">
     <p:spTree>
       <p:nvGrpSpPr>
@@ -4307,7 +4301,7 @@
           </a:prstGeom>
         </p:spPr>
         <p:txBody>
-          <a:bodyPr anchorCtr="0" anchor="ctr" bIns="91425" lIns="91425" spcFirstLastPara="1" rIns="91425" wrap="square" tIns="91425">
+          <a:bodyPr spcFirstLastPara="1" wrap="square" lIns="91425" tIns="91425" rIns="91425" bIns="91425" anchor="ctr" anchorCtr="0">
             <a:noAutofit/>
           </a:bodyPr>
           <a:lstStyle>
@@ -4419,7 +4413,7 @@
           <p:cNvPr id="34" name="Google Shape;34;p8"/>
           <p:cNvSpPr txBox="1"/>
           <p:nvPr>
-            <p:ph idx="12" type="sldNum"/>
+            <p:ph type="sldNum" idx="12"/>
           </p:nvPr>
         </p:nvSpPr>
         <p:spPr>
@@ -4432,7 +4426,7 @@
           </a:prstGeom>
         </p:spPr>
         <p:txBody>
-          <a:bodyPr anchorCtr="0" anchor="ctr" bIns="91425" lIns="91425" spcFirstLastPara="1" rIns="91425" wrap="square" tIns="91425">
+          <a:bodyPr spcFirstLastPara="1" wrap="square" lIns="91425" tIns="91425" rIns="91425" bIns="91425" anchor="ctr" anchorCtr="0">
             <a:noAutofit/>
           </a:bodyPr>
           <a:lstStyle>
@@ -4474,7 +4468,7 @@
             </a:lvl9pPr>
           </a:lstStyle>
           <a:p>
-            <a:pPr indent="0" lvl="0" marL="0" rtl="0" algn="r">
+            <a:pPr marL="0" lvl="0" indent="0" algn="r" rtl="0">
               <a:spcBef>
                 <a:spcPts val="0"/>
               </a:spcBef>
@@ -4484,10 +4478,9 @@
               <a:buNone/>
             </a:pPr>
             <a:fld id="{00000000-1234-1234-1234-123412341234}" type="slidenum">
-              <a:rPr lang="en"/>
-              <a:t>‹#›</a:t>
+              <a:rPr lang="en-GB"/>
             </a:fld>
-            <a:endParaRPr/>
+            <a:endParaRPr lang="en-GB"/>
           </a:p>
         </p:txBody>
       </p:sp>
@@ -4500,7 +4493,7 @@
 </file>
 
 <file path=ppt/slideLayouts/slideLayout8.xml><?xml version="1.0" encoding="utf-8"?>
-<p:sldLayout xmlns:a="http://schemas.openxmlformats.org/drawingml/2006/main" xmlns:r="http://schemas.openxmlformats.org/officeDocument/2006/relationships" xmlns:mc="http://schemas.openxmlformats.org/markup-compatibility/2006" xmlns:mv="urn:schemas-microsoft-com:mac:vml" xmlns:p="http://schemas.openxmlformats.org/presentationml/2006/main" xmlns:c="http://schemas.openxmlformats.org/drawingml/2006/chart" xmlns:dgm="http://schemas.openxmlformats.org/drawingml/2006/diagram" xmlns:o="urn:schemas-microsoft-com:office:office" xmlns:v="urn:schemas-microsoft-com:vml" xmlns:pvml="urn:schemas-microsoft-com:office:powerpoint" xmlns:com="http://schemas.openxmlformats.org/drawingml/2006/compatibility" xmlns:p14="http://schemas.microsoft.com/office/powerpoint/2010/main" xmlns:p15="http://schemas.microsoft.com/office/powerpoint/2012/main" matchingName="Section title and description">
+<p:sldLayout xmlns:a="http://schemas.openxmlformats.org/drawingml/2006/main" xmlns:r="http://schemas.openxmlformats.org/officeDocument/2006/relationships" xmlns:p="http://schemas.openxmlformats.org/presentationml/2006/main" matchingName="Section title and description">
   <p:cSld name="SECTION_TITLE_AND_DESCRIPTION">
     <p:spTree>
       <p:nvGrpSpPr>
@@ -4538,12 +4531,12 @@
           </a:ln>
         </p:spPr>
         <p:txBody>
-          <a:bodyPr anchorCtr="0" anchor="ctr" bIns="91425" lIns="91425" spcFirstLastPara="1" rIns="91425" wrap="square" tIns="91425">
+          <a:bodyPr spcFirstLastPara="1" wrap="square" lIns="91425" tIns="91425" rIns="91425" bIns="91425" anchor="ctr" anchorCtr="0">
             <a:noAutofit/>
           </a:bodyPr>
           <a:lstStyle/>
           <a:p>
-            <a:pPr indent="0" lvl="0" marL="0" rtl="0" algn="l">
+            <a:pPr marL="0" lvl="0" indent="0" algn="l" rtl="0">
               <a:spcBef>
                 <a:spcPts val="0"/>
               </a:spcBef>
@@ -4552,10 +4545,6 @@
               </a:spcAft>
               <a:buNone/>
             </a:pPr>
-            <a:r>
-              <a:t/>
-            </a:r>
-            <a:endParaRPr/>
           </a:p>
         </p:txBody>
       </p:sp>
@@ -4577,7 +4566,7 @@
           </a:prstGeom>
         </p:spPr>
         <p:txBody>
-          <a:bodyPr anchorCtr="0" anchor="b" bIns="91425" lIns="91425" spcFirstLastPara="1" rIns="91425" wrap="square" tIns="91425">
+          <a:bodyPr spcFirstLastPara="1" wrap="square" lIns="91425" tIns="91425" rIns="91425" bIns="91425" anchor="b" anchorCtr="0">
             <a:noAutofit/>
           </a:bodyPr>
           <a:lstStyle>
@@ -4689,7 +4678,7 @@
           <p:cNvPr id="38" name="Google Shape;38;p9"/>
           <p:cNvSpPr txBox="1"/>
           <p:nvPr>
-            <p:ph idx="1" type="subTitle"/>
+            <p:ph type="subTitle" idx="1"/>
           </p:nvPr>
         </p:nvSpPr>
         <p:spPr>
@@ -4702,7 +4691,7 @@
           </a:prstGeom>
         </p:spPr>
         <p:txBody>
-          <a:bodyPr anchorCtr="0" anchor="t" bIns="91425" lIns="91425" spcFirstLastPara="1" rIns="91425" wrap="square" tIns="91425">
+          <a:bodyPr spcFirstLastPara="1" wrap="square" lIns="91425" tIns="91425" rIns="91425" bIns="91425" anchor="t" anchorCtr="0">
             <a:noAutofit/>
           </a:bodyPr>
           <a:lstStyle>
@@ -4841,7 +4830,7 @@
           <p:cNvPr id="39" name="Google Shape;39;p9"/>
           <p:cNvSpPr txBox="1"/>
           <p:nvPr>
-            <p:ph idx="2" type="body"/>
+            <p:ph type="body" idx="2"/>
           </p:nvPr>
         </p:nvSpPr>
         <p:spPr>
@@ -4854,11 +4843,11 @@
           </a:prstGeom>
         </p:spPr>
         <p:txBody>
-          <a:bodyPr anchorCtr="0" anchor="ctr" bIns="91425" lIns="91425" spcFirstLastPara="1" rIns="91425" wrap="square" tIns="91425">
+          <a:bodyPr spcFirstLastPara="1" wrap="square" lIns="91425" tIns="91425" rIns="91425" bIns="91425" anchor="ctr" anchorCtr="0">
             <a:noAutofit/>
           </a:bodyPr>
           <a:lstStyle>
-            <a:lvl1pPr indent="-342900" lvl="0" marL="457200">
+            <a:lvl1pPr marL="457200" lvl="0" indent="-342900">
               <a:spcBef>
                 <a:spcPts val="0"/>
               </a:spcBef>
@@ -4876,7 +4865,7 @@
                 </a:solidFill>
               </a:defRPr>
             </a:lvl1pPr>
-            <a:lvl2pPr indent="-317500" lvl="1" marL="914400">
+            <a:lvl2pPr marL="914400" lvl="1" indent="-317500">
               <a:spcBef>
                 <a:spcPts val="1600"/>
               </a:spcBef>
@@ -4894,7 +4883,7 @@
                 </a:solidFill>
               </a:defRPr>
             </a:lvl2pPr>
-            <a:lvl3pPr indent="-317500" lvl="2" marL="1371600">
+            <a:lvl3pPr marL="1371600" lvl="2" indent="-317500">
               <a:spcBef>
                 <a:spcPts val="1600"/>
               </a:spcBef>
@@ -4912,7 +4901,7 @@
                 </a:solidFill>
               </a:defRPr>
             </a:lvl3pPr>
-            <a:lvl4pPr indent="-317500" lvl="3" marL="1828800">
+            <a:lvl4pPr marL="1828800" lvl="3" indent="-317500">
               <a:spcBef>
                 <a:spcPts val="1600"/>
               </a:spcBef>
@@ -4930,7 +4919,7 @@
                 </a:solidFill>
               </a:defRPr>
             </a:lvl4pPr>
-            <a:lvl5pPr indent="-317500" lvl="4" marL="2286000">
+            <a:lvl5pPr marL="2286000" lvl="4" indent="-317500">
               <a:spcBef>
                 <a:spcPts val="1600"/>
               </a:spcBef>
@@ -4948,7 +4937,7 @@
                 </a:solidFill>
               </a:defRPr>
             </a:lvl5pPr>
-            <a:lvl6pPr indent="-317500" lvl="5" marL="2743200">
+            <a:lvl6pPr marL="2743200" lvl="5" indent="-317500">
               <a:spcBef>
                 <a:spcPts val="1600"/>
               </a:spcBef>
@@ -4966,7 +4955,7 @@
                 </a:solidFill>
               </a:defRPr>
             </a:lvl6pPr>
-            <a:lvl7pPr indent="-317500" lvl="6" marL="3200400">
+            <a:lvl7pPr marL="3200400" lvl="6" indent="-317500">
               <a:spcBef>
                 <a:spcPts val="1600"/>
               </a:spcBef>
@@ -4984,7 +4973,7 @@
                 </a:solidFill>
               </a:defRPr>
             </a:lvl7pPr>
-            <a:lvl8pPr indent="-317500" lvl="7" marL="3657600">
+            <a:lvl8pPr marL="3657600" lvl="7" indent="-317500">
               <a:spcBef>
                 <a:spcPts val="1600"/>
               </a:spcBef>
@@ -5002,7 +4991,7 @@
                 </a:solidFill>
               </a:defRPr>
             </a:lvl8pPr>
-            <a:lvl9pPr indent="-317500" lvl="8" marL="4114800">
+            <a:lvl9pPr marL="4114800" lvl="8" indent="-317500">
               <a:spcBef>
                 <a:spcPts val="1600"/>
               </a:spcBef>
@@ -5029,7 +5018,7 @@
           <p:cNvPr id="40" name="Google Shape;40;p9"/>
           <p:cNvSpPr txBox="1"/>
           <p:nvPr>
-            <p:ph idx="12" type="sldNum"/>
+            <p:ph type="sldNum" idx="12"/>
           </p:nvPr>
         </p:nvSpPr>
         <p:spPr>
@@ -5042,7 +5031,7 @@
           </a:prstGeom>
         </p:spPr>
         <p:txBody>
-          <a:bodyPr anchorCtr="0" anchor="ctr" bIns="91425" lIns="91425" spcFirstLastPara="1" rIns="91425" wrap="square" tIns="91425">
+          <a:bodyPr spcFirstLastPara="1" wrap="square" lIns="91425" tIns="91425" rIns="91425" bIns="91425" anchor="ctr" anchorCtr="0">
             <a:noAutofit/>
           </a:bodyPr>
           <a:lstStyle>
@@ -5084,7 +5073,7 @@
             </a:lvl9pPr>
           </a:lstStyle>
           <a:p>
-            <a:pPr indent="0" lvl="0" marL="0" rtl="0" algn="r">
+            <a:pPr marL="0" lvl="0" indent="0" algn="r" rtl="0">
               <a:spcBef>
                 <a:spcPts val="0"/>
               </a:spcBef>
@@ -5094,10 +5083,9 @@
               <a:buNone/>
             </a:pPr>
             <a:fld id="{00000000-1234-1234-1234-123412341234}" type="slidenum">
-              <a:rPr lang="en"/>
-              <a:t>‹#›</a:t>
+              <a:rPr lang="en-GB"/>
             </a:fld>
-            <a:endParaRPr/>
+            <a:endParaRPr lang="en-GB"/>
           </a:p>
         </p:txBody>
       </p:sp>
@@ -5110,7 +5098,7 @@
 </file>
 
 <file path=ppt/slideLayouts/slideLayout9.xml><?xml version="1.0" encoding="utf-8"?>
-<p:sldLayout xmlns:a="http://schemas.openxmlformats.org/drawingml/2006/main" xmlns:r="http://schemas.openxmlformats.org/officeDocument/2006/relationships" xmlns:mc="http://schemas.openxmlformats.org/markup-compatibility/2006" xmlns:mv="urn:schemas-microsoft-com:mac:vml" xmlns:p="http://schemas.openxmlformats.org/presentationml/2006/main" xmlns:c="http://schemas.openxmlformats.org/drawingml/2006/chart" xmlns:dgm="http://schemas.openxmlformats.org/drawingml/2006/diagram" xmlns:o="urn:schemas-microsoft-com:office:office" xmlns:v="urn:schemas-microsoft-com:vml" xmlns:pvml="urn:schemas-microsoft-com:office:powerpoint" xmlns:com="http://schemas.openxmlformats.org/drawingml/2006/compatibility" xmlns:p14="http://schemas.microsoft.com/office/powerpoint/2010/main" xmlns:p15="http://schemas.microsoft.com/office/powerpoint/2012/main" matchingName="Caption">
+<p:sldLayout xmlns:a="http://schemas.openxmlformats.org/drawingml/2006/main" xmlns:r="http://schemas.openxmlformats.org/officeDocument/2006/relationships" xmlns:p="http://schemas.openxmlformats.org/presentationml/2006/main" matchingName="Caption">
   <p:cSld name="CAPTION_ONLY">
     <p:spTree>
       <p:nvGrpSpPr>
@@ -5131,7 +5119,7 @@
           <p:cNvPr id="42" name="Google Shape;42;p10"/>
           <p:cNvSpPr txBox="1"/>
           <p:nvPr>
-            <p:ph idx="1" type="body"/>
+            <p:ph type="body" idx="1"/>
           </p:nvPr>
         </p:nvSpPr>
         <p:spPr>
@@ -5144,11 +5132,11 @@
           </a:prstGeom>
         </p:spPr>
         <p:txBody>
-          <a:bodyPr anchorCtr="0" anchor="ctr" bIns="91425" lIns="91425" spcFirstLastPara="1" rIns="91425" wrap="square" tIns="91425">
+          <a:bodyPr spcFirstLastPara="1" wrap="square" lIns="91425" tIns="91425" rIns="91425" bIns="91425" anchor="ctr" anchorCtr="0">
             <a:noAutofit/>
           </a:bodyPr>
           <a:lstStyle>
-            <a:lvl1pPr indent="-228600" lvl="0" marL="457200">
+            <a:lvl1pPr marL="457200" lvl="0" indent="-228600">
               <a:lnSpc>
                 <a:spcPct val="100000"/>
               </a:lnSpc>
@@ -5171,7 +5159,7 @@
           <p:cNvPr id="43" name="Google Shape;43;p10"/>
           <p:cNvSpPr txBox="1"/>
           <p:nvPr>
-            <p:ph idx="12" type="sldNum"/>
+            <p:ph type="sldNum" idx="12"/>
           </p:nvPr>
         </p:nvSpPr>
         <p:spPr>
@@ -5184,7 +5172,7 @@
           </a:prstGeom>
         </p:spPr>
         <p:txBody>
-          <a:bodyPr anchorCtr="0" anchor="ctr" bIns="91425" lIns="91425" spcFirstLastPara="1" rIns="91425" wrap="square" tIns="91425">
+          <a:bodyPr spcFirstLastPara="1" wrap="square" lIns="91425" tIns="91425" rIns="91425" bIns="91425" anchor="ctr" anchorCtr="0">
             <a:noAutofit/>
           </a:bodyPr>
           <a:lstStyle>
@@ -5226,7 +5214,7 @@
             </a:lvl9pPr>
           </a:lstStyle>
           <a:p>
-            <a:pPr indent="0" lvl="0" marL="0" rtl="0" algn="r">
+            <a:pPr marL="0" lvl="0" indent="0" algn="r" rtl="0">
               <a:spcBef>
                 <a:spcPts val="0"/>
               </a:spcBef>
@@ -5236,10 +5224,9 @@
               <a:buNone/>
             </a:pPr>
             <a:fld id="{00000000-1234-1234-1234-123412341234}" type="slidenum">
-              <a:rPr lang="en"/>
-              <a:t>‹#›</a:t>
+              <a:rPr lang="en-GB"/>
             </a:fld>
-            <a:endParaRPr/>
+            <a:endParaRPr lang="en-GB"/>
           </a:p>
         </p:txBody>
       </p:sp>
@@ -5252,13 +5239,14 @@
 </file>
 
 <file path=ppt/slideMasters/slideMaster1.xml><?xml version="1.0" encoding="utf-8"?>
-<p:sldMaster xmlns:a="http://schemas.openxmlformats.org/drawingml/2006/main" xmlns:r="http://schemas.openxmlformats.org/officeDocument/2006/relationships" xmlns:mc="http://schemas.openxmlformats.org/markup-compatibility/2006" xmlns:mv="urn:schemas-microsoft-com:mac:vml" xmlns:p="http://schemas.openxmlformats.org/presentationml/2006/main" xmlns:c="http://schemas.openxmlformats.org/drawingml/2006/chart" xmlns:dgm="http://schemas.openxmlformats.org/drawingml/2006/diagram" xmlns:o="urn:schemas-microsoft-com:office:office" xmlns:v="urn:schemas-microsoft-com:vml" xmlns:pvml="urn:schemas-microsoft-com:office:powerpoint" xmlns:com="http://schemas.openxmlformats.org/drawingml/2006/compatibility" xmlns:p14="http://schemas.microsoft.com/office/powerpoint/2010/main" xmlns:p15="http://schemas.microsoft.com/office/powerpoint/2012/main">
-  <p:cSld name="simple-dark-2">
+<p:sldMaster xmlns:a="http://schemas.openxmlformats.org/drawingml/2006/main" xmlns:r="http://schemas.openxmlformats.org/officeDocument/2006/relationships" xmlns:p="http://schemas.openxmlformats.org/presentationml/2006/main">
+  <p:cSld>
     <p:bg>
       <p:bgPr>
         <a:solidFill>
           <a:schemeClr val="lt1"/>
         </a:solidFill>
+        <a:effectLst/>
       </p:bgPr>
     </p:bg>
     <p:spTree>
@@ -5297,7 +5285,7 @@
           </a:ln>
         </p:spPr>
         <p:txBody>
-          <a:bodyPr anchorCtr="0" anchor="t" bIns="91425" lIns="91425" spcFirstLastPara="1" rIns="91425" wrap="square" tIns="91425">
+          <a:bodyPr spcFirstLastPara="1" wrap="square" lIns="91425" tIns="91425" rIns="91425" bIns="91425" anchor="t" anchorCtr="0">
             <a:noAutofit/>
           </a:bodyPr>
           <a:lstStyle>
@@ -5472,7 +5460,7 @@
           <p:cNvPr id="7" name="Google Shape;7;p1"/>
           <p:cNvSpPr txBox="1"/>
           <p:nvPr>
-            <p:ph idx="1" type="body"/>
+            <p:ph type="body" idx="1"/>
           </p:nvPr>
         </p:nvSpPr>
         <p:spPr>
@@ -5489,11 +5477,11 @@
           </a:ln>
         </p:spPr>
         <p:txBody>
-          <a:bodyPr anchorCtr="0" anchor="t" bIns="91425" lIns="91425" spcFirstLastPara="1" rIns="91425" wrap="square" tIns="91425">
+          <a:bodyPr spcFirstLastPara="1" wrap="square" lIns="91425" tIns="91425" rIns="91425" bIns="91425" anchor="t" anchorCtr="0">
             <a:noAutofit/>
           </a:bodyPr>
           <a:lstStyle>
-            <a:lvl1pPr indent="-342900" lvl="0" marL="457200">
+            <a:lvl1pPr marL="457200" lvl="0" indent="-342900">
               <a:lnSpc>
                 <a:spcPct val="115000"/>
               </a:lnSpc>
@@ -5514,7 +5502,7 @@
                 </a:solidFill>
               </a:defRPr>
             </a:lvl1pPr>
-            <a:lvl2pPr indent="-317500" lvl="1" marL="914400">
+            <a:lvl2pPr marL="914400" lvl="1" indent="-317500">
               <a:lnSpc>
                 <a:spcPct val="115000"/>
               </a:lnSpc>
@@ -5535,7 +5523,7 @@
                 </a:solidFill>
               </a:defRPr>
             </a:lvl2pPr>
-            <a:lvl3pPr indent="-317500" lvl="2" marL="1371600">
+            <a:lvl3pPr marL="1371600" lvl="2" indent="-317500">
               <a:lnSpc>
                 <a:spcPct val="115000"/>
               </a:lnSpc>
@@ -5556,7 +5544,7 @@
                 </a:solidFill>
               </a:defRPr>
             </a:lvl3pPr>
-            <a:lvl4pPr indent="-317500" lvl="3" marL="1828800">
+            <a:lvl4pPr marL="1828800" lvl="3" indent="-317500">
               <a:lnSpc>
                 <a:spcPct val="115000"/>
               </a:lnSpc>
@@ -5577,7 +5565,7 @@
                 </a:solidFill>
               </a:defRPr>
             </a:lvl4pPr>
-            <a:lvl5pPr indent="-317500" lvl="4" marL="2286000">
+            <a:lvl5pPr marL="2286000" lvl="4" indent="-317500">
               <a:lnSpc>
                 <a:spcPct val="115000"/>
               </a:lnSpc>
@@ -5598,7 +5586,7 @@
                 </a:solidFill>
               </a:defRPr>
             </a:lvl5pPr>
-            <a:lvl6pPr indent="-317500" lvl="5" marL="2743200">
+            <a:lvl6pPr marL="2743200" lvl="5" indent="-317500">
               <a:lnSpc>
                 <a:spcPct val="115000"/>
               </a:lnSpc>
@@ -5619,7 +5607,7 @@
                 </a:solidFill>
               </a:defRPr>
             </a:lvl6pPr>
-            <a:lvl7pPr indent="-317500" lvl="6" marL="3200400">
+            <a:lvl7pPr marL="3200400" lvl="6" indent="-317500">
               <a:lnSpc>
                 <a:spcPct val="115000"/>
               </a:lnSpc>
@@ -5640,7 +5628,7 @@
                 </a:solidFill>
               </a:defRPr>
             </a:lvl7pPr>
-            <a:lvl8pPr indent="-317500" lvl="7" marL="3657600">
+            <a:lvl8pPr marL="3657600" lvl="7" indent="-317500">
               <a:lnSpc>
                 <a:spcPct val="115000"/>
               </a:lnSpc>
@@ -5661,7 +5649,7 @@
                 </a:solidFill>
               </a:defRPr>
             </a:lvl8pPr>
-            <a:lvl9pPr indent="-317500" lvl="8" marL="4114800">
+            <a:lvl9pPr marL="4114800" lvl="8" indent="-317500">
               <a:lnSpc>
                 <a:spcPct val="115000"/>
               </a:lnSpc>
@@ -5691,7 +5679,7 @@
           <p:cNvPr id="8" name="Google Shape;8;p1"/>
           <p:cNvSpPr txBox="1"/>
           <p:nvPr>
-            <p:ph idx="12" type="sldNum"/>
+            <p:ph type="sldNum" idx="12"/>
           </p:nvPr>
         </p:nvSpPr>
         <p:spPr>
@@ -5708,7 +5696,7 @@
           </a:ln>
         </p:spPr>
         <p:txBody>
-          <a:bodyPr anchorCtr="0" anchor="ctr" bIns="91425" lIns="91425" spcFirstLastPara="1" rIns="91425" wrap="square" tIns="91425">
+          <a:bodyPr spcFirstLastPara="1" wrap="square" lIns="91425" tIns="91425" rIns="91425" bIns="91425" anchor="ctr" anchorCtr="0">
             <a:noAutofit/>
           </a:bodyPr>
           <a:lstStyle>
@@ -5786,7 +5774,7 @@
             </a:lvl9pPr>
           </a:lstStyle>
           <a:p>
-            <a:pPr indent="0" lvl="0" marL="0" rtl="0" algn="r">
+            <a:pPr marL="0" lvl="0" indent="0" algn="r" rtl="0">
               <a:spcBef>
                 <a:spcPts val="0"/>
               </a:spcBef>
@@ -5796,33 +5784,32 @@
               <a:buNone/>
             </a:pPr>
             <a:fld id="{00000000-1234-1234-1234-123412341234}" type="slidenum">
-              <a:rPr lang="en"/>
-              <a:t>‹#›</a:t>
+              <a:rPr lang="en-GB"/>
             </a:fld>
-            <a:endParaRPr/>
+            <a:endParaRPr lang="en-GB"/>
           </a:p>
         </p:txBody>
       </p:sp>
     </p:spTree>
   </p:cSld>
-  <p:clrMap accent1="accent1" accent2="accent2" accent3="accent3" accent4="accent4" accent5="accent5" accent6="accent6" bg1="lt1" bg2="dk2" tx1="dk1" tx2="lt2" folHlink="folHlink" hlink="hlink"/>
+  <p:clrMap bg1="lt1" tx1="dk1" bg2="dk2" tx2="lt2" accent1="accent1" accent2="accent2" accent3="accent3" accent4="accent4" accent5="accent5" accent6="accent6" hlink="hlink" folHlink="folHlink"/>
   <p:sldLayoutIdLst>
-    <p:sldLayoutId id="2147483648" r:id="rId1"/>
-    <p:sldLayoutId id="2147483649" r:id="rId2"/>
-    <p:sldLayoutId id="2147483650" r:id="rId3"/>
-    <p:sldLayoutId id="2147483651" r:id="rId4"/>
-    <p:sldLayoutId id="2147483652" r:id="rId5"/>
-    <p:sldLayoutId id="2147483653" r:id="rId6"/>
-    <p:sldLayoutId id="2147483654" r:id="rId7"/>
-    <p:sldLayoutId id="2147483655" r:id="rId8"/>
-    <p:sldLayoutId id="2147483656" r:id="rId9"/>
-    <p:sldLayoutId id="2147483657" r:id="rId10"/>
-    <p:sldLayoutId id="2147483658" r:id="rId11"/>
+    <p:sldLayoutId id="2147483649" r:id="rId1"/>
+    <p:sldLayoutId id="2147483650" r:id="rId2"/>
+    <p:sldLayoutId id="2147483651" r:id="rId3"/>
+    <p:sldLayoutId id="2147483652" r:id="rId4"/>
+    <p:sldLayoutId id="2147483653" r:id="rId5"/>
+    <p:sldLayoutId id="2147483654" r:id="rId6"/>
+    <p:sldLayoutId id="2147483655" r:id="rId7"/>
+    <p:sldLayoutId id="2147483656" r:id="rId8"/>
+    <p:sldLayoutId id="2147483657" r:id="rId9"/>
+    <p:sldLayoutId id="2147483658" r:id="rId10"/>
+    <p:sldLayoutId id="2147483659" r:id="rId11"/>
   </p:sldLayoutIdLst>
-  <p:hf dt="0" ftr="0" hdr="0" sldNum="0"/>
+  <p:hf sldNum="0" hdr="0" ftr="0" dt="0"/>
   <p:txStyles>
     <p:titleStyle>
-      <a:defPPr lvl="0" marR="0" rtl="0" algn="l">
+      <a:defPPr marR="0" lvl="0" algn="l" rtl="0">
         <a:lnSpc>
           <a:spcPct val="100000"/>
         </a:lnSpc>
@@ -5833,7 +5820,7 @@
           <a:spcPts val="0"/>
         </a:spcAft>
       </a:defPPr>
-      <a:lvl1pPr lvl="0" marR="0" rtl="0" algn="l">
+      <a:lvl1pPr marR="0" lvl="0" algn="l" rtl="0">
         <a:lnSpc>
           <a:spcPct val="100000"/>
         </a:lnSpc>
@@ -5847,7 +5834,7 @@
           <a:srgbClr val="000000"/>
         </a:buClr>
         <a:buFont typeface="Arial"/>
-        <a:defRPr b="0" i="0" sz="1400" u="none" cap="none" strike="noStrike">
+        <a:defRPr sz="1400" b="0" i="0" u="none" strike="noStrike" cap="none">
           <a:solidFill>
             <a:srgbClr val="000000"/>
           </a:solidFill>
@@ -5857,7 +5844,7 @@
           <a:sym typeface="Arial"/>
         </a:defRPr>
       </a:lvl1pPr>
-      <a:lvl2pPr lvl="1" marR="0" rtl="0" algn="l">
+      <a:lvl2pPr marR="0" lvl="1" algn="l" rtl="0">
         <a:lnSpc>
           <a:spcPct val="100000"/>
         </a:lnSpc>
@@ -5871,7 +5858,7 @@
           <a:srgbClr val="000000"/>
         </a:buClr>
         <a:buFont typeface="Arial"/>
-        <a:defRPr b="0" i="0" sz="1400" u="none" cap="none" strike="noStrike">
+        <a:defRPr sz="1400" b="0" i="0" u="none" strike="noStrike" cap="none">
           <a:solidFill>
             <a:srgbClr val="000000"/>
           </a:solidFill>
@@ -5881,7 +5868,7 @@
           <a:sym typeface="Arial"/>
         </a:defRPr>
       </a:lvl2pPr>
-      <a:lvl3pPr lvl="2" marR="0" rtl="0" algn="l">
+      <a:lvl3pPr marR="0" lvl="2" algn="l" rtl="0">
         <a:lnSpc>
           <a:spcPct val="100000"/>
         </a:lnSpc>
@@ -5895,7 +5882,7 @@
           <a:srgbClr val="000000"/>
         </a:buClr>
         <a:buFont typeface="Arial"/>
-        <a:defRPr b="0" i="0" sz="1400" u="none" cap="none" strike="noStrike">
+        <a:defRPr sz="1400" b="0" i="0" u="none" strike="noStrike" cap="none">
           <a:solidFill>
             <a:srgbClr val="000000"/>
           </a:solidFill>
@@ -5905,7 +5892,7 @@
           <a:sym typeface="Arial"/>
         </a:defRPr>
       </a:lvl3pPr>
-      <a:lvl4pPr lvl="3" marR="0" rtl="0" algn="l">
+      <a:lvl4pPr marR="0" lvl="3" algn="l" rtl="0">
         <a:lnSpc>
           <a:spcPct val="100000"/>
         </a:lnSpc>
@@ -5919,7 +5906,7 @@
           <a:srgbClr val="000000"/>
         </a:buClr>
         <a:buFont typeface="Arial"/>
-        <a:defRPr b="0" i="0" sz="1400" u="none" cap="none" strike="noStrike">
+        <a:defRPr sz="1400" b="0" i="0" u="none" strike="noStrike" cap="none">
           <a:solidFill>
             <a:srgbClr val="000000"/>
           </a:solidFill>
@@ -5929,7 +5916,7 @@
           <a:sym typeface="Arial"/>
         </a:defRPr>
       </a:lvl4pPr>
-      <a:lvl5pPr lvl="4" marR="0" rtl="0" algn="l">
+      <a:lvl5pPr marR="0" lvl="4" algn="l" rtl="0">
         <a:lnSpc>
           <a:spcPct val="100000"/>
         </a:lnSpc>
@@ -5943,7 +5930,7 @@
           <a:srgbClr val="000000"/>
         </a:buClr>
         <a:buFont typeface="Arial"/>
-        <a:defRPr b="0" i="0" sz="1400" u="none" cap="none" strike="noStrike">
+        <a:defRPr sz="1400" b="0" i="0" u="none" strike="noStrike" cap="none">
           <a:solidFill>
             <a:srgbClr val="000000"/>
           </a:solidFill>
@@ -5953,7 +5940,7 @@
           <a:sym typeface="Arial"/>
         </a:defRPr>
       </a:lvl5pPr>
-      <a:lvl6pPr lvl="5" marR="0" rtl="0" algn="l">
+      <a:lvl6pPr marR="0" lvl="5" algn="l" rtl="0">
         <a:lnSpc>
           <a:spcPct val="100000"/>
         </a:lnSpc>
@@ -5967,7 +5954,7 @@
           <a:srgbClr val="000000"/>
         </a:buClr>
         <a:buFont typeface="Arial"/>
-        <a:defRPr b="0" i="0" sz="1400" u="none" cap="none" strike="noStrike">
+        <a:defRPr sz="1400" b="0" i="0" u="none" strike="noStrike" cap="none">
           <a:solidFill>
             <a:srgbClr val="000000"/>
           </a:solidFill>
@@ -5977,7 +5964,7 @@
           <a:sym typeface="Arial"/>
         </a:defRPr>
       </a:lvl6pPr>
-      <a:lvl7pPr lvl="6" marR="0" rtl="0" algn="l">
+      <a:lvl7pPr marR="0" lvl="6" algn="l" rtl="0">
         <a:lnSpc>
           <a:spcPct val="100000"/>
         </a:lnSpc>
@@ -5991,7 +5978,7 @@
           <a:srgbClr val="000000"/>
         </a:buClr>
         <a:buFont typeface="Arial"/>
-        <a:defRPr b="0" i="0" sz="1400" u="none" cap="none" strike="noStrike">
+        <a:defRPr sz="1400" b="0" i="0" u="none" strike="noStrike" cap="none">
           <a:solidFill>
             <a:srgbClr val="000000"/>
           </a:solidFill>
@@ -6001,7 +5988,7 @@
           <a:sym typeface="Arial"/>
         </a:defRPr>
       </a:lvl7pPr>
-      <a:lvl8pPr lvl="7" marR="0" rtl="0" algn="l">
+      <a:lvl8pPr marR="0" lvl="7" algn="l" rtl="0">
         <a:lnSpc>
           <a:spcPct val="100000"/>
         </a:lnSpc>
@@ -6015,7 +6002,7 @@
           <a:srgbClr val="000000"/>
         </a:buClr>
         <a:buFont typeface="Arial"/>
-        <a:defRPr b="0" i="0" sz="1400" u="none" cap="none" strike="noStrike">
+        <a:defRPr sz="1400" b="0" i="0" u="none" strike="noStrike" cap="none">
           <a:solidFill>
             <a:srgbClr val="000000"/>
           </a:solidFill>
@@ -6025,7 +6012,7 @@
           <a:sym typeface="Arial"/>
         </a:defRPr>
       </a:lvl8pPr>
-      <a:lvl9pPr lvl="8" marR="0" rtl="0" algn="l">
+      <a:lvl9pPr marR="0" lvl="8" algn="l" rtl="0">
         <a:lnSpc>
           <a:spcPct val="100000"/>
         </a:lnSpc>
@@ -6039,7 +6026,7 @@
           <a:srgbClr val="000000"/>
         </a:buClr>
         <a:buFont typeface="Arial"/>
-        <a:defRPr b="0" i="0" sz="1400" u="none" cap="none" strike="noStrike">
+        <a:defRPr sz="1400" b="0" i="0" u="none" strike="noStrike" cap="none">
           <a:solidFill>
             <a:srgbClr val="000000"/>
           </a:solidFill>
@@ -6051,7 +6038,7 @@
       </a:lvl9pPr>
     </p:titleStyle>
     <p:bodyStyle>
-      <a:defPPr lvl="0" marR="0" rtl="0" algn="l">
+      <a:defPPr marR="0" lvl="0" algn="l" rtl="0">
         <a:lnSpc>
           <a:spcPct val="100000"/>
         </a:lnSpc>
@@ -6062,7 +6049,7 @@
           <a:spcPts val="0"/>
         </a:spcAft>
       </a:defPPr>
-      <a:lvl1pPr lvl="0" marR="0" rtl="0" algn="l">
+      <a:lvl1pPr marR="0" lvl="0" algn="l" rtl="0">
         <a:lnSpc>
           <a:spcPct val="100000"/>
         </a:lnSpc>
@@ -6076,7 +6063,7 @@
           <a:srgbClr val="000000"/>
         </a:buClr>
         <a:buFont typeface="Arial"/>
-        <a:defRPr b="0" i="0" sz="1400" u="none" cap="none" strike="noStrike">
+        <a:defRPr sz="1400" b="0" i="0" u="none" strike="noStrike" cap="none">
           <a:solidFill>
             <a:srgbClr val="000000"/>
           </a:solidFill>
@@ -6086,7 +6073,7 @@
           <a:sym typeface="Arial"/>
         </a:defRPr>
       </a:lvl1pPr>
-      <a:lvl2pPr lvl="1" marR="0" rtl="0" algn="l">
+      <a:lvl2pPr marR="0" lvl="1" algn="l" rtl="0">
         <a:lnSpc>
           <a:spcPct val="100000"/>
         </a:lnSpc>
@@ -6100,7 +6087,7 @@
           <a:srgbClr val="000000"/>
         </a:buClr>
         <a:buFont typeface="Arial"/>
-        <a:defRPr b="0" i="0" sz="1400" u="none" cap="none" strike="noStrike">
+        <a:defRPr sz="1400" b="0" i="0" u="none" strike="noStrike" cap="none">
           <a:solidFill>
             <a:srgbClr val="000000"/>
           </a:solidFill>
@@ -6110,7 +6097,7 @@
           <a:sym typeface="Arial"/>
         </a:defRPr>
       </a:lvl2pPr>
-      <a:lvl3pPr lvl="2" marR="0" rtl="0" algn="l">
+      <a:lvl3pPr marR="0" lvl="2" algn="l" rtl="0">
         <a:lnSpc>
           <a:spcPct val="100000"/>
         </a:lnSpc>
@@ -6124,7 +6111,7 @@
           <a:srgbClr val="000000"/>
         </a:buClr>
         <a:buFont typeface="Arial"/>
-        <a:defRPr b="0" i="0" sz="1400" u="none" cap="none" strike="noStrike">
+        <a:defRPr sz="1400" b="0" i="0" u="none" strike="noStrike" cap="none">
           <a:solidFill>
             <a:srgbClr val="000000"/>
           </a:solidFill>
@@ -6134,7 +6121,7 @@
           <a:sym typeface="Arial"/>
         </a:defRPr>
       </a:lvl3pPr>
-      <a:lvl4pPr lvl="3" marR="0" rtl="0" algn="l">
+      <a:lvl4pPr marR="0" lvl="3" algn="l" rtl="0">
         <a:lnSpc>
           <a:spcPct val="100000"/>
         </a:lnSpc>
@@ -6148,7 +6135,7 @@
           <a:srgbClr val="000000"/>
         </a:buClr>
         <a:buFont typeface="Arial"/>
-        <a:defRPr b="0" i="0" sz="1400" u="none" cap="none" strike="noStrike">
+        <a:defRPr sz="1400" b="0" i="0" u="none" strike="noStrike" cap="none">
           <a:solidFill>
             <a:srgbClr val="000000"/>
           </a:solidFill>
@@ -6158,7 +6145,7 @@
           <a:sym typeface="Arial"/>
         </a:defRPr>
       </a:lvl4pPr>
-      <a:lvl5pPr lvl="4" marR="0" rtl="0" algn="l">
+      <a:lvl5pPr marR="0" lvl="4" algn="l" rtl="0">
         <a:lnSpc>
           <a:spcPct val="100000"/>
         </a:lnSpc>
@@ -6172,7 +6159,7 @@
           <a:srgbClr val="000000"/>
         </a:buClr>
         <a:buFont typeface="Arial"/>
-        <a:defRPr b="0" i="0" sz="1400" u="none" cap="none" strike="noStrike">
+        <a:defRPr sz="1400" b="0" i="0" u="none" strike="noStrike" cap="none">
           <a:solidFill>
             <a:srgbClr val="000000"/>
           </a:solidFill>
@@ -6182,7 +6169,7 @@
           <a:sym typeface="Arial"/>
         </a:defRPr>
       </a:lvl5pPr>
-      <a:lvl6pPr lvl="5" marR="0" rtl="0" algn="l">
+      <a:lvl6pPr marR="0" lvl="5" algn="l" rtl="0">
         <a:lnSpc>
           <a:spcPct val="100000"/>
         </a:lnSpc>
@@ -6196,7 +6183,7 @@
           <a:srgbClr val="000000"/>
         </a:buClr>
         <a:buFont typeface="Arial"/>
-        <a:defRPr b="0" i="0" sz="1400" u="none" cap="none" strike="noStrike">
+        <a:defRPr sz="1400" b="0" i="0" u="none" strike="noStrike" cap="none">
           <a:solidFill>
             <a:srgbClr val="000000"/>
           </a:solidFill>
@@ -6206,7 +6193,7 @@
           <a:sym typeface="Arial"/>
         </a:defRPr>
       </a:lvl6pPr>
-      <a:lvl7pPr lvl="6" marR="0" rtl="0" algn="l">
+      <a:lvl7pPr marR="0" lvl="6" algn="l" rtl="0">
         <a:lnSpc>
           <a:spcPct val="100000"/>
         </a:lnSpc>
@@ -6220,7 +6207,7 @@
           <a:srgbClr val="000000"/>
         </a:buClr>
         <a:buFont typeface="Arial"/>
-        <a:defRPr b="0" i="0" sz="1400" u="none" cap="none" strike="noStrike">
+        <a:defRPr sz="1400" b="0" i="0" u="none" strike="noStrike" cap="none">
           <a:solidFill>
             <a:srgbClr val="000000"/>
           </a:solidFill>
@@ -6230,7 +6217,7 @@
           <a:sym typeface="Arial"/>
         </a:defRPr>
       </a:lvl7pPr>
-      <a:lvl8pPr lvl="7" marR="0" rtl="0" algn="l">
+      <a:lvl8pPr marR="0" lvl="7" algn="l" rtl="0">
         <a:lnSpc>
           <a:spcPct val="100000"/>
         </a:lnSpc>
@@ -6244,7 +6231,7 @@
           <a:srgbClr val="000000"/>
         </a:buClr>
         <a:buFont typeface="Arial"/>
-        <a:defRPr b="0" i="0" sz="1400" u="none" cap="none" strike="noStrike">
+        <a:defRPr sz="1400" b="0" i="0" u="none" strike="noStrike" cap="none">
           <a:solidFill>
             <a:srgbClr val="000000"/>
           </a:solidFill>
@@ -6254,7 +6241,7 @@
           <a:sym typeface="Arial"/>
         </a:defRPr>
       </a:lvl8pPr>
-      <a:lvl9pPr lvl="8" marR="0" rtl="0" algn="l">
+      <a:lvl9pPr marR="0" lvl="8" algn="l" rtl="0">
         <a:lnSpc>
           <a:spcPct val="100000"/>
         </a:lnSpc>
@@ -6268,7 +6255,7 @@
           <a:srgbClr val="000000"/>
         </a:buClr>
         <a:buFont typeface="Arial"/>
-        <a:defRPr b="0" i="0" sz="1400" u="none" cap="none" strike="noStrike">
+        <a:defRPr sz="1400" b="0" i="0" u="none" strike="noStrike" cap="none">
           <a:solidFill>
             <a:srgbClr val="000000"/>
           </a:solidFill>
@@ -6280,7 +6267,7 @@
       </a:lvl9pPr>
     </p:bodyStyle>
     <p:otherStyle>
-      <a:defPPr lvl="0" marR="0" rtl="0" algn="l">
+      <a:defPPr marR="0" lvl="0" algn="l" rtl="0">
         <a:lnSpc>
           <a:spcPct val="100000"/>
         </a:lnSpc>
@@ -6291,7 +6278,7 @@
           <a:spcPts val="0"/>
         </a:spcAft>
       </a:defPPr>
-      <a:lvl1pPr lvl="0" marR="0" rtl="0" algn="l">
+      <a:lvl1pPr marR="0" lvl="0" algn="l" rtl="0">
         <a:lnSpc>
           <a:spcPct val="100000"/>
         </a:lnSpc>
@@ -6305,7 +6292,7 @@
           <a:srgbClr val="000000"/>
         </a:buClr>
         <a:buFont typeface="Arial"/>
-        <a:defRPr b="0" i="0" sz="1400" u="none" cap="none" strike="noStrike">
+        <a:defRPr sz="1400" b="0" i="0" u="none" strike="noStrike" cap="none">
           <a:solidFill>
             <a:srgbClr val="000000"/>
           </a:solidFill>
@@ -6315,7 +6302,7 @@
           <a:sym typeface="Arial"/>
         </a:defRPr>
       </a:lvl1pPr>
-      <a:lvl2pPr lvl="1" marR="0" rtl="0" algn="l">
+      <a:lvl2pPr marR="0" lvl="1" algn="l" rtl="0">
         <a:lnSpc>
           <a:spcPct val="100000"/>
         </a:lnSpc>
@@ -6329,7 +6316,7 @@
           <a:srgbClr val="000000"/>
         </a:buClr>
         <a:buFont typeface="Arial"/>
-        <a:defRPr b="0" i="0" sz="1400" u="none" cap="none" strike="noStrike">
+        <a:defRPr sz="1400" b="0" i="0" u="none" strike="noStrike" cap="none">
           <a:solidFill>
             <a:srgbClr val="000000"/>
           </a:solidFill>
@@ -6339,7 +6326,7 @@
           <a:sym typeface="Arial"/>
         </a:defRPr>
       </a:lvl2pPr>
-      <a:lvl3pPr lvl="2" marR="0" rtl="0" algn="l">
+      <a:lvl3pPr marR="0" lvl="2" algn="l" rtl="0">
         <a:lnSpc>
           <a:spcPct val="100000"/>
         </a:lnSpc>
@@ -6353,7 +6340,7 @@
           <a:srgbClr val="000000"/>
         </a:buClr>
         <a:buFont typeface="Arial"/>
-        <a:defRPr b="0" i="0" sz="1400" u="none" cap="none" strike="noStrike">
+        <a:defRPr sz="1400" b="0" i="0" u="none" strike="noStrike" cap="none">
           <a:solidFill>
             <a:srgbClr val="000000"/>
           </a:solidFill>
@@ -6363,7 +6350,7 @@
           <a:sym typeface="Arial"/>
         </a:defRPr>
       </a:lvl3pPr>
-      <a:lvl4pPr lvl="3" marR="0" rtl="0" algn="l">
+      <a:lvl4pPr marR="0" lvl="3" algn="l" rtl="0">
         <a:lnSpc>
           <a:spcPct val="100000"/>
         </a:lnSpc>
@@ -6377,7 +6364,7 @@
           <a:srgbClr val="000000"/>
         </a:buClr>
         <a:buFont typeface="Arial"/>
-        <a:defRPr b="0" i="0" sz="1400" u="none" cap="none" strike="noStrike">
+        <a:defRPr sz="1400" b="0" i="0" u="none" strike="noStrike" cap="none">
           <a:solidFill>
             <a:srgbClr val="000000"/>
           </a:solidFill>
@@ -6387,7 +6374,7 @@
           <a:sym typeface="Arial"/>
         </a:defRPr>
       </a:lvl4pPr>
-      <a:lvl5pPr lvl="4" marR="0" rtl="0" algn="l">
+      <a:lvl5pPr marR="0" lvl="4" algn="l" rtl="0">
         <a:lnSpc>
           <a:spcPct val="100000"/>
         </a:lnSpc>
@@ -6401,7 +6388,7 @@
           <a:srgbClr val="000000"/>
         </a:buClr>
         <a:buFont typeface="Arial"/>
-        <a:defRPr b="0" i="0" sz="1400" u="none" cap="none" strike="noStrike">
+        <a:defRPr sz="1400" b="0" i="0" u="none" strike="noStrike" cap="none">
           <a:solidFill>
             <a:srgbClr val="000000"/>
           </a:solidFill>
@@ -6411,7 +6398,7 @@
           <a:sym typeface="Arial"/>
         </a:defRPr>
       </a:lvl5pPr>
-      <a:lvl6pPr lvl="5" marR="0" rtl="0" algn="l">
+      <a:lvl6pPr marR="0" lvl="5" algn="l" rtl="0">
         <a:lnSpc>
           <a:spcPct val="100000"/>
         </a:lnSpc>
@@ -6425,7 +6412,7 @@
           <a:srgbClr val="000000"/>
         </a:buClr>
         <a:buFont typeface="Arial"/>
-        <a:defRPr b="0" i="0" sz="1400" u="none" cap="none" strike="noStrike">
+        <a:defRPr sz="1400" b="0" i="0" u="none" strike="noStrike" cap="none">
           <a:solidFill>
             <a:srgbClr val="000000"/>
           </a:solidFill>
@@ -6435,7 +6422,7 @@
           <a:sym typeface="Arial"/>
         </a:defRPr>
       </a:lvl6pPr>
-      <a:lvl7pPr lvl="6" marR="0" rtl="0" algn="l">
+      <a:lvl7pPr marR="0" lvl="6" algn="l" rtl="0">
         <a:lnSpc>
           <a:spcPct val="100000"/>
         </a:lnSpc>
@@ -6449,7 +6436,7 @@
           <a:srgbClr val="000000"/>
         </a:buClr>
         <a:buFont typeface="Arial"/>
-        <a:defRPr b="0" i="0" sz="1400" u="none" cap="none" strike="noStrike">
+        <a:defRPr sz="1400" b="0" i="0" u="none" strike="noStrike" cap="none">
           <a:solidFill>
             <a:srgbClr val="000000"/>
           </a:solidFill>
@@ -6459,7 +6446,7 @@
           <a:sym typeface="Arial"/>
         </a:defRPr>
       </a:lvl7pPr>
-      <a:lvl8pPr lvl="7" marR="0" rtl="0" algn="l">
+      <a:lvl8pPr marR="0" lvl="7" algn="l" rtl="0">
         <a:lnSpc>
           <a:spcPct val="100000"/>
         </a:lnSpc>
@@ -6473,7 +6460,7 @@
           <a:srgbClr val="000000"/>
         </a:buClr>
         <a:buFont typeface="Arial"/>
-        <a:defRPr b="0" i="0" sz="1400" u="none" cap="none" strike="noStrike">
+        <a:defRPr sz="1400" b="0" i="0" u="none" strike="noStrike" cap="none">
           <a:solidFill>
             <a:srgbClr val="000000"/>
           </a:solidFill>
@@ -6483,7 +6470,7 @@
           <a:sym typeface="Arial"/>
         </a:defRPr>
       </a:lvl8pPr>
-      <a:lvl9pPr lvl="8" marR="0" rtl="0" algn="l">
+      <a:lvl9pPr marR="0" lvl="8" algn="l" rtl="0">
         <a:lnSpc>
           <a:spcPct val="100000"/>
         </a:lnSpc>
@@ -6497,7 +6484,7 @@
           <a:srgbClr val="000000"/>
         </a:buClr>
         <a:buFont typeface="Arial"/>
-        <a:defRPr b="0" i="0" sz="1400" u="none" cap="none" strike="noStrike">
+        <a:defRPr sz="1400" b="0" i="0" u="none" strike="noStrike" cap="none">
           <a:solidFill>
             <a:srgbClr val="000000"/>
           </a:solidFill>
@@ -6513,7 +6500,7 @@
 </file>
 
 <file path=ppt/slides/slide1.xml><?xml version="1.0" encoding="utf-8"?>
-<p:sld xmlns:a="http://schemas.openxmlformats.org/drawingml/2006/main" xmlns:r="http://schemas.openxmlformats.org/officeDocument/2006/relationships" xmlns:mc="http://schemas.openxmlformats.org/markup-compatibility/2006" xmlns:mv="urn:schemas-microsoft-com:mac:vml" xmlns:p="http://schemas.openxmlformats.org/presentationml/2006/main" xmlns:c="http://schemas.openxmlformats.org/drawingml/2006/chart" xmlns:dgm="http://schemas.openxmlformats.org/drawingml/2006/diagram" xmlns:o="urn:schemas-microsoft-com:office:office" xmlns:v="urn:schemas-microsoft-com:vml" xmlns:pvml="urn:schemas-microsoft-com:office:powerpoint" xmlns:com="http://schemas.openxmlformats.org/drawingml/2006/compatibility" xmlns:p14="http://schemas.microsoft.com/office/powerpoint/2010/main" xmlns:p15="http://schemas.microsoft.com/office/powerpoint/2012/main">
+<p:sld xmlns:a="http://schemas.openxmlformats.org/drawingml/2006/main" xmlns:r="http://schemas.openxmlformats.org/officeDocument/2006/relationships" xmlns:p="http://schemas.openxmlformats.org/presentationml/2006/main">
   <p:cSld>
     <p:spTree>
       <p:nvGrpSpPr>
@@ -6547,12 +6534,12 @@
           </a:prstGeom>
         </p:spPr>
         <p:txBody>
-          <a:bodyPr anchorCtr="0" anchor="b" bIns="91425" lIns="91425" spcFirstLastPara="1" rIns="91425" wrap="square" tIns="91425">
+          <a:bodyPr spcFirstLastPara="1" wrap="square" lIns="91425" tIns="91425" rIns="91425" bIns="91425" anchor="b" anchorCtr="0">
             <a:noAutofit/>
           </a:bodyPr>
           <a:lstStyle/>
           <a:p>
-            <a:pPr indent="0" lvl="0" marL="0" rtl="0" algn="ctr">
+            <a:pPr marL="0" lvl="0" indent="0" algn="ctr" rtl="0">
               <a:spcBef>
                 <a:spcPts val="0"/>
               </a:spcBef>
@@ -6562,7 +6549,7 @@
               <a:buNone/>
             </a:pPr>
             <a:r>
-              <a:rPr lang="en" sz="4800"/>
+              <a:rPr lang="en-GB" sz="4800"/>
               <a:t>Distributed Pytorch Performance Analysis</a:t>
             </a:r>
             <a:endParaRPr sz="4800"/>
@@ -6574,7 +6561,7 @@
           <p:cNvPr id="55" name="Google Shape;55;p13"/>
           <p:cNvSpPr txBox="1"/>
           <p:nvPr>
-            <p:ph idx="1" type="subTitle"/>
+            <p:ph type="subTitle" idx="1"/>
           </p:nvPr>
         </p:nvSpPr>
         <p:spPr>
@@ -6587,12 +6574,12 @@
           </a:prstGeom>
         </p:spPr>
         <p:txBody>
-          <a:bodyPr anchorCtr="0" anchor="t" bIns="91425" lIns="91425" spcFirstLastPara="1" rIns="91425" wrap="square" tIns="91425">
+          <a:bodyPr spcFirstLastPara="1" wrap="square" lIns="91425" tIns="91425" rIns="91425" bIns="91425" anchor="t" anchorCtr="0">
             <a:noAutofit/>
           </a:bodyPr>
           <a:lstStyle/>
           <a:p>
-            <a:pPr indent="0" lvl="0" marL="0" rtl="0" algn="ctr">
+            <a:pPr marL="0" lvl="0" indent="0" algn="ctr" rtl="0">
               <a:spcBef>
                 <a:spcPts val="0"/>
               </a:spcBef>
@@ -6602,10 +6589,10 @@
               <a:buNone/>
             </a:pPr>
             <a:r>
-              <a:rPr lang="en"/>
+              <a:rPr lang="en-GB"/>
               <a:t>By Harshit Yadav &amp; Shraddha Naik</a:t>
             </a:r>
-            <a:endParaRPr/>
+            <a:endParaRPr lang="en-GB"/>
           </a:p>
         </p:txBody>
       </p:sp>
@@ -6618,7 +6605,130 @@
 </file>
 
 <file path=ppt/slides/slide10.xml><?xml version="1.0" encoding="utf-8"?>
-<p:sld xmlns:a="http://schemas.openxmlformats.org/drawingml/2006/main" xmlns:r="http://schemas.openxmlformats.org/officeDocument/2006/relationships" xmlns:mc="http://schemas.openxmlformats.org/markup-compatibility/2006" xmlns:mv="urn:schemas-microsoft-com:mac:vml" xmlns:p="http://schemas.openxmlformats.org/presentationml/2006/main" xmlns:c="http://schemas.openxmlformats.org/drawingml/2006/chart" xmlns:dgm="http://schemas.openxmlformats.org/drawingml/2006/diagram" xmlns:o="urn:schemas-microsoft-com:office:office" xmlns:v="urn:schemas-microsoft-com:vml" xmlns:pvml="urn:schemas-microsoft-com:office:powerpoint" xmlns:com="http://schemas.openxmlformats.org/drawingml/2006/compatibility" xmlns:p14="http://schemas.microsoft.com/office/powerpoint/2010/main" xmlns:p15="http://schemas.microsoft.com/office/powerpoint/2012/main">
+<p:sld xmlns:a="http://schemas.openxmlformats.org/drawingml/2006/main" xmlns:r="http://schemas.openxmlformats.org/officeDocument/2006/relationships" xmlns:p="http://schemas.openxmlformats.org/presentationml/2006/main">
+  <p:cSld>
+    <p:spTree>
+      <p:nvGrpSpPr>
+        <p:cNvPr id="102" name="Shape 102"/>
+        <p:cNvGrpSpPr/>
+        <p:nvPr/>
+      </p:nvGrpSpPr>
+      <p:grpSpPr>
+        <a:xfrm>
+          <a:off x="0" y="0"/>
+          <a:ext cx="0" cy="0"/>
+          <a:chOff x="0" y="0"/>
+          <a:chExt cx="0" cy="0"/>
+        </a:xfrm>
+      </p:grpSpPr>
+      <p:sp>
+        <p:nvSpPr>
+          <p:cNvPr id="103" name="Google Shape;103;p21"/>
+          <p:cNvSpPr txBox="1"/>
+          <p:nvPr>
+            <p:ph type="title"/>
+          </p:nvPr>
+        </p:nvSpPr>
+        <p:spPr>
+          <a:xfrm>
+            <a:off x="311700" y="445025"/>
+            <a:ext cx="8520600" cy="572700"/>
+          </a:xfrm>
+          <a:prstGeom prst="rect">
+            <a:avLst/>
+          </a:prstGeom>
+        </p:spPr>
+        <p:txBody>
+          <a:bodyPr spcFirstLastPara="1" wrap="square" lIns="91425" tIns="91425" rIns="91425" bIns="91425" anchor="t" anchorCtr="0">
+            <a:noAutofit/>
+          </a:bodyPr>
+          <a:lstStyle/>
+          <a:p>
+            <a:pPr marL="0" lvl="0" indent="0" algn="l" rtl="0">
+              <a:spcBef>
+                <a:spcPts val="0"/>
+              </a:spcBef>
+              <a:spcAft>
+                <a:spcPts val="0"/>
+              </a:spcAft>
+              <a:buNone/>
+            </a:pPr>
+            <a:r>
+              <a:rPr lang="en-GB"/>
+              <a:t>Conclusion </a:t>
+            </a:r>
+            <a:endParaRPr lang="en-GB"/>
+          </a:p>
+        </p:txBody>
+      </p:sp>
+      <p:sp>
+        <p:nvSpPr>
+          <p:cNvPr id="104" name="Google Shape;104;p21"/>
+          <p:cNvSpPr txBox="1"/>
+          <p:nvPr>
+            <p:ph type="body" idx="1"/>
+          </p:nvPr>
+        </p:nvSpPr>
+        <p:spPr>
+          <a:xfrm>
+            <a:off x="311700" y="1152475"/>
+            <a:ext cx="8520600" cy="3416400"/>
+          </a:xfrm>
+          <a:prstGeom prst="rect">
+            <a:avLst/>
+          </a:prstGeom>
+        </p:spPr>
+        <p:txBody>
+          <a:bodyPr spcFirstLastPara="1" wrap="square" lIns="91425" tIns="91425" rIns="91425" bIns="91425" anchor="t" anchorCtr="0">
+            <a:noAutofit/>
+          </a:bodyPr>
+          <a:lstStyle/>
+          <a:p>
+            <a:pPr marL="457200" lvl="0" indent="-342900" algn="l" rtl="0">
+              <a:spcBef>
+                <a:spcPts val="0"/>
+              </a:spcBef>
+              <a:spcAft>
+                <a:spcPts val="0"/>
+              </a:spcAft>
+              <a:buSzPts val="1800"/>
+              <a:buChar char="●"/>
+            </a:pPr>
+            <a:r>
+              <a:rPr lang="en-GB"/>
+              <a:t>Evaluating the MNIST dataset gives the best speedup when executed parallely on 4 core using Pytorch with MPI. we checked  the speedup i.e. sequential execution with parallel execution using 4 cores and we got 69% efficiency. </a:t>
+            </a:r>
+            <a:endParaRPr lang="en-GB"/>
+          </a:p>
+          <a:p>
+            <a:pPr marL="457200" lvl="0" indent="-342900" algn="l" rtl="0">
+              <a:spcBef>
+                <a:spcPts val="0"/>
+              </a:spcBef>
+              <a:spcAft>
+                <a:spcPts val="0"/>
+              </a:spcAft>
+              <a:buSzPts val="1800"/>
+              <a:buChar char="●"/>
+            </a:pPr>
+            <a:r>
+              <a:rPr lang="en-GB"/>
+              <a:t>Further research can be carried out to implement Pytorch using  NCCL and other standard datasets to  analyze its efficiency .</a:t>
+            </a:r>
+            <a:endParaRPr lang="en-GB"/>
+          </a:p>
+        </p:txBody>
+      </p:sp>
+    </p:spTree>
+  </p:cSld>
+  <p:clrMapOvr>
+    <a:masterClrMapping/>
+  </p:clrMapOvr>
+</p:sld>
+</file>
+
+<file path=ppt/slides/slide11.xml><?xml version="1.0" encoding="utf-8"?>
+<p:sld xmlns:a="http://schemas.openxmlformats.org/drawingml/2006/main" xmlns:r="http://schemas.openxmlformats.org/officeDocument/2006/relationships" xmlns:p="http://schemas.openxmlformats.org/presentationml/2006/main">
   <p:cSld>
     <p:spTree>
       <p:nvGrpSpPr>
@@ -6652,12 +6762,12 @@
           </a:prstGeom>
         </p:spPr>
         <p:txBody>
-          <a:bodyPr anchorCtr="0" anchor="t" bIns="91425" lIns="91425" spcFirstLastPara="1" rIns="91425" wrap="square" tIns="91425">
+          <a:bodyPr spcFirstLastPara="1" wrap="square" lIns="91425" tIns="91425" rIns="91425" bIns="91425" anchor="t" anchorCtr="0">
             <a:noAutofit/>
           </a:bodyPr>
           <a:lstStyle/>
           <a:p>
-            <a:pPr indent="0" lvl="0" marL="0" rtl="0" algn="l">
+            <a:pPr marL="0" lvl="0" indent="0" algn="l" rtl="0">
               <a:spcBef>
                 <a:spcPts val="0"/>
               </a:spcBef>
@@ -6667,10 +6777,10 @@
               <a:buNone/>
             </a:pPr>
             <a:r>
-              <a:rPr lang="en"/>
+              <a:rPr lang="en-GB"/>
               <a:t>Reference </a:t>
             </a:r>
-            <a:endParaRPr/>
+            <a:endParaRPr lang="en-GB"/>
           </a:p>
         </p:txBody>
       </p:sp>
@@ -6679,7 +6789,7 @@
           <p:cNvPr id="110" name="Google Shape;110;p22"/>
           <p:cNvSpPr txBox="1"/>
           <p:nvPr>
-            <p:ph idx="1" type="body"/>
+            <p:ph type="body" idx="1"/>
           </p:nvPr>
         </p:nvSpPr>
         <p:spPr>
@@ -6692,12 +6802,12 @@
           </a:prstGeom>
         </p:spPr>
         <p:txBody>
-          <a:bodyPr anchorCtr="0" anchor="t" bIns="91425" lIns="91425" spcFirstLastPara="1" rIns="91425" wrap="square" tIns="91425">
+          <a:bodyPr spcFirstLastPara="1" wrap="square" lIns="91425" tIns="91425" rIns="91425" bIns="91425" anchor="t" anchorCtr="0">
             <a:noAutofit/>
           </a:bodyPr>
           <a:lstStyle/>
           <a:p>
-            <a:pPr indent="-342900" lvl="0" marL="457200" rtl="0" algn="l">
+            <a:pPr marL="457200" lvl="0" indent="-342900" algn="l" rtl="0">
               <a:spcBef>
                 <a:spcPts val="0"/>
               </a:spcBef>
@@ -6708,15 +6818,27 @@
               <a:buChar char="●"/>
             </a:pPr>
             <a:r>
-              <a:rPr lang="en"/>
+              <a:rPr lang="en-GB"/>
               <a:t>Abhinav Vishnu, Charles Siegel Jeff Daily, Distributed TensorFlow with MPI, Macrh 7, 2016. </a:t>
             </a:r>
-            <a:endParaRPr/>
+            <a:endParaRPr lang="en-GB"/>
           </a:p>
           <a:p>
-            <a:pPr indent="-342900" lvl="0" marL="457200" rtl="0" algn="l">
-              <a:spcBef>
-                <a:spcPts val="0"/>
+            <a:pPr marL="114300" lvl="0" indent="0" algn="l" rtl="0">
+              <a:spcBef>
+                <a:spcPts val="0"/>
+              </a:spcBef>
+              <a:spcAft>
+                <a:spcPts val="0"/>
+              </a:spcAft>
+              <a:buSzPts val="1800"/>
+              <a:buNone/>
+            </a:pPr>
+          </a:p>
+          <a:p>
+            <a:pPr marL="457200" lvl="0" indent="-342900" algn="l" rtl="0">
+              <a:spcBef>
+                <a:spcPts val="1600"/>
               </a:spcBef>
               <a:spcAft>
                 <a:spcPts val="0"/>
@@ -6725,77 +6847,21 @@
               <a:buChar char="●"/>
             </a:pPr>
             <a:r>
-              <a:rPr lang="en" u="sng">
-                <a:solidFill>
-                  <a:schemeClr val="hlink"/>
-                </a:solidFill>
-                <a:hlinkClick r:id="rId3"/>
-              </a:rPr>
-              <a:t>https://medium.com/@esaliya/pytorch-distributed-with-mpi-acb84b3ae5fd</a:t>
+              <a:rPr lang="en-GB"/>
+              <a:t>All code Open source and Posted Open source on Github repository </a:t>
             </a:r>
-            <a:endParaRPr/>
+            <a:endParaRPr lang="en-GB"/>
           </a:p>
           <a:p>
-            <a:pPr indent="0" lvl="0" marL="0" rtl="0" algn="l">
+            <a:pPr marL="0" lvl="0" indent="0" algn="l" rtl="0">
               <a:spcBef>
                 <a:spcPts val="1600"/>
               </a:spcBef>
               <a:spcAft>
-                <a:spcPts val="0"/>
+                <a:spcPts val="1600"/>
               </a:spcAft>
               <a:buNone/>
             </a:pPr>
-            <a:r>
-              <a:t/>
-            </a:r>
-            <a:endParaRPr/>
-          </a:p>
-          <a:p>
-            <a:pPr indent="0" lvl="0" marL="0" rtl="0" algn="l">
-              <a:spcBef>
-                <a:spcPts val="1600"/>
-              </a:spcBef>
-              <a:spcAft>
-                <a:spcPts val="0"/>
-              </a:spcAft>
-              <a:buNone/>
-            </a:pPr>
-            <a:r>
-              <a:t/>
-            </a:r>
-            <a:endParaRPr/>
-          </a:p>
-          <a:p>
-            <a:pPr indent="-342900" lvl="0" marL="457200" rtl="0" algn="l">
-              <a:spcBef>
-                <a:spcPts val="1600"/>
-              </a:spcBef>
-              <a:spcAft>
-                <a:spcPts val="0"/>
-              </a:spcAft>
-              <a:buSzPts val="1800"/>
-              <a:buChar char="●"/>
-            </a:pPr>
-            <a:r>
-              <a:rPr lang="en"/>
-              <a:t>All code Open source and Posted Open source on Github repository </a:t>
-            </a:r>
-            <a:endParaRPr/>
-          </a:p>
-          <a:p>
-            <a:pPr indent="0" lvl="0" marL="0" rtl="0" algn="l">
-              <a:spcBef>
-                <a:spcPts val="1600"/>
-              </a:spcBef>
-              <a:spcAft>
-                <a:spcPts val="1600"/>
-              </a:spcAft>
-              <a:buNone/>
-            </a:pPr>
-            <a:r>
-              <a:t/>
-            </a:r>
-            <a:endParaRPr/>
           </a:p>
         </p:txBody>
       </p:sp>
@@ -6807,8 +6873,8 @@
 </p:sld>
 </file>
 
-<file path=ppt/slides/slide11.xml><?xml version="1.0" encoding="utf-8"?>
-<p:sld xmlns:a="http://schemas.openxmlformats.org/drawingml/2006/main" xmlns:r="http://schemas.openxmlformats.org/officeDocument/2006/relationships" xmlns:mc="http://schemas.openxmlformats.org/markup-compatibility/2006" xmlns:mv="urn:schemas-microsoft-com:mac:vml" xmlns:p="http://schemas.openxmlformats.org/presentationml/2006/main" xmlns:c="http://schemas.openxmlformats.org/drawingml/2006/chart" xmlns:dgm="http://schemas.openxmlformats.org/drawingml/2006/diagram" xmlns:o="urn:schemas-microsoft-com:office:office" xmlns:v="urn:schemas-microsoft-com:vml" xmlns:pvml="urn:schemas-microsoft-com:office:powerpoint" xmlns:com="http://schemas.openxmlformats.org/drawingml/2006/compatibility" xmlns:p14="http://schemas.microsoft.com/office/powerpoint/2010/main" xmlns:p15="http://schemas.microsoft.com/office/powerpoint/2012/main">
+<file path=ppt/slides/slide12.xml><?xml version="1.0" encoding="utf-8"?>
+<p:sld xmlns:a="http://schemas.openxmlformats.org/drawingml/2006/main" xmlns:r="http://schemas.openxmlformats.org/officeDocument/2006/relationships" xmlns:p="http://schemas.openxmlformats.org/presentationml/2006/main">
   <p:cSld>
     <p:spTree>
       <p:nvGrpSpPr>
@@ -6842,12 +6908,12 @@
           </a:prstGeom>
         </p:spPr>
         <p:txBody>
-          <a:bodyPr anchorCtr="0" anchor="ctr" bIns="91425" lIns="91425" spcFirstLastPara="1" rIns="91425" wrap="square" tIns="91425">
+          <a:bodyPr spcFirstLastPara="1" wrap="square" lIns="91425" tIns="91425" rIns="91425" bIns="91425" anchor="ctr" anchorCtr="0">
             <a:noAutofit/>
           </a:bodyPr>
           <a:lstStyle/>
           <a:p>
-            <a:pPr indent="0" lvl="0" marL="0" rtl="0" algn="ctr">
+            <a:pPr marL="0" lvl="0" indent="0" algn="ctr" rtl="0">
               <a:spcBef>
                 <a:spcPts val="0"/>
               </a:spcBef>
@@ -6857,10 +6923,10 @@
               <a:buNone/>
             </a:pPr>
             <a:r>
-              <a:rPr lang="en"/>
+              <a:rPr lang="en-GB"/>
               <a:t>Thank You </a:t>
             </a:r>
-            <a:endParaRPr/>
+            <a:endParaRPr lang="en-GB"/>
           </a:p>
         </p:txBody>
       </p:sp>
@@ -6873,7 +6939,7 @@
 </file>
 
 <file path=ppt/slides/slide2.xml><?xml version="1.0" encoding="utf-8"?>
-<p:sld xmlns:a="http://schemas.openxmlformats.org/drawingml/2006/main" xmlns:r="http://schemas.openxmlformats.org/officeDocument/2006/relationships" xmlns:mc="http://schemas.openxmlformats.org/markup-compatibility/2006" xmlns:mv="urn:schemas-microsoft-com:mac:vml" xmlns:p="http://schemas.openxmlformats.org/presentationml/2006/main" xmlns:c="http://schemas.openxmlformats.org/drawingml/2006/chart" xmlns:dgm="http://schemas.openxmlformats.org/drawingml/2006/diagram" xmlns:o="urn:schemas-microsoft-com:office:office" xmlns:v="urn:schemas-microsoft-com:vml" xmlns:pvml="urn:schemas-microsoft-com:office:powerpoint" xmlns:com="http://schemas.openxmlformats.org/drawingml/2006/compatibility" xmlns:p14="http://schemas.microsoft.com/office/powerpoint/2010/main" xmlns:p15="http://schemas.microsoft.com/office/powerpoint/2012/main">
+<p:sld xmlns:a="http://schemas.openxmlformats.org/drawingml/2006/main" xmlns:r="http://schemas.openxmlformats.org/officeDocument/2006/relationships" xmlns:p="http://schemas.openxmlformats.org/presentationml/2006/main">
   <p:cSld>
     <p:spTree>
       <p:nvGrpSpPr>
@@ -6907,12 +6973,12 @@
           </a:prstGeom>
         </p:spPr>
         <p:txBody>
-          <a:bodyPr anchorCtr="0" anchor="t" bIns="91425" lIns="91425" spcFirstLastPara="1" rIns="91425" wrap="square" tIns="91425">
+          <a:bodyPr spcFirstLastPara="1" wrap="square" lIns="91425" tIns="91425" rIns="91425" bIns="91425" anchor="t" anchorCtr="0">
             <a:noAutofit/>
           </a:bodyPr>
           <a:lstStyle/>
           <a:p>
-            <a:pPr indent="0" lvl="0" marL="0" rtl="0" algn="l">
+            <a:pPr marL="0" lvl="0" indent="0" algn="l" rtl="0">
               <a:spcBef>
                 <a:spcPts val="0"/>
               </a:spcBef>
@@ -6922,10 +6988,10 @@
               <a:buNone/>
             </a:pPr>
             <a:r>
-              <a:rPr lang="en"/>
+              <a:rPr lang="en-GB"/>
               <a:t>Abstract </a:t>
             </a:r>
-            <a:endParaRPr/>
+            <a:endParaRPr lang="en-GB"/>
           </a:p>
         </p:txBody>
       </p:sp>
@@ -6934,7 +7000,7 @@
           <p:cNvPr id="61" name="Google Shape;61;p14"/>
           <p:cNvSpPr txBox="1"/>
           <p:nvPr>
-            <p:ph idx="1" type="body"/>
+            <p:ph type="body" idx="1"/>
           </p:nvPr>
         </p:nvSpPr>
         <p:spPr>
@@ -6947,12 +7013,12 @@
           </a:prstGeom>
         </p:spPr>
         <p:txBody>
-          <a:bodyPr anchorCtr="0" anchor="t" bIns="91425" lIns="91425" spcFirstLastPara="1" rIns="91425" wrap="square" tIns="91425">
+          <a:bodyPr spcFirstLastPara="1" wrap="square" lIns="91425" tIns="91425" rIns="91425" bIns="91425" anchor="t" anchorCtr="0">
             <a:noAutofit/>
           </a:bodyPr>
           <a:lstStyle/>
           <a:p>
-            <a:pPr indent="-342900" lvl="0" marL="457200" rtl="0" algn="l">
+            <a:pPr marL="457200" lvl="0" indent="-342900" algn="l" rtl="0">
               <a:spcBef>
                 <a:spcPts val="0"/>
               </a:spcBef>
@@ -6963,13 +7029,13 @@
               <a:buChar char="●"/>
             </a:pPr>
             <a:r>
-              <a:rPr lang="en"/>
+              <a:rPr lang="en-GB"/>
               <a:t>Deep Learning and Data Mining Algorithms are Increasingly Important in  Processing Large amount of data</a:t>
             </a:r>
-            <a:endParaRPr/>
+            <a:endParaRPr lang="en-GB"/>
           </a:p>
           <a:p>
-            <a:pPr indent="-342900" lvl="0" marL="457200" rtl="0" algn="l">
+            <a:pPr marL="457200" lvl="0" indent="-342900" algn="l" rtl="0">
               <a:spcBef>
                 <a:spcPts val="0"/>
               </a:spcBef>
@@ -6980,21 +7046,13 @@
               <a:buChar char="●"/>
             </a:pPr>
             <a:r>
-              <a:rPr lang="en"/>
-              <a:t>Many New </a:t>
+              <a:rPr lang="en-GB"/>
+              <a:t>Many New Libraries and Framework built on top of legacy Drivers and codebase lack support for Multi Core Execution Support</a:t>
             </a:r>
-            <a:r>
-              <a:rPr lang="en"/>
-              <a:t>Libraries</a:t>
-            </a:r>
-            <a:r>
-              <a:rPr lang="en"/>
-              <a:t> and Framework built on top of legacy Drivers and codebase lack support for Multi Core Execution Support</a:t>
-            </a:r>
-            <a:endParaRPr/>
+            <a:endParaRPr lang="en-GB"/>
           </a:p>
           <a:p>
-            <a:pPr indent="-342900" lvl="0" marL="457200" rtl="0" algn="l">
+            <a:pPr marL="457200" lvl="0" indent="-342900" algn="l" rtl="0">
               <a:spcBef>
                 <a:spcPts val="0"/>
               </a:spcBef>
@@ -7005,13 +7063,13 @@
               <a:buChar char="●"/>
             </a:pPr>
             <a:r>
-              <a:rPr lang="en"/>
+              <a:rPr lang="en-GB"/>
               <a:t>Parallelism helps in  Decreasing the Processing time </a:t>
             </a:r>
-            <a:endParaRPr/>
+            <a:endParaRPr lang="en-GB"/>
           </a:p>
           <a:p>
-            <a:pPr indent="-342900" lvl="0" marL="457200" rtl="0" algn="l">
+            <a:pPr marL="457200" lvl="0" indent="-342900" algn="l" rtl="0">
               <a:spcBef>
                 <a:spcPts val="0"/>
               </a:spcBef>
@@ -7022,21 +7080,13 @@
               <a:buChar char="●"/>
             </a:pPr>
             <a:r>
-              <a:rPr lang="en"/>
-              <a:t>Deep Learning Computation  is one of the Most Resource Intensive yet Most </a:t>
+              <a:rPr lang="en-GB"/>
+              <a:t>Deep Learning Computation  is one of the Most Resource Intensive yet Most Efficient in Building any model in field of ML </a:t>
             </a:r>
-            <a:r>
-              <a:rPr lang="en"/>
-              <a:t>Efficient</a:t>
-            </a:r>
-            <a:r>
-              <a:rPr lang="en"/>
-              <a:t> in Building any model in field of ML </a:t>
-            </a:r>
-            <a:endParaRPr/>
+            <a:endParaRPr lang="en-GB"/>
           </a:p>
           <a:p>
-            <a:pPr indent="-342900" lvl="0" marL="457200" rtl="0" algn="l">
+            <a:pPr marL="457200" lvl="0" indent="-342900" algn="l" rtl="0">
               <a:spcBef>
                 <a:spcPts val="0"/>
               </a:spcBef>
@@ -7047,21 +7097,13 @@
               <a:buChar char="●"/>
             </a:pPr>
             <a:r>
-              <a:rPr lang="en"/>
-              <a:t>Given Enough Computation power Deep Learning can beat accuracy and </a:t>
+              <a:rPr lang="en-GB"/>
+              <a:t>Given Enough Computation power Deep Learning can beat accuracy and efficiency of any existing solution </a:t>
             </a:r>
-            <a:r>
-              <a:rPr lang="en"/>
-              <a:t>efficiency of any existing solution</a:t>
-            </a:r>
-            <a:r>
-              <a:rPr lang="en"/>
-              <a:t> </a:t>
-            </a:r>
-            <a:endParaRPr/>
+            <a:endParaRPr lang="en-GB"/>
           </a:p>
           <a:p>
-            <a:pPr indent="0" lvl="0" marL="457200" rtl="0" algn="l">
+            <a:pPr marL="457200" lvl="0" indent="0" algn="l" rtl="0">
               <a:spcBef>
                 <a:spcPts val="1600"/>
               </a:spcBef>
@@ -7070,13 +7112,9 @@
               </a:spcAft>
               <a:buNone/>
             </a:pPr>
-            <a:r>
-              <a:t/>
-            </a:r>
-            <a:endParaRPr/>
           </a:p>
           <a:p>
-            <a:pPr indent="0" lvl="0" marL="457200" rtl="0" algn="l">
+            <a:pPr marL="457200" lvl="0" indent="0" algn="l" rtl="0">
               <a:spcBef>
                 <a:spcPts val="1600"/>
               </a:spcBef>
@@ -7085,10 +7123,6 @@
               </a:spcAft>
               <a:buNone/>
             </a:pPr>
-            <a:r>
-              <a:t/>
-            </a:r>
-            <a:endParaRPr/>
           </a:p>
         </p:txBody>
       </p:sp>
@@ -7101,7 +7135,7 @@
 </file>
 
 <file path=ppt/slides/slide3.xml><?xml version="1.0" encoding="utf-8"?>
-<p:sld xmlns:a="http://schemas.openxmlformats.org/drawingml/2006/main" xmlns:r="http://schemas.openxmlformats.org/officeDocument/2006/relationships" xmlns:mc="http://schemas.openxmlformats.org/markup-compatibility/2006" xmlns:mv="urn:schemas-microsoft-com:mac:vml" xmlns:p="http://schemas.openxmlformats.org/presentationml/2006/main" xmlns:c="http://schemas.openxmlformats.org/drawingml/2006/chart" xmlns:dgm="http://schemas.openxmlformats.org/drawingml/2006/diagram" xmlns:o="urn:schemas-microsoft-com:office:office" xmlns:v="urn:schemas-microsoft-com:vml" xmlns:pvml="urn:schemas-microsoft-com:office:powerpoint" xmlns:com="http://schemas.openxmlformats.org/drawingml/2006/compatibility" xmlns:p14="http://schemas.microsoft.com/office/powerpoint/2010/main" xmlns:p15="http://schemas.microsoft.com/office/powerpoint/2012/main">
+<p:sld xmlns:a="http://schemas.openxmlformats.org/drawingml/2006/main" xmlns:r="http://schemas.openxmlformats.org/officeDocument/2006/relationships" xmlns:p="http://schemas.openxmlformats.org/presentationml/2006/main">
   <p:cSld>
     <p:spTree>
       <p:nvGrpSpPr>
@@ -7135,12 +7169,12 @@
           </a:prstGeom>
         </p:spPr>
         <p:txBody>
-          <a:bodyPr anchorCtr="0" anchor="t" bIns="91425" lIns="91425" spcFirstLastPara="1" rIns="91425" wrap="square" tIns="91425">
+          <a:bodyPr spcFirstLastPara="1" wrap="square" lIns="91425" tIns="91425" rIns="91425" bIns="91425" anchor="t" anchorCtr="0">
             <a:noAutofit/>
           </a:bodyPr>
           <a:lstStyle/>
           <a:p>
-            <a:pPr indent="0" lvl="0" marL="0" rtl="0" algn="l">
+            <a:pPr marL="0" lvl="0" indent="0" algn="l" rtl="0">
               <a:spcBef>
                 <a:spcPts val="0"/>
               </a:spcBef>
@@ -7150,10 +7184,10 @@
               <a:buNone/>
             </a:pPr>
             <a:r>
-              <a:rPr lang="en"/>
+              <a:rPr lang="en-GB"/>
               <a:t>Introduction </a:t>
             </a:r>
-            <a:endParaRPr/>
+            <a:endParaRPr lang="en-GB"/>
           </a:p>
         </p:txBody>
       </p:sp>
@@ -7162,7 +7196,7 @@
           <p:cNvPr id="67" name="Google Shape;67;p15"/>
           <p:cNvSpPr txBox="1"/>
           <p:nvPr>
-            <p:ph idx="1" type="body"/>
+            <p:ph type="body" idx="1"/>
           </p:nvPr>
         </p:nvSpPr>
         <p:spPr>
@@ -7175,12 +7209,12 @@
           </a:prstGeom>
         </p:spPr>
         <p:txBody>
-          <a:bodyPr anchorCtr="0" anchor="t" bIns="91425" lIns="91425" spcFirstLastPara="1" rIns="91425" wrap="square" tIns="91425">
+          <a:bodyPr spcFirstLastPara="1" wrap="square" lIns="91425" tIns="91425" rIns="91425" bIns="91425" anchor="t" anchorCtr="0">
             <a:noAutofit/>
           </a:bodyPr>
           <a:lstStyle/>
           <a:p>
-            <a:pPr indent="-342900" lvl="0" marL="457200" rtl="0" algn="l">
+            <a:pPr marL="457200" lvl="0" indent="-342900" algn="l" rtl="0">
               <a:spcBef>
                 <a:spcPts val="0"/>
               </a:spcBef>
@@ -7191,21 +7225,13 @@
               <a:buChar char="●"/>
             </a:pPr>
             <a:r>
-              <a:rPr lang="en"/>
-              <a:t>Deep Learning Algorithms Emulate the Brain Activity of Several layers of neurons and learn the weights for the Synapses by using Gradient </a:t>
+              <a:rPr lang="en-GB"/>
+              <a:t>Deep Learning Algorithms Emulate the Brain Activity of Several layers of neurons and learn the weights for the Synapses by using Gradient Descent Method </a:t>
             </a:r>
-            <a:r>
-              <a:rPr lang="en"/>
-              <a:t>Descent</a:t>
-            </a:r>
-            <a:r>
-              <a:rPr lang="en"/>
-              <a:t> Method </a:t>
-            </a:r>
-            <a:endParaRPr/>
+            <a:endParaRPr lang="en-GB"/>
           </a:p>
           <a:p>
-            <a:pPr indent="-342900" lvl="0" marL="457200" rtl="0" algn="l">
+            <a:pPr marL="457200" lvl="0" indent="-342900" algn="l" rtl="0">
               <a:spcBef>
                 <a:spcPts val="0"/>
               </a:spcBef>
@@ -7216,13 +7242,13 @@
               <a:buChar char="●"/>
             </a:pPr>
             <a:r>
-              <a:rPr lang="en"/>
+              <a:rPr lang="en-GB"/>
               <a:t>Open Source Efforts such as THeano , CuDNN and Caffe have gained wide acceptance among Researchers </a:t>
             </a:r>
-            <a:endParaRPr/>
+            <a:endParaRPr lang="en-GB"/>
           </a:p>
           <a:p>
-            <a:pPr indent="-342900" lvl="0" marL="457200" rtl="0" algn="l">
+            <a:pPr marL="457200" lvl="0" indent="-342900" algn="l" rtl="0">
               <a:spcBef>
                 <a:spcPts val="0"/>
               </a:spcBef>
@@ -7233,10 +7259,10 @@
               <a:buChar char="●"/>
             </a:pPr>
             <a:r>
-              <a:rPr lang="en"/>
+              <a:rPr lang="en-GB"/>
               <a:t>These Frameworks are useful for experimenting new Algorithms and Techniques but fail to utilize the Hardware capabilities for processing large amount of Data</a:t>
             </a:r>
-            <a:endParaRPr/>
+            <a:endParaRPr lang="en-GB"/>
           </a:p>
         </p:txBody>
       </p:sp>
@@ -7249,7 +7275,7 @@
 </file>
 
 <file path=ppt/slides/slide4.xml><?xml version="1.0" encoding="utf-8"?>
-<p:sld xmlns:a="http://schemas.openxmlformats.org/drawingml/2006/main" xmlns:r="http://schemas.openxmlformats.org/officeDocument/2006/relationships" xmlns:mc="http://schemas.openxmlformats.org/markup-compatibility/2006" xmlns:mv="urn:schemas-microsoft-com:mac:vml" xmlns:p="http://schemas.openxmlformats.org/presentationml/2006/main" xmlns:c="http://schemas.openxmlformats.org/drawingml/2006/chart" xmlns:dgm="http://schemas.openxmlformats.org/drawingml/2006/diagram" xmlns:o="urn:schemas-microsoft-com:office:office" xmlns:v="urn:schemas-microsoft-com:vml" xmlns:pvml="urn:schemas-microsoft-com:office:powerpoint" xmlns:com="http://schemas.openxmlformats.org/drawingml/2006/compatibility" xmlns:p14="http://schemas.microsoft.com/office/powerpoint/2010/main" xmlns:p15="http://schemas.microsoft.com/office/powerpoint/2012/main">
+<p:sld xmlns:a="http://schemas.openxmlformats.org/drawingml/2006/main" xmlns:r="http://schemas.openxmlformats.org/officeDocument/2006/relationships" xmlns:p="http://schemas.openxmlformats.org/presentationml/2006/main">
   <p:cSld>
     <p:spTree>
       <p:nvGrpSpPr>
@@ -7283,12 +7309,12 @@
           </a:prstGeom>
         </p:spPr>
         <p:txBody>
-          <a:bodyPr anchorCtr="0" anchor="t" bIns="91425" lIns="91425" spcFirstLastPara="1" rIns="91425" wrap="square" tIns="91425">
+          <a:bodyPr spcFirstLastPara="1" wrap="square" lIns="91425" tIns="91425" rIns="91425" bIns="91425" anchor="t" anchorCtr="0">
             <a:noAutofit/>
           </a:bodyPr>
           <a:lstStyle/>
           <a:p>
-            <a:pPr indent="0" lvl="0" marL="0" rtl="0" algn="l">
+            <a:pPr marL="0" lvl="0" indent="0" algn="l" rtl="0">
               <a:spcBef>
                 <a:spcPts val="0"/>
               </a:spcBef>
@@ -7298,10 +7324,10 @@
               <a:buNone/>
             </a:pPr>
             <a:r>
-              <a:rPr lang="en"/>
+              <a:rPr lang="en-GB"/>
               <a:t>Literature Review </a:t>
             </a:r>
-            <a:endParaRPr/>
+            <a:endParaRPr lang="en-GB"/>
           </a:p>
         </p:txBody>
       </p:sp>
@@ -7310,7 +7336,7 @@
           <p:cNvPr id="73" name="Google Shape;73;p16"/>
           <p:cNvSpPr txBox="1"/>
           <p:nvPr>
-            <p:ph idx="1" type="body"/>
+            <p:ph type="body" idx="1"/>
           </p:nvPr>
         </p:nvSpPr>
         <p:spPr>
@@ -7323,12 +7349,12 @@
           </a:prstGeom>
         </p:spPr>
         <p:txBody>
-          <a:bodyPr anchorCtr="0" anchor="t" bIns="91425" lIns="91425" spcFirstLastPara="1" rIns="91425" wrap="square" tIns="91425">
+          <a:bodyPr spcFirstLastPara="1" wrap="square" lIns="91425" tIns="91425" rIns="91425" bIns="91425" anchor="t" anchorCtr="0">
             <a:noAutofit/>
           </a:bodyPr>
           <a:lstStyle/>
           <a:p>
-            <a:pPr indent="-342900" lvl="0" marL="457200" rtl="0" algn="l">
+            <a:pPr marL="457200" lvl="0" indent="-342900" algn="l" rtl="0">
               <a:spcBef>
                 <a:spcPts val="0"/>
               </a:spcBef>
@@ -7339,13 +7365,13 @@
               <a:buChar char="●"/>
             </a:pPr>
             <a:r>
-              <a:rPr lang="en"/>
+              <a:rPr lang="en-GB"/>
               <a:t>Documentation and Performance Analysis done for various datasets and frameworks on different Hardware was studied </a:t>
             </a:r>
-            <a:endParaRPr/>
+            <a:endParaRPr lang="en-GB"/>
           </a:p>
           <a:p>
-            <a:pPr indent="-342900" lvl="0" marL="457200" rtl="0" algn="l">
+            <a:pPr marL="457200" lvl="0" indent="-342900" algn="l" rtl="0">
               <a:spcBef>
                 <a:spcPts val="0"/>
               </a:spcBef>
@@ -7356,13 +7382,13 @@
               <a:buChar char="●"/>
             </a:pPr>
             <a:r>
-              <a:rPr lang="en"/>
+              <a:rPr lang="en-GB"/>
               <a:t>Identified the Knowledge gap and Analysis not available online for various popular and uprising and frameworks </a:t>
             </a:r>
-            <a:endParaRPr/>
+            <a:endParaRPr lang="en-GB"/>
           </a:p>
           <a:p>
-            <a:pPr indent="-342900" lvl="0" marL="457200" rtl="0" algn="l">
+            <a:pPr marL="457200" lvl="0" indent="-342900" algn="l" rtl="0">
               <a:spcBef>
                 <a:spcPts val="0"/>
               </a:spcBef>
@@ -7373,13 +7399,13 @@
               <a:buChar char="●"/>
             </a:pPr>
             <a:r>
-              <a:rPr lang="en"/>
+              <a:rPr lang="en-GB"/>
               <a:t>Narrowed down the results to frameworks that are readily available for deployment with Multi-Core </a:t>
             </a:r>
-            <a:endParaRPr/>
+            <a:endParaRPr lang="en-GB"/>
           </a:p>
           <a:p>
-            <a:pPr indent="-342900" lvl="0" marL="457200" rtl="0" algn="l">
+            <a:pPr marL="457200" lvl="0" indent="-342900" algn="l" rtl="0">
               <a:spcBef>
                 <a:spcPts val="0"/>
               </a:spcBef>
@@ -7390,13 +7416,13 @@
               <a:buChar char="●"/>
             </a:pPr>
             <a:r>
-              <a:rPr lang="en"/>
+              <a:rPr lang="en-GB"/>
               <a:t>Among the top 3 frameworks used in Industry Level widely were  </a:t>
             </a:r>
-            <a:endParaRPr/>
+            <a:endParaRPr lang="en-GB"/>
           </a:p>
           <a:p>
-            <a:pPr indent="0" lvl="0" marL="457200" rtl="0" algn="l">
+            <a:pPr marL="457200" lvl="0" indent="0" algn="l" rtl="0">
               <a:spcBef>
                 <a:spcPts val="1600"/>
               </a:spcBef>
@@ -7406,10 +7432,10 @@
               <a:buNone/>
             </a:pPr>
             <a:r>
-              <a:rPr lang="en"/>
-              <a:t>Microsoft-DMTK		Google- TensorFlow		Facebook - Pytorch</a:t>
+              <a:rPr lang="en-GB"/>
+              <a:t>Microsoft-DMTK          Google- TensorFlow       Facebook - Pytorch</a:t>
             </a:r>
-            <a:endParaRPr/>
+            <a:endParaRPr lang="en-GB"/>
           </a:p>
         </p:txBody>
       </p:sp>
@@ -7422,7 +7448,7 @@
 </file>
 
 <file path=ppt/slides/slide5.xml><?xml version="1.0" encoding="utf-8"?>
-<p:sld xmlns:a="http://schemas.openxmlformats.org/drawingml/2006/main" xmlns:r="http://schemas.openxmlformats.org/officeDocument/2006/relationships" xmlns:mc="http://schemas.openxmlformats.org/markup-compatibility/2006" xmlns:mv="urn:schemas-microsoft-com:mac:vml" xmlns:p="http://schemas.openxmlformats.org/presentationml/2006/main" xmlns:c="http://schemas.openxmlformats.org/drawingml/2006/chart" xmlns:dgm="http://schemas.openxmlformats.org/drawingml/2006/diagram" xmlns:o="urn:schemas-microsoft-com:office:office" xmlns:v="urn:schemas-microsoft-com:vml" xmlns:pvml="urn:schemas-microsoft-com:office:powerpoint" xmlns:com="http://schemas.openxmlformats.org/drawingml/2006/compatibility" xmlns:p14="http://schemas.microsoft.com/office/powerpoint/2010/main" xmlns:p15="http://schemas.microsoft.com/office/powerpoint/2012/main">
+<p:sld xmlns:a="http://schemas.openxmlformats.org/drawingml/2006/main" xmlns:r="http://schemas.openxmlformats.org/officeDocument/2006/relationships" xmlns:p="http://schemas.openxmlformats.org/presentationml/2006/main">
   <p:cSld>
     <p:spTree>
       <p:nvGrpSpPr>
@@ -7456,12 +7482,12 @@
           </a:prstGeom>
         </p:spPr>
         <p:txBody>
-          <a:bodyPr anchorCtr="0" anchor="t" bIns="91425" lIns="91425" spcFirstLastPara="1" rIns="91425" wrap="square" tIns="91425">
+          <a:bodyPr spcFirstLastPara="1" wrap="square" lIns="91425" tIns="91425" rIns="91425" bIns="91425" anchor="t" anchorCtr="0">
             <a:noAutofit/>
           </a:bodyPr>
           <a:lstStyle/>
           <a:p>
-            <a:pPr indent="0" lvl="0" marL="0" rtl="0" algn="l">
+            <a:pPr marL="0" lvl="0" indent="0" algn="l" rtl="0">
               <a:spcBef>
                 <a:spcPts val="0"/>
               </a:spcBef>
@@ -7471,13 +7497,13 @@
               <a:buNone/>
             </a:pPr>
             <a:r>
-              <a:rPr lang="en"/>
+              <a:rPr lang="en-GB"/>
               <a:t>Methodology- MPI (Message Passing Interface)</a:t>
             </a:r>
-            <a:endParaRPr/>
+            <a:endParaRPr lang="en-GB"/>
           </a:p>
           <a:p>
-            <a:pPr indent="0" lvl="0" marL="0" rtl="0" algn="l">
+            <a:pPr marL="0" lvl="0" indent="0" algn="l" rtl="0">
               <a:spcBef>
                 <a:spcPts val="0"/>
               </a:spcBef>
@@ -7486,10 +7512,6 @@
               </a:spcAft>
               <a:buNone/>
             </a:pPr>
-            <a:r>
-              <a:t/>
-            </a:r>
-            <a:endParaRPr/>
           </a:p>
         </p:txBody>
       </p:sp>
@@ -7498,7 +7520,7 @@
           <p:cNvPr id="79" name="Google Shape;79;p17"/>
           <p:cNvSpPr txBox="1"/>
           <p:nvPr>
-            <p:ph idx="1" type="body"/>
+            <p:ph type="body" idx="1"/>
           </p:nvPr>
         </p:nvSpPr>
         <p:spPr>
@@ -7511,12 +7533,12 @@
           </a:prstGeom>
         </p:spPr>
         <p:txBody>
-          <a:bodyPr anchorCtr="0" anchor="t" bIns="91425" lIns="91425" spcFirstLastPara="1" rIns="91425" wrap="square" tIns="91425">
+          <a:bodyPr spcFirstLastPara="1" wrap="square" lIns="91425" tIns="91425" rIns="91425" bIns="91425" anchor="t" anchorCtr="0">
             <a:noAutofit/>
           </a:bodyPr>
           <a:lstStyle/>
           <a:p>
-            <a:pPr indent="-342900" lvl="0" marL="457200" rtl="0" algn="l">
+            <a:pPr marL="457200" lvl="0" indent="-342900" algn="l" rtl="0">
               <a:spcBef>
                 <a:spcPts val="0"/>
               </a:spcBef>
@@ -7527,13 +7549,13 @@
               <a:buChar char="●"/>
             </a:pPr>
             <a:r>
-              <a:rPr lang="en"/>
+              <a:rPr lang="en-GB"/>
               <a:t>MPI was Introduced in 1992</a:t>
             </a:r>
-            <a:endParaRPr/>
+            <a:endParaRPr lang="en-GB"/>
           </a:p>
           <a:p>
-            <a:pPr indent="-342900" lvl="0" marL="457200" rtl="0" algn="l">
+            <a:pPr marL="457200" lvl="0" indent="-342900" algn="l" rtl="0">
               <a:spcBef>
                 <a:spcPts val="0"/>
               </a:spcBef>
@@ -7544,13 +7566,13 @@
               <a:buChar char="●"/>
             </a:pPr>
             <a:r>
-              <a:rPr lang="en"/>
+              <a:rPr lang="en-GB"/>
               <a:t>MPI Interface can be accessed using many languages such as C++,C,</a:t>
             </a:r>
-            <a:endParaRPr/>
+            <a:endParaRPr lang="en-GB"/>
           </a:p>
           <a:p>
-            <a:pPr indent="-342900" lvl="0" marL="457200" rtl="0" algn="l">
+            <a:pPr marL="457200" lvl="0" indent="-342900" algn="l" rtl="0">
               <a:spcBef>
                 <a:spcPts val="0"/>
               </a:spcBef>
@@ -7561,13 +7583,13 @@
               <a:buChar char="●"/>
             </a:pPr>
             <a:r>
-              <a:rPr lang="en"/>
+              <a:rPr lang="en-GB"/>
               <a:t>Since many important Core Mathematical Libraries were built using these languages many of the modern ML frameworks use wrapers around these libraries </a:t>
             </a:r>
-            <a:endParaRPr/>
+            <a:endParaRPr lang="en-GB"/>
           </a:p>
           <a:p>
-            <a:pPr indent="-342900" lvl="0" marL="457200" rtl="0" algn="l">
+            <a:pPr marL="457200" lvl="0" indent="-342900" algn="l" rtl="0">
               <a:spcBef>
                 <a:spcPts val="0"/>
               </a:spcBef>
@@ -7578,10 +7600,10 @@
               <a:buChar char="●"/>
             </a:pPr>
             <a:r>
-              <a:rPr lang="en"/>
+              <a:rPr lang="en-GB"/>
               <a:t>Optimising and Parallelising these libraries code-base at the root level gives us a significant boost in performance to all the frameworks utilizing it </a:t>
             </a:r>
-            <a:endParaRPr/>
+            <a:endParaRPr lang="en-GB"/>
           </a:p>
         </p:txBody>
       </p:sp>
@@ -7594,7 +7616,7 @@
 </file>
 
 <file path=ppt/slides/slide6.xml><?xml version="1.0" encoding="utf-8"?>
-<p:sld xmlns:a="http://schemas.openxmlformats.org/drawingml/2006/main" xmlns:r="http://schemas.openxmlformats.org/officeDocument/2006/relationships" xmlns:mc="http://schemas.openxmlformats.org/markup-compatibility/2006" xmlns:mv="urn:schemas-microsoft-com:mac:vml" xmlns:p="http://schemas.openxmlformats.org/presentationml/2006/main" xmlns:c="http://schemas.openxmlformats.org/drawingml/2006/chart" xmlns:dgm="http://schemas.openxmlformats.org/drawingml/2006/diagram" xmlns:o="urn:schemas-microsoft-com:office:office" xmlns:v="urn:schemas-microsoft-com:vml" xmlns:pvml="urn:schemas-microsoft-com:office:powerpoint" xmlns:com="http://schemas.openxmlformats.org/drawingml/2006/compatibility" xmlns:p14="http://schemas.microsoft.com/office/powerpoint/2010/main" xmlns:p15="http://schemas.microsoft.com/office/powerpoint/2012/main">
+<p:sld xmlns:a="http://schemas.openxmlformats.org/drawingml/2006/main" xmlns:r="http://schemas.openxmlformats.org/officeDocument/2006/relationships" xmlns:p="http://schemas.openxmlformats.org/presentationml/2006/main">
   <p:cSld>
     <p:spTree>
       <p:nvGrpSpPr>
@@ -7628,12 +7650,12 @@
           </a:prstGeom>
         </p:spPr>
         <p:txBody>
-          <a:bodyPr anchorCtr="0" anchor="t" bIns="91425" lIns="91425" spcFirstLastPara="1" rIns="91425" wrap="square" tIns="91425">
+          <a:bodyPr spcFirstLastPara="1" wrap="square" lIns="91425" tIns="91425" rIns="91425" bIns="91425" anchor="t" anchorCtr="0">
             <a:noAutofit/>
           </a:bodyPr>
           <a:lstStyle/>
           <a:p>
-            <a:pPr indent="0" lvl="0" marL="0" rtl="0" algn="l">
+            <a:pPr marL="0" lvl="0" indent="0" algn="l" rtl="0">
               <a:spcBef>
                 <a:spcPts val="0"/>
               </a:spcBef>
@@ -7643,10 +7665,10 @@
               <a:buNone/>
             </a:pPr>
             <a:r>
-              <a:rPr lang="en"/>
+              <a:rPr lang="en-GB"/>
               <a:t>Methodology-Pytorch </a:t>
             </a:r>
-            <a:endParaRPr/>
+            <a:endParaRPr lang="en-GB"/>
           </a:p>
         </p:txBody>
       </p:sp>
@@ -7655,7 +7677,7 @@
           <p:cNvPr id="85" name="Google Shape;85;p18"/>
           <p:cNvSpPr txBox="1"/>
           <p:nvPr>
-            <p:ph idx="1" type="body"/>
+            <p:ph type="body" idx="1"/>
           </p:nvPr>
         </p:nvSpPr>
         <p:spPr>
@@ -7668,12 +7690,12 @@
           </a:prstGeom>
         </p:spPr>
         <p:txBody>
-          <a:bodyPr anchorCtr="0" anchor="t" bIns="91425" lIns="91425" spcFirstLastPara="1" rIns="91425" wrap="square" tIns="91425">
+          <a:bodyPr spcFirstLastPara="1" wrap="square" lIns="91425" tIns="91425" rIns="91425" bIns="91425" anchor="t" anchorCtr="0">
             <a:noAutofit/>
           </a:bodyPr>
           <a:lstStyle/>
           <a:p>
-            <a:pPr indent="-342900" lvl="0" marL="457200" rtl="0" algn="l">
+            <a:pPr marL="457200" lvl="0" indent="-342900" algn="l" rtl="0">
               <a:spcBef>
                 <a:spcPts val="0"/>
               </a:spcBef>
@@ -7684,13 +7706,13 @@
               <a:buChar char="●"/>
             </a:pPr>
             <a:r>
-              <a:rPr lang="en"/>
+              <a:rPr lang="en-GB"/>
               <a:t>Facebook Developed Pytorch to answer their need of a Machine Learning Algorithm to analyse the Visual Data generated by the Users on their Social Media Platform</a:t>
             </a:r>
-            <a:endParaRPr/>
+            <a:endParaRPr lang="en-GB"/>
           </a:p>
           <a:p>
-            <a:pPr indent="-342900" lvl="0" marL="457200" rtl="0" algn="l">
+            <a:pPr marL="457200" lvl="0" indent="-342900" algn="l" rtl="0">
               <a:spcBef>
                 <a:spcPts val="0"/>
               </a:spcBef>
@@ -7701,13 +7723,13 @@
               <a:buChar char="●"/>
             </a:pPr>
             <a:r>
-              <a:rPr lang="en"/>
+              <a:rPr lang="en-GB"/>
               <a:t>Torch which is based on the programming language LUA which is highly efficient in computing machine learning</a:t>
             </a:r>
-            <a:endParaRPr/>
+            <a:endParaRPr lang="en-GB"/>
           </a:p>
           <a:p>
-            <a:pPr indent="-342900" lvl="0" marL="457200" rtl="0" algn="l">
+            <a:pPr marL="457200" lvl="0" indent="-342900" algn="l" rtl="0">
               <a:spcBef>
                 <a:spcPts val="0"/>
               </a:spcBef>
@@ -7718,10 +7740,10 @@
               <a:buChar char="●"/>
             </a:pPr>
             <a:r>
-              <a:rPr lang="en"/>
+              <a:rPr lang="en-GB"/>
               <a:t>Unfortunately , Pytorch framework can not be included with MPI implementation because of various proprietary and patented technologies being used in both of them individually owned by separate entities</a:t>
             </a:r>
-            <a:endParaRPr/>
+            <a:endParaRPr lang="en-GB"/>
           </a:p>
         </p:txBody>
       </p:sp>
@@ -7734,7 +7756,7 @@
 </file>
 
 <file path=ppt/slides/slide7.xml><?xml version="1.0" encoding="utf-8"?>
-<p:sld xmlns:a="http://schemas.openxmlformats.org/drawingml/2006/main" xmlns:r="http://schemas.openxmlformats.org/officeDocument/2006/relationships" xmlns:mc="http://schemas.openxmlformats.org/markup-compatibility/2006" xmlns:mv="urn:schemas-microsoft-com:mac:vml" xmlns:p="http://schemas.openxmlformats.org/presentationml/2006/main" xmlns:c="http://schemas.openxmlformats.org/drawingml/2006/chart" xmlns:dgm="http://schemas.openxmlformats.org/drawingml/2006/diagram" xmlns:o="urn:schemas-microsoft-com:office:office" xmlns:v="urn:schemas-microsoft-com:vml" xmlns:pvml="urn:schemas-microsoft-com:office:powerpoint" xmlns:com="http://schemas.openxmlformats.org/drawingml/2006/compatibility" xmlns:p14="http://schemas.microsoft.com/office/powerpoint/2010/main" xmlns:p15="http://schemas.microsoft.com/office/powerpoint/2012/main">
+<p:sld xmlns:a="http://schemas.openxmlformats.org/drawingml/2006/main" xmlns:r="http://schemas.openxmlformats.org/officeDocument/2006/relationships" xmlns:p="http://schemas.openxmlformats.org/presentationml/2006/main">
   <p:cSld>
     <p:spTree>
       <p:nvGrpSpPr>
@@ -7768,12 +7790,12 @@
           </a:prstGeom>
         </p:spPr>
         <p:txBody>
-          <a:bodyPr anchorCtr="0" anchor="t" bIns="91425" lIns="91425" spcFirstLastPara="1" rIns="91425" wrap="square" tIns="91425">
+          <a:bodyPr spcFirstLastPara="1" wrap="square" lIns="91425" tIns="91425" rIns="91425" bIns="91425" anchor="t" anchorCtr="0">
             <a:noAutofit/>
           </a:bodyPr>
           <a:lstStyle/>
           <a:p>
-            <a:pPr indent="0" lvl="0" marL="0" rtl="0" algn="l">
+            <a:pPr marL="0" lvl="0" indent="0" algn="l" rtl="0">
               <a:spcBef>
                 <a:spcPts val="0"/>
               </a:spcBef>
@@ -7783,10 +7805,10 @@
               <a:buNone/>
             </a:pPr>
             <a:r>
-              <a:rPr lang="en"/>
+              <a:rPr lang="en-GB"/>
               <a:t>Proposed Model (Pytorch Using MPI)</a:t>
             </a:r>
-            <a:endParaRPr/>
+            <a:endParaRPr lang="en-GB"/>
           </a:p>
         </p:txBody>
       </p:sp>
@@ -7795,7 +7817,7 @@
           <p:cNvPr id="91" name="Google Shape;91;p19"/>
           <p:cNvSpPr txBox="1"/>
           <p:nvPr>
-            <p:ph idx="1" type="body"/>
+            <p:ph type="body" idx="1"/>
           </p:nvPr>
         </p:nvSpPr>
         <p:spPr>
@@ -7808,12 +7830,12 @@
           </a:prstGeom>
         </p:spPr>
         <p:txBody>
-          <a:bodyPr anchorCtr="0" anchor="t" bIns="91425" lIns="91425" spcFirstLastPara="1" rIns="91425" wrap="square" tIns="91425">
+          <a:bodyPr spcFirstLastPara="1" wrap="square" lIns="91425" tIns="91425" rIns="91425" bIns="91425" anchor="t" anchorCtr="0">
             <a:noAutofit/>
           </a:bodyPr>
           <a:lstStyle/>
           <a:p>
-            <a:pPr indent="-342900" lvl="0" marL="457200" rtl="0" algn="l">
+            <a:pPr marL="457200" lvl="0" indent="-342900" algn="l" rtl="0">
               <a:spcBef>
                 <a:spcPts val="0"/>
               </a:spcBef>
@@ -7824,13 +7846,13 @@
               <a:buChar char="●"/>
             </a:pPr>
             <a:r>
-              <a:rPr lang="en"/>
+              <a:rPr lang="en-GB"/>
               <a:t>Pytorch binaries have to be manually recompiled which is fairly simple and time consuming since the compiling part is done sequentially</a:t>
             </a:r>
-            <a:endParaRPr/>
+            <a:endParaRPr lang="en-GB"/>
           </a:p>
           <a:p>
-            <a:pPr indent="-342900" lvl="0" marL="457200" rtl="0" algn="l">
+            <a:pPr marL="457200" lvl="0" indent="-342900" algn="l" rtl="0">
               <a:spcBef>
                 <a:spcPts val="0"/>
               </a:spcBef>
@@ -7841,13 +7863,13 @@
               <a:buChar char="●"/>
             </a:pPr>
             <a:r>
-              <a:rPr lang="en"/>
+              <a:rPr lang="en-GB"/>
               <a:t>On execution the PyTorch the will look by itself for the available MPI backend implementation in the Binaries</a:t>
             </a:r>
-            <a:endParaRPr/>
+            <a:endParaRPr lang="en-GB"/>
           </a:p>
           <a:p>
-            <a:pPr indent="-342900" lvl="0" marL="457200" rtl="0" algn="l">
+            <a:pPr marL="457200" lvl="0" indent="-342900" algn="l" rtl="0">
               <a:spcBef>
                 <a:spcPts val="0"/>
               </a:spcBef>
@@ -7858,13 +7880,13 @@
               <a:buChar char="●"/>
             </a:pPr>
             <a:r>
-              <a:rPr lang="en"/>
+              <a:rPr lang="en-GB"/>
               <a:t>Proposal based on reading various recent article and studies which are being practically implemented in the industry at production level and deployed across datacenters in the Tech Giants like Facbook</a:t>
             </a:r>
-            <a:endParaRPr/>
+            <a:endParaRPr lang="en-GB"/>
           </a:p>
           <a:p>
-            <a:pPr indent="0" lvl="0" marL="457200" rtl="0" algn="l">
+            <a:pPr marL="457200" lvl="0" indent="0" algn="l" rtl="0">
               <a:spcBef>
                 <a:spcPts val="1600"/>
               </a:spcBef>
@@ -7874,13 +7896,13 @@
               <a:buNone/>
             </a:pPr>
             <a:r>
-              <a:rPr lang="en"/>
+              <a:rPr lang="en-GB"/>
               <a:t> </a:t>
             </a:r>
-            <a:endParaRPr/>
+            <a:endParaRPr lang="en-GB"/>
           </a:p>
           <a:p>
-            <a:pPr indent="0" lvl="0" marL="457200" rtl="0" algn="l">
+            <a:pPr marL="457200" lvl="0" indent="0" algn="l" rtl="0">
               <a:spcBef>
                 <a:spcPts val="1600"/>
               </a:spcBef>
@@ -7889,10 +7911,6 @@
               </a:spcAft>
               <a:buNone/>
             </a:pPr>
-            <a:r>
-              <a:t/>
-            </a:r>
-            <a:endParaRPr/>
           </a:p>
         </p:txBody>
       </p:sp>
@@ -7905,7 +7923,612 @@
 </file>
 
 <file path=ppt/slides/slide8.xml><?xml version="1.0" encoding="utf-8"?>
-<p:sld xmlns:a="http://schemas.openxmlformats.org/drawingml/2006/main" xmlns:r="http://schemas.openxmlformats.org/officeDocument/2006/relationships" xmlns:mc="http://schemas.openxmlformats.org/markup-compatibility/2006" xmlns:mv="urn:schemas-microsoft-com:mac:vml" xmlns:p="http://schemas.openxmlformats.org/presentationml/2006/main" xmlns:c="http://schemas.openxmlformats.org/drawingml/2006/chart" xmlns:dgm="http://schemas.openxmlformats.org/drawingml/2006/diagram" xmlns:o="urn:schemas-microsoft-com:office:office" xmlns:v="urn:schemas-microsoft-com:vml" xmlns:pvml="urn:schemas-microsoft-com:office:powerpoint" xmlns:com="http://schemas.openxmlformats.org/drawingml/2006/compatibility" xmlns:p14="http://schemas.microsoft.com/office/powerpoint/2010/main" xmlns:p15="http://schemas.microsoft.com/office/powerpoint/2012/main">
+<p:sld xmlns:a="http://schemas.openxmlformats.org/drawingml/2006/main" xmlns:r="http://schemas.openxmlformats.org/officeDocument/2006/relationships" xmlns:p="http://schemas.openxmlformats.org/presentationml/2006/main">
+  <p:cSld>
+    <p:spTree>
+      <p:nvGrpSpPr>
+        <p:cNvPr id="1" name=""/>
+        <p:cNvGrpSpPr/>
+        <p:nvPr/>
+      </p:nvGrpSpPr>
+      <p:grpSpPr/>
+      <p:sp>
+        <p:nvSpPr>
+          <p:cNvPr id="2" name="Title 1"/>
+          <p:cNvSpPr/>
+          <p:nvPr>
+            <p:ph type="title"/>
+          </p:nvPr>
+        </p:nvSpPr>
+        <p:spPr/>
+        <p:txBody>
+          <a:bodyPr/>
+          <a:p>
+            <a:r>
+              <a:rPr lang="" altLang="en-US"/>
+              <a:t>Working</a:t>
+            </a:r>
+            <a:br>
+              <a:rPr lang="" altLang="en-US"/>
+            </a:br>
+            <a:endParaRPr lang="" altLang="en-US"/>
+          </a:p>
+        </p:txBody>
+      </p:sp>
+      <p:sp>
+        <p:nvSpPr>
+          <p:cNvPr id="3" name="Text Placeholder 2"/>
+          <p:cNvSpPr/>
+          <p:nvPr>
+            <p:ph type="body" idx="1"/>
+          </p:nvPr>
+        </p:nvSpPr>
+        <p:spPr/>
+        <p:txBody>
+          <a:bodyPr/>
+          <a:p>
+            <a:pPr marL="114300" indent="0">
+              <a:buNone/>
+            </a:pPr>
+            <a:endParaRPr lang="en-US"/>
+          </a:p>
+        </p:txBody>
+      </p:sp>
+      <p:sp>
+        <p:nvSpPr>
+          <p:cNvPr id="5" name="Text Box 4"/>
+          <p:cNvSpPr txBox="1"/>
+          <p:nvPr/>
+        </p:nvSpPr>
+        <p:spPr>
+          <a:xfrm>
+            <a:off x="1104265" y="3171190"/>
+            <a:ext cx="1656080" cy="306705"/>
+          </a:xfrm>
+          <a:prstGeom prst="rect">
+            <a:avLst/>
+          </a:prstGeom>
+          <a:solidFill>
+            <a:schemeClr val="accent2"/>
+          </a:solidFill>
+        </p:spPr>
+        <p:txBody>
+          <a:bodyPr wrap="square" rtlCol="0">
+            <a:spAutoFit/>
+          </a:bodyPr>
+          <a:p>
+            <a:r>
+              <a:rPr lang="" altLang="en-US"/>
+              <a:t>Tensor Graph</a:t>
+            </a:r>
+            <a:endParaRPr lang="" altLang="en-US"/>
+          </a:p>
+        </p:txBody>
+      </p:sp>
+      <p:sp>
+        <p:nvSpPr>
+          <p:cNvPr id="6" name="Text Box 5"/>
+          <p:cNvSpPr txBox="1"/>
+          <p:nvPr/>
+        </p:nvSpPr>
+        <p:spPr>
+          <a:xfrm>
+            <a:off x="505460" y="1978025"/>
+            <a:ext cx="1196975" cy="521970"/>
+          </a:xfrm>
+          <a:prstGeom prst="rect">
+            <a:avLst/>
+          </a:prstGeom>
+          <a:solidFill>
+            <a:schemeClr val="accent2"/>
+          </a:solidFill>
+        </p:spPr>
+        <p:txBody>
+          <a:bodyPr wrap="square" rtlCol="0">
+            <a:spAutoFit/>
+          </a:bodyPr>
+          <a:p>
+            <a:r>
+              <a:rPr lang="" altLang="en-US"/>
+              <a:t>Processing Element 1</a:t>
+            </a:r>
+            <a:endParaRPr lang="" altLang="en-US"/>
+          </a:p>
+        </p:txBody>
+      </p:sp>
+      <p:sp>
+        <p:nvSpPr>
+          <p:cNvPr id="7" name="Text Box 6"/>
+          <p:cNvSpPr txBox="1"/>
+          <p:nvPr/>
+        </p:nvSpPr>
+        <p:spPr>
+          <a:xfrm>
+            <a:off x="2440305" y="1978025"/>
+            <a:ext cx="1442720" cy="521970"/>
+          </a:xfrm>
+          <a:prstGeom prst="rect">
+            <a:avLst/>
+          </a:prstGeom>
+          <a:solidFill>
+            <a:schemeClr val="accent2"/>
+          </a:solidFill>
+        </p:spPr>
+        <p:txBody>
+          <a:bodyPr wrap="square" rtlCol="0">
+            <a:spAutoFit/>
+          </a:bodyPr>
+          <a:p>
+            <a:r>
+              <a:rPr lang="en-US" altLang="en-US"/>
+              <a:t>Processing Element </a:t>
+            </a:r>
+            <a:r>
+              <a:rPr lang="" altLang="en-US"/>
+              <a:t>2</a:t>
+            </a:r>
+            <a:endParaRPr lang="" altLang="en-US"/>
+          </a:p>
+        </p:txBody>
+      </p:sp>
+      <p:sp>
+        <p:nvSpPr>
+          <p:cNvPr id="8" name="Text Box 7"/>
+          <p:cNvSpPr txBox="1"/>
+          <p:nvPr/>
+        </p:nvSpPr>
+        <p:spPr>
+          <a:xfrm>
+            <a:off x="4883785" y="1978025"/>
+            <a:ext cx="1334770" cy="521970"/>
+          </a:xfrm>
+          <a:prstGeom prst="rect">
+            <a:avLst/>
+          </a:prstGeom>
+          <a:solidFill>
+            <a:schemeClr val="accent2"/>
+          </a:solidFill>
+        </p:spPr>
+        <p:txBody>
+          <a:bodyPr wrap="square" rtlCol="0">
+            <a:spAutoFit/>
+          </a:bodyPr>
+          <a:p>
+            <a:r>
+              <a:rPr lang="en-US" altLang="en-US"/>
+              <a:t>Processing Element </a:t>
+            </a:r>
+            <a:r>
+              <a:rPr lang="" altLang="en-US"/>
+              <a:t>3</a:t>
+            </a:r>
+            <a:endParaRPr lang="" altLang="en-US"/>
+          </a:p>
+        </p:txBody>
+      </p:sp>
+      <p:sp>
+        <p:nvSpPr>
+          <p:cNvPr id="9" name="Text Box 8"/>
+          <p:cNvSpPr txBox="1"/>
+          <p:nvPr/>
+        </p:nvSpPr>
+        <p:spPr>
+          <a:xfrm>
+            <a:off x="7173595" y="1978025"/>
+            <a:ext cx="1264920" cy="521970"/>
+          </a:xfrm>
+          <a:prstGeom prst="rect">
+            <a:avLst/>
+          </a:prstGeom>
+          <a:solidFill>
+            <a:schemeClr val="accent2"/>
+          </a:solidFill>
+        </p:spPr>
+        <p:txBody>
+          <a:bodyPr wrap="square" rtlCol="0">
+            <a:spAutoFit/>
+          </a:bodyPr>
+          <a:p>
+            <a:r>
+              <a:rPr lang="en-US" altLang="en-US"/>
+              <a:t>Processing Element </a:t>
+            </a:r>
+            <a:r>
+              <a:rPr lang="" altLang="en-US"/>
+              <a:t>4</a:t>
+            </a:r>
+            <a:endParaRPr lang="" altLang="en-US"/>
+          </a:p>
+        </p:txBody>
+      </p:sp>
+      <p:sp>
+        <p:nvSpPr>
+          <p:cNvPr id="10" name="Text Box 9"/>
+          <p:cNvSpPr txBox="1"/>
+          <p:nvPr/>
+        </p:nvSpPr>
+        <p:spPr>
+          <a:xfrm>
+            <a:off x="3276600" y="347345"/>
+            <a:ext cx="2737485" cy="306705"/>
+          </a:xfrm>
+          <a:prstGeom prst="rect">
+            <a:avLst/>
+          </a:prstGeom>
+          <a:solidFill>
+            <a:schemeClr val="accent2"/>
+          </a:solidFill>
+        </p:spPr>
+        <p:txBody>
+          <a:bodyPr wrap="square" rtlCol="0">
+            <a:spAutoFit/>
+          </a:bodyPr>
+          <a:p>
+            <a:r>
+              <a:rPr lang="" altLang="en-US"/>
+              <a:t>MNIST Database size 60000</a:t>
+            </a:r>
+            <a:endParaRPr lang="" altLang="en-US"/>
+          </a:p>
+        </p:txBody>
+      </p:sp>
+      <p:cxnSp>
+        <p:nvCxnSpPr>
+          <p:cNvPr id="11" name="Straight Arrow Connector 10"/>
+          <p:cNvCxnSpPr>
+            <a:stCxn id="10" idx="2"/>
+            <a:endCxn id="6" idx="0"/>
+          </p:cNvCxnSpPr>
+          <p:nvPr/>
+        </p:nvCxnSpPr>
+        <p:spPr>
+          <a:xfrm flipH="1">
+            <a:off x="1104265" y="654050"/>
+            <a:ext cx="3541395" cy="1323975"/>
+          </a:xfrm>
+          <a:prstGeom prst="straightConnector1">
+            <a:avLst/>
+          </a:prstGeom>
+          <a:ln>
+            <a:tailEnd type="arrow" w="med" len="med"/>
+          </a:ln>
+        </p:spPr>
+        <p:style>
+          <a:lnRef idx="3">
+            <a:schemeClr val="accent2"/>
+          </a:lnRef>
+          <a:fillRef idx="0">
+            <a:schemeClr val="accent2"/>
+          </a:fillRef>
+          <a:effectRef idx="2">
+            <a:schemeClr val="accent2"/>
+          </a:effectRef>
+          <a:fontRef idx="minor">
+            <a:schemeClr val="tx1"/>
+          </a:fontRef>
+        </p:style>
+      </p:cxnSp>
+      <p:cxnSp>
+        <p:nvCxnSpPr>
+          <p:cNvPr id="12" name="Straight Arrow Connector 11"/>
+          <p:cNvCxnSpPr>
+            <a:stCxn id="10" idx="2"/>
+            <a:endCxn id="7" idx="0"/>
+          </p:cNvCxnSpPr>
+          <p:nvPr/>
+        </p:nvCxnSpPr>
+        <p:spPr>
+          <a:xfrm flipH="1">
+            <a:off x="3161665" y="654050"/>
+            <a:ext cx="1483995" cy="1323975"/>
+          </a:xfrm>
+          <a:prstGeom prst="straightConnector1">
+            <a:avLst/>
+          </a:prstGeom>
+          <a:ln>
+            <a:tailEnd type="arrow" w="med" len="med"/>
+          </a:ln>
+        </p:spPr>
+        <p:style>
+          <a:lnRef idx="3">
+            <a:schemeClr val="accent2"/>
+          </a:lnRef>
+          <a:fillRef idx="0">
+            <a:schemeClr val="accent2"/>
+          </a:fillRef>
+          <a:effectRef idx="2">
+            <a:schemeClr val="accent2"/>
+          </a:effectRef>
+          <a:fontRef idx="minor">
+            <a:schemeClr val="tx1"/>
+          </a:fontRef>
+        </p:style>
+      </p:cxnSp>
+      <p:cxnSp>
+        <p:nvCxnSpPr>
+          <p:cNvPr id="13" name="Straight Arrow Connector 12"/>
+          <p:cNvCxnSpPr>
+            <a:endCxn id="8" idx="0"/>
+          </p:cNvCxnSpPr>
+          <p:nvPr/>
+        </p:nvCxnSpPr>
+        <p:spPr>
+          <a:xfrm>
+            <a:off x="4629785" y="671195"/>
+            <a:ext cx="921385" cy="1306830"/>
+          </a:xfrm>
+          <a:prstGeom prst="straightConnector1">
+            <a:avLst/>
+          </a:prstGeom>
+          <a:ln>
+            <a:tailEnd type="arrow" w="med" len="med"/>
+          </a:ln>
+        </p:spPr>
+        <p:style>
+          <a:lnRef idx="3">
+            <a:schemeClr val="accent2"/>
+          </a:lnRef>
+          <a:fillRef idx="0">
+            <a:schemeClr val="accent2"/>
+          </a:fillRef>
+          <a:effectRef idx="2">
+            <a:schemeClr val="accent2"/>
+          </a:effectRef>
+          <a:fontRef idx="minor">
+            <a:schemeClr val="tx1"/>
+          </a:fontRef>
+        </p:style>
+      </p:cxnSp>
+      <p:cxnSp>
+        <p:nvCxnSpPr>
+          <p:cNvPr id="14" name="Straight Arrow Connector 13"/>
+          <p:cNvCxnSpPr>
+            <a:stCxn id="10" idx="2"/>
+            <a:endCxn id="9" idx="0"/>
+          </p:cNvCxnSpPr>
+          <p:nvPr/>
+        </p:nvCxnSpPr>
+        <p:spPr>
+          <a:xfrm>
+            <a:off x="4645660" y="654050"/>
+            <a:ext cx="3160395" cy="1323975"/>
+          </a:xfrm>
+          <a:prstGeom prst="straightConnector1">
+            <a:avLst/>
+          </a:prstGeom>
+          <a:ln>
+            <a:tailEnd type="arrow" w="med" len="med"/>
+          </a:ln>
+        </p:spPr>
+        <p:style>
+          <a:lnRef idx="3">
+            <a:schemeClr val="accent2"/>
+          </a:lnRef>
+          <a:fillRef idx="0">
+            <a:schemeClr val="accent2"/>
+          </a:fillRef>
+          <a:effectRef idx="2">
+            <a:schemeClr val="accent2"/>
+          </a:effectRef>
+          <a:fontRef idx="minor">
+            <a:schemeClr val="tx1"/>
+          </a:fontRef>
+        </p:style>
+      </p:cxnSp>
+      <p:cxnSp>
+        <p:nvCxnSpPr>
+          <p:cNvPr id="15" name="Straight Arrow Connector 14"/>
+          <p:cNvCxnSpPr/>
+          <p:nvPr/>
+        </p:nvCxnSpPr>
+        <p:spPr>
+          <a:xfrm>
+            <a:off x="1104265" y="2499995"/>
+            <a:ext cx="2540" cy="639445"/>
+          </a:xfrm>
+          <a:prstGeom prst="straightConnector1">
+            <a:avLst/>
+          </a:prstGeom>
+          <a:ln>
+            <a:tailEnd type="arrow" w="med" len="med"/>
+          </a:ln>
+        </p:spPr>
+        <p:style>
+          <a:lnRef idx="3">
+            <a:schemeClr val="accent2"/>
+          </a:lnRef>
+          <a:fillRef idx="0">
+            <a:schemeClr val="accent2"/>
+          </a:fillRef>
+          <a:effectRef idx="2">
+            <a:schemeClr val="accent2"/>
+          </a:effectRef>
+          <a:fontRef idx="minor">
+            <a:schemeClr val="tx1"/>
+          </a:fontRef>
+        </p:style>
+      </p:cxnSp>
+      <p:cxnSp>
+        <p:nvCxnSpPr>
+          <p:cNvPr id="16" name="Straight Arrow Connector 15"/>
+          <p:cNvCxnSpPr/>
+          <p:nvPr/>
+        </p:nvCxnSpPr>
+        <p:spPr>
+          <a:xfrm>
+            <a:off x="3161665" y="2499995"/>
+            <a:ext cx="2540" cy="639445"/>
+          </a:xfrm>
+          <a:prstGeom prst="straightConnector1">
+            <a:avLst/>
+          </a:prstGeom>
+          <a:ln>
+            <a:tailEnd type="arrow" w="med" len="med"/>
+          </a:ln>
+        </p:spPr>
+        <p:style>
+          <a:lnRef idx="3">
+            <a:schemeClr val="accent2"/>
+          </a:lnRef>
+          <a:fillRef idx="0">
+            <a:schemeClr val="accent2"/>
+          </a:fillRef>
+          <a:effectRef idx="2">
+            <a:schemeClr val="accent2"/>
+          </a:effectRef>
+          <a:fontRef idx="minor">
+            <a:schemeClr val="tx1"/>
+          </a:fontRef>
+        </p:style>
+      </p:cxnSp>
+      <p:cxnSp>
+        <p:nvCxnSpPr>
+          <p:cNvPr id="17" name="Straight Arrow Connector 16"/>
+          <p:cNvCxnSpPr/>
+          <p:nvPr/>
+        </p:nvCxnSpPr>
+        <p:spPr>
+          <a:xfrm>
+            <a:off x="5551170" y="2499995"/>
+            <a:ext cx="2540" cy="639445"/>
+          </a:xfrm>
+          <a:prstGeom prst="straightConnector1">
+            <a:avLst/>
+          </a:prstGeom>
+          <a:ln>
+            <a:tailEnd type="arrow" w="med" len="med"/>
+          </a:ln>
+        </p:spPr>
+        <p:style>
+          <a:lnRef idx="3">
+            <a:schemeClr val="accent2"/>
+          </a:lnRef>
+          <a:fillRef idx="0">
+            <a:schemeClr val="accent2"/>
+          </a:fillRef>
+          <a:effectRef idx="2">
+            <a:schemeClr val="accent2"/>
+          </a:effectRef>
+          <a:fontRef idx="minor">
+            <a:schemeClr val="tx1"/>
+          </a:fontRef>
+        </p:style>
+      </p:cxnSp>
+      <p:cxnSp>
+        <p:nvCxnSpPr>
+          <p:cNvPr id="18" name="Straight Arrow Connector 17"/>
+          <p:cNvCxnSpPr/>
+          <p:nvPr/>
+        </p:nvCxnSpPr>
+        <p:spPr>
+          <a:xfrm>
+            <a:off x="7803515" y="2499995"/>
+            <a:ext cx="2540" cy="639445"/>
+          </a:xfrm>
+          <a:prstGeom prst="straightConnector1">
+            <a:avLst/>
+          </a:prstGeom>
+          <a:ln>
+            <a:tailEnd type="arrow" w="med" len="med"/>
+          </a:ln>
+        </p:spPr>
+        <p:style>
+          <a:lnRef idx="3">
+            <a:schemeClr val="accent2"/>
+          </a:lnRef>
+          <a:fillRef idx="0">
+            <a:schemeClr val="accent2"/>
+          </a:fillRef>
+          <a:effectRef idx="2">
+            <a:schemeClr val="accent2"/>
+          </a:effectRef>
+          <a:fontRef idx="minor">
+            <a:schemeClr val="tx1"/>
+          </a:fontRef>
+        </p:style>
+      </p:cxnSp>
+    </p:spTree>
+  </p:cSld>
+  <p:clrMapOvr>
+    <a:masterClrMapping/>
+  </p:clrMapOvr>
+  <p:timing>
+    <p:tnLst>
+      <p:par>
+        <p:cTn id="1" dur="indefinite" restart="never" nodeType="tmRoot">
+          <p:childTnLst>
+            <p:seq concurrent="1" nextAc="seek">
+              <p:cTn id="2" dur="indefinite" nodeType="mainSeq">
+                <p:childTnLst>
+                  <p:par>
+                    <p:cTn id="3" fill="hold">
+                      <p:stCondLst>
+                        <p:cond delay="indefinite"/>
+                      </p:stCondLst>
+                      <p:childTnLst>
+                        <p:par>
+                          <p:cTn id="4" fill="hold">
+                            <p:stCondLst>
+                              <p:cond delay="0"/>
+                            </p:stCondLst>
+                            <p:childTnLst>
+                              <p:par>
+                                <p:cTn id="5" presetID="0" presetClass="path" presetSubtype="0" accel="50000" decel="50000" fill="hold" grpId="0" nodeType="clickEffect">
+                                  <p:stCondLst>
+                                    <p:cond delay="0"/>
+                                  </p:stCondLst>
+                                  <p:childTnLst>
+                                    <p:animMotion origin="layout" path="M 0.091528 0.011111 L 0.645833 0.002840 " pathEditMode="relative" ptsTypes="">
+                                      <p:cBhvr>
+                                        <p:cTn id="6" dur="2000" fill="hold"/>
+                                        <p:tgtEl>
+                                          <p:spTgt spid="5"/>
+                                        </p:tgtEl>
+                                        <p:attrNameLst>
+                                          <p:attrName>ppt_x</p:attrName>
+                                          <p:attrName>ppt_y</p:attrName>
+                                        </p:attrNameLst>
+                                      </p:cBhvr>
+                                    </p:animMotion>
+                                  </p:childTnLst>
+                                </p:cTn>
+                              </p:par>
+                            </p:childTnLst>
+                          </p:cTn>
+                        </p:par>
+                      </p:childTnLst>
+                    </p:cTn>
+                  </p:par>
+                </p:childTnLst>
+              </p:cTn>
+              <p:prevCondLst>
+                <p:cond evt="onPrev" delay="0">
+                  <p:tgtEl>
+                    <p:sldTgt/>
+                  </p:tgtEl>
+                </p:cond>
+              </p:prevCondLst>
+              <p:nextCondLst>
+                <p:cond evt="onNext" delay="0">
+                  <p:tgtEl>
+                    <p:sldTgt/>
+                  </p:tgtEl>
+                </p:cond>
+              </p:nextCondLst>
+            </p:seq>
+          </p:childTnLst>
+        </p:cTn>
+      </p:par>
+    </p:tnLst>
+    <p:bldLst>
+      <p:bldP spid="5" grpId="0" animBg="1"/>
+    </p:bldLst>
+  </p:timing>
+</p:sld>
+</file>
+
+<file path=ppt/slides/slide9.xml><?xml version="1.0" encoding="utf-8"?>
+<p:sld xmlns:a="http://schemas.openxmlformats.org/drawingml/2006/main" xmlns:r="http://schemas.openxmlformats.org/officeDocument/2006/relationships" xmlns:p="http://schemas.openxmlformats.org/presentationml/2006/main">
   <p:cSld>
     <p:spTree>
       <p:nvGrpSpPr>
@@ -7939,12 +8562,12 @@
           </a:prstGeom>
         </p:spPr>
         <p:txBody>
-          <a:bodyPr anchorCtr="0" anchor="t" bIns="91425" lIns="91425" spcFirstLastPara="1" rIns="91425" wrap="square" tIns="91425">
+          <a:bodyPr spcFirstLastPara="1" wrap="square" lIns="91425" tIns="91425" rIns="91425" bIns="91425" anchor="t" anchorCtr="0">
             <a:noAutofit/>
           </a:bodyPr>
           <a:lstStyle/>
           <a:p>
-            <a:pPr indent="0" lvl="0" marL="0" rtl="0" algn="l">
+            <a:pPr marL="0" lvl="0" indent="0" algn="l" rtl="0">
               <a:spcBef>
                 <a:spcPts val="0"/>
               </a:spcBef>
@@ -7954,10 +8577,10 @@
               <a:buNone/>
             </a:pPr>
             <a:r>
-              <a:rPr lang="en"/>
+              <a:rPr lang="en-GB"/>
               <a:t>Result and Analysis </a:t>
             </a:r>
-            <a:endParaRPr/>
+            <a:endParaRPr lang="en-GB"/>
           </a:p>
         </p:txBody>
       </p:sp>
@@ -7966,7 +8589,7 @@
           <p:cNvPr id="97" name="Google Shape;97;p20"/>
           <p:cNvSpPr txBox="1"/>
           <p:nvPr>
-            <p:ph idx="1" type="body"/>
+            <p:ph type="body" idx="1"/>
           </p:nvPr>
         </p:nvSpPr>
         <p:spPr>
@@ -7979,12 +8602,12 @@
           </a:prstGeom>
         </p:spPr>
         <p:txBody>
-          <a:bodyPr anchorCtr="0" anchor="t" bIns="91425" lIns="91425" spcFirstLastPara="1" rIns="91425" wrap="square" tIns="91425">
+          <a:bodyPr spcFirstLastPara="1" wrap="square" lIns="91425" tIns="91425" rIns="91425" bIns="91425" anchor="t" anchorCtr="0">
             <a:noAutofit/>
           </a:bodyPr>
           <a:lstStyle/>
           <a:p>
-            <a:pPr indent="-342900" lvl="0" marL="457200" rtl="0" algn="l">
+            <a:pPr marL="457200" lvl="0" indent="-342900" algn="l" rtl="0">
               <a:spcBef>
                 <a:spcPts val="0"/>
               </a:spcBef>
@@ -7994,13 +8617,9 @@
               <a:buSzPts val="1800"/>
               <a:buChar char="●"/>
             </a:pPr>
-            <a:r>
-              <a:t/>
-            </a:r>
-            <a:endParaRPr/>
           </a:p>
           <a:p>
-            <a:pPr indent="0" lvl="0" marL="457200" rtl="0" algn="l">
+            <a:pPr marL="457200" lvl="0" indent="0" algn="l" rtl="0">
               <a:spcBef>
                 <a:spcPts val="1600"/>
               </a:spcBef>
@@ -8009,10 +8628,6 @@
               </a:spcAft>
               <a:buNone/>
             </a:pPr>
-            <a:r>
-              <a:t/>
-            </a:r>
-            <a:endParaRPr/>
           </a:p>
         </p:txBody>
       </p:sp>
@@ -8023,9 +8638,7 @@
           <p:nvPr/>
         </p:nvPicPr>
         <p:blipFill>
-          <a:blip r:embed="rId3">
-            <a:alphaModFix/>
-          </a:blip>
+          <a:blip r:embed="rId1"/>
           <a:stretch>
             <a:fillRect/>
           </a:stretch>
@@ -8052,131 +8665,8 @@
 </p:sld>
 </file>
 
-<file path=ppt/slides/slide9.xml><?xml version="1.0" encoding="utf-8"?>
-<p:sld xmlns:a="http://schemas.openxmlformats.org/drawingml/2006/main" xmlns:r="http://schemas.openxmlformats.org/officeDocument/2006/relationships" xmlns:mc="http://schemas.openxmlformats.org/markup-compatibility/2006" xmlns:mv="urn:schemas-microsoft-com:mac:vml" xmlns:p="http://schemas.openxmlformats.org/presentationml/2006/main" xmlns:c="http://schemas.openxmlformats.org/drawingml/2006/chart" xmlns:dgm="http://schemas.openxmlformats.org/drawingml/2006/diagram" xmlns:o="urn:schemas-microsoft-com:office:office" xmlns:v="urn:schemas-microsoft-com:vml" xmlns:pvml="urn:schemas-microsoft-com:office:powerpoint" xmlns:com="http://schemas.openxmlformats.org/drawingml/2006/compatibility" xmlns:p14="http://schemas.microsoft.com/office/powerpoint/2010/main" xmlns:p15="http://schemas.microsoft.com/office/powerpoint/2012/main">
-  <p:cSld>
-    <p:spTree>
-      <p:nvGrpSpPr>
-        <p:cNvPr id="102" name="Shape 102"/>
-        <p:cNvGrpSpPr/>
-        <p:nvPr/>
-      </p:nvGrpSpPr>
-      <p:grpSpPr>
-        <a:xfrm>
-          <a:off x="0" y="0"/>
-          <a:ext cx="0" cy="0"/>
-          <a:chOff x="0" y="0"/>
-          <a:chExt cx="0" cy="0"/>
-        </a:xfrm>
-      </p:grpSpPr>
-      <p:sp>
-        <p:nvSpPr>
-          <p:cNvPr id="103" name="Google Shape;103;p21"/>
-          <p:cNvSpPr txBox="1"/>
-          <p:nvPr>
-            <p:ph type="title"/>
-          </p:nvPr>
-        </p:nvSpPr>
-        <p:spPr>
-          <a:xfrm>
-            <a:off x="311700" y="445025"/>
-            <a:ext cx="8520600" cy="572700"/>
-          </a:xfrm>
-          <a:prstGeom prst="rect">
-            <a:avLst/>
-          </a:prstGeom>
-        </p:spPr>
-        <p:txBody>
-          <a:bodyPr anchorCtr="0" anchor="t" bIns="91425" lIns="91425" spcFirstLastPara="1" rIns="91425" wrap="square" tIns="91425">
-            <a:noAutofit/>
-          </a:bodyPr>
-          <a:lstStyle/>
-          <a:p>
-            <a:pPr indent="0" lvl="0" marL="0" rtl="0" algn="l">
-              <a:spcBef>
-                <a:spcPts val="0"/>
-              </a:spcBef>
-              <a:spcAft>
-                <a:spcPts val="0"/>
-              </a:spcAft>
-              <a:buNone/>
-            </a:pPr>
-            <a:r>
-              <a:rPr lang="en"/>
-              <a:t>Conclusion </a:t>
-            </a:r>
-            <a:endParaRPr/>
-          </a:p>
-        </p:txBody>
-      </p:sp>
-      <p:sp>
-        <p:nvSpPr>
-          <p:cNvPr id="104" name="Google Shape;104;p21"/>
-          <p:cNvSpPr txBox="1"/>
-          <p:nvPr>
-            <p:ph idx="1" type="body"/>
-          </p:nvPr>
-        </p:nvSpPr>
-        <p:spPr>
-          <a:xfrm>
-            <a:off x="311700" y="1152475"/>
-            <a:ext cx="8520600" cy="3416400"/>
-          </a:xfrm>
-          <a:prstGeom prst="rect">
-            <a:avLst/>
-          </a:prstGeom>
-        </p:spPr>
-        <p:txBody>
-          <a:bodyPr anchorCtr="0" anchor="t" bIns="91425" lIns="91425" spcFirstLastPara="1" rIns="91425" wrap="square" tIns="91425">
-            <a:noAutofit/>
-          </a:bodyPr>
-          <a:lstStyle/>
-          <a:p>
-            <a:pPr indent="-342900" lvl="0" marL="457200" rtl="0" algn="l">
-              <a:spcBef>
-                <a:spcPts val="0"/>
-              </a:spcBef>
-              <a:spcAft>
-                <a:spcPts val="0"/>
-              </a:spcAft>
-              <a:buSzPts val="1800"/>
-              <a:buChar char="●"/>
-            </a:pPr>
-            <a:r>
-              <a:rPr lang="en"/>
-              <a:t>Evaluating the MNIST dataset gives the best speedup when executed parallely on 4 core using Pytorch with MPI. we checked  the speedup i.e. sequential execution with parallel execution using 4 cores and we got 69% efficiency. </a:t>
-            </a:r>
-            <a:endParaRPr/>
-          </a:p>
-          <a:p>
-            <a:pPr indent="-342900" lvl="0" marL="457200" rtl="0" algn="l">
-              <a:spcBef>
-                <a:spcPts val="0"/>
-              </a:spcBef>
-              <a:spcAft>
-                <a:spcPts val="0"/>
-              </a:spcAft>
-              <a:buSzPts val="1800"/>
-              <a:buChar char="●"/>
-            </a:pPr>
-            <a:r>
-              <a:rPr lang="en"/>
-              <a:t>Further research can be carried out to implement Pytorch using  NCCL and other standard datasets to  analyze its efficiency .</a:t>
-            </a:r>
-            <a:endParaRPr/>
-          </a:p>
-        </p:txBody>
-      </p:sp>
-    </p:spTree>
-  </p:cSld>
-  <p:clrMapOvr>
-    <a:masterClrMapping/>
-  </p:clrMapOvr>
-</p:sld>
-</file>
-
 <file path=ppt/theme/theme1.xml><?xml version="1.0" encoding="utf-8"?>
-<a:theme xmlns:a="http://schemas.openxmlformats.org/drawingml/2006/main" xmlns:r="http://schemas.openxmlformats.org/officeDocument/2006/relationships" name="Simple Dark">
+<a:theme xmlns:a="http://schemas.openxmlformats.org/drawingml/2006/main" name="Simple Dark">
   <a:themeElements>
     <a:clrScheme name="Simple Dark">
       <a:dk1>
@@ -8451,11 +8941,16 @@
       </a:bgFillStyleLst>
     </a:fmtScheme>
   </a:themeElements>
+  <a:extLst>
+    <a:ext uri="{05A4C25C-085E-4340-85A3-A5531E510DB2}">
+      <thm15:themeFamily xmlns:thm15="http://schemas.microsoft.com/office/thememl/2012/main" name="Office Theme" id="{62F939B6-93AF-4DB8-9C6B-D6C7DFDC589F}" vid="{4A3C46E8-61CC-4603-A589-7422A47A8E4A}"/>
+    </a:ext>
+  </a:extLst>
 </a:theme>
 </file>
 
 <file path=ppt/theme/theme2.xml><?xml version="1.0" encoding="utf-8"?>
-<a:theme xmlns:a="http://schemas.openxmlformats.org/drawingml/2006/main" xmlns:r="http://schemas.openxmlformats.org/officeDocument/2006/relationships">
+<a:theme xmlns:a="http://schemas.openxmlformats.org/drawingml/2006/main">
   <a:themeElements>
     <a:clrScheme name="Default">
       <a:dk1>
@@ -8730,5 +9225,10 @@
       </a:bgFillStyleLst>
     </a:fmtScheme>
   </a:themeElements>
+  <a:extLst>
+    <a:ext uri="{05A4C25C-085E-4340-85A3-A5531E510DB2}">
+      <thm15:themeFamily xmlns:thm15="http://schemas.microsoft.com/office/thememl/2012/main" name="Office Theme" id="{62F939B6-93AF-4DB8-9C6B-D6C7DFDC589F}" vid="{4A3C46E8-61CC-4603-A589-7422A47A8E4A}"/>
+    </a:ext>
+  </a:extLst>
 </a:theme>
 </file>